--- a/Тютюнов.pptx
+++ b/Тютюнов.pptx
@@ -5,24 +5,25 @@
     <p:sldMasterId id="2147483669" r:id="rId1"/>
   </p:sldMasterIdLst>
   <p:notesMasterIdLst>
-    <p:notesMasterId r:id="rId17"/>
+    <p:notesMasterId r:id="rId18"/>
   </p:notesMasterIdLst>
   <p:sldIdLst>
     <p:sldId id="272" r:id="rId2"/>
     <p:sldId id="292" r:id="rId3"/>
-    <p:sldId id="295" r:id="rId4"/>
-    <p:sldId id="328" r:id="rId5"/>
-    <p:sldId id="325" r:id="rId6"/>
-    <p:sldId id="321" r:id="rId7"/>
-    <p:sldId id="302" r:id="rId8"/>
-    <p:sldId id="322" r:id="rId9"/>
-    <p:sldId id="324" r:id="rId10"/>
-    <p:sldId id="314" r:id="rId11"/>
-    <p:sldId id="326" r:id="rId12"/>
-    <p:sldId id="305" r:id="rId13"/>
-    <p:sldId id="327" r:id="rId14"/>
-    <p:sldId id="317" r:id="rId15"/>
-    <p:sldId id="323" r:id="rId16"/>
+    <p:sldId id="329" r:id="rId4"/>
+    <p:sldId id="295" r:id="rId5"/>
+    <p:sldId id="328" r:id="rId6"/>
+    <p:sldId id="325" r:id="rId7"/>
+    <p:sldId id="321" r:id="rId8"/>
+    <p:sldId id="302" r:id="rId9"/>
+    <p:sldId id="322" r:id="rId10"/>
+    <p:sldId id="324" r:id="rId11"/>
+    <p:sldId id="314" r:id="rId12"/>
+    <p:sldId id="326" r:id="rId13"/>
+    <p:sldId id="305" r:id="rId14"/>
+    <p:sldId id="327" r:id="rId15"/>
+    <p:sldId id="317" r:id="rId16"/>
+    <p:sldId id="323" r:id="rId17"/>
   </p:sldIdLst>
   <p:sldSz cx="12192000" cy="6858000"/>
   <p:notesSz cx="6858000" cy="9144000"/>
@@ -128,6 +129,7 @@
           <p14:sldIdLst>
             <p14:sldId id="272"/>
             <p14:sldId id="292"/>
+            <p14:sldId id="329"/>
             <p14:sldId id="295"/>
             <p14:sldId id="328"/>
             <p14:sldId id="325"/>
@@ -2447,7 +2449,7 @@
           <a:p>
             <a:fld id="{82AD27E1-B38E-4D27-8C69-19FC69F60016}" type="slidenum">
               <a:rPr lang="ru-RU" smtClean="0"/>
-              <a:t>14</a:t>
+              <a:t>15</a:t>
             </a:fld>
             <a:endParaRPr lang="ru-RU"/>
           </a:p>
@@ -6187,6 +6189,1889 @@
         </p:nvSpPr>
         <p:spPr>
           <a:xfrm>
+            <a:off x="1219201" y="133351"/>
+            <a:ext cx="10086975" cy="647700"/>
+          </a:xfrm>
+        </p:spPr>
+        <p:txBody>
+          <a:bodyPr>
+            <a:noAutofit/>
+          </a:bodyPr>
+          <a:lstStyle/>
+          <a:p>
+            <a:pPr algn="ctr"/>
+            <a:r>
+              <a:rPr lang="ru-RU" dirty="0">
+                <a:latin typeface="Times New Roman" panose="02020603050405020304" pitchFamily="18" charset="0"/>
+                <a:cs typeface="Times New Roman" panose="02020603050405020304" pitchFamily="18" charset="0"/>
+              </a:rPr>
+              <a:t>Использование инструмента</a:t>
+            </a:r>
+          </a:p>
+        </p:txBody>
+      </p:sp>
+      <p:sp>
+        <p:nvSpPr>
+          <p:cNvPr id="3" name="TextBox 2">
+            <a:extLst>
+              <a:ext uri="{FF2B5EF4-FFF2-40B4-BE49-F238E27FC236}">
+                <a16:creationId xmlns:a16="http://schemas.microsoft.com/office/drawing/2014/main" id="{894B2298-1F98-9126-24B9-82033A089043}"/>
+              </a:ext>
+            </a:extLst>
+          </p:cNvPr>
+          <p:cNvSpPr txBox="1"/>
+          <p:nvPr/>
+        </p:nvSpPr>
+        <p:spPr>
+          <a:xfrm>
+            <a:off x="609601" y="1628522"/>
+            <a:ext cx="4124324" cy="369332"/>
+          </a:xfrm>
+          <a:prstGeom prst="rect">
+            <a:avLst/>
+          </a:prstGeom>
+          <a:noFill/>
+        </p:spPr>
+        <p:txBody>
+          <a:bodyPr wrap="square" rtlCol="0">
+            <a:spAutoFit/>
+          </a:bodyPr>
+          <a:lstStyle/>
+          <a:p>
+            <a:r>
+              <a:rPr lang="ru-RU" b="1" dirty="0"/>
+              <a:t>Класс для обработки сообщений</a:t>
+            </a:r>
+            <a:r>
+              <a:rPr lang="en-US" b="1" dirty="0"/>
+              <a:t>:</a:t>
+            </a:r>
+            <a:endParaRPr lang="ru-RU" dirty="0"/>
+          </a:p>
+        </p:txBody>
+      </p:sp>
+      <p:sp>
+        <p:nvSpPr>
+          <p:cNvPr id="12" name="TextBox 11">
+            <a:extLst>
+              <a:ext uri="{FF2B5EF4-FFF2-40B4-BE49-F238E27FC236}">
+                <a16:creationId xmlns:a16="http://schemas.microsoft.com/office/drawing/2014/main" id="{622F4BB1-F146-30D3-CAD6-E4109A9F5CCE}"/>
+              </a:ext>
+            </a:extLst>
+          </p:cNvPr>
+          <p:cNvSpPr txBox="1"/>
+          <p:nvPr/>
+        </p:nvSpPr>
+        <p:spPr>
+          <a:xfrm>
+            <a:off x="609601" y="1998762"/>
+            <a:ext cx="4733924" cy="3693319"/>
+          </a:xfrm>
+          <a:prstGeom prst="rect">
+            <a:avLst/>
+          </a:prstGeom>
+          <a:noFill/>
+          <a:ln>
+            <a:solidFill>
+              <a:schemeClr val="tx1"/>
+            </a:solidFill>
+          </a:ln>
+        </p:spPr>
+        <p:txBody>
+          <a:bodyPr wrap="square">
+            <a:spAutoFit/>
+          </a:bodyPr>
+          <a:lstStyle/>
+          <a:p>
+            <a:pPr marL="0" marR="0" lvl="0" indent="0" algn="l" defTabSz="914400" rtl="0" eaLnBrk="0" fontAlgn="base" latinLnBrk="0" hangingPunct="0">
+              <a:lnSpc>
+                <a:spcPct val="100000"/>
+              </a:lnSpc>
+              <a:spcBef>
+                <a:spcPct val="0"/>
+              </a:spcBef>
+              <a:spcAft>
+                <a:spcPct val="0"/>
+              </a:spcAft>
+              <a:buClrTx/>
+              <a:buSzTx/>
+              <a:buFontTx/>
+              <a:buNone/>
+              <a:tabLst/>
+            </a:pPr>
+            <a:r>
+              <a:rPr kumimoji="0" lang="ru-RU" altLang="ru-RU" sz="1800" b="0" i="0" u="none" strike="noStrike" cap="none" normalizeH="0" baseline="0" dirty="0" err="1">
+                <a:ln>
+                  <a:noFill/>
+                </a:ln>
+                <a:solidFill>
+                  <a:srgbClr val="CC7832"/>
+                </a:solidFill>
+                <a:effectLst/>
+                <a:latin typeface="JetBrains Mono"/>
+              </a:rPr>
+              <a:t>class</a:t>
+            </a:r>
+            <a:r>
+              <a:rPr kumimoji="0" lang="ru-RU" altLang="ru-RU" sz="1800" b="0" i="0" u="none" strike="noStrike" cap="none" normalizeH="0" baseline="0" dirty="0">
+                <a:ln>
+                  <a:noFill/>
+                </a:ln>
+                <a:solidFill>
+                  <a:srgbClr val="CC7832"/>
+                </a:solidFill>
+                <a:effectLst/>
+                <a:latin typeface="JetBrains Mono"/>
+              </a:rPr>
+              <a:t> </a:t>
+            </a:r>
+            <a:r>
+              <a:rPr kumimoji="0" lang="ru-RU" altLang="ru-RU" sz="1800" b="0" i="0" u="none" strike="noStrike" cap="none" normalizeH="0" baseline="0" dirty="0">
+                <a:ln>
+                  <a:noFill/>
+                </a:ln>
+                <a:effectLst/>
+                <a:latin typeface="JetBrains Mono"/>
+              </a:rPr>
+              <a:t>Storage</a:t>
+            </a:r>
+            <a:r>
+              <a:rPr kumimoji="0" lang="ru-RU" altLang="ru-RU" sz="1800" b="0" i="0" u="none" strike="noStrike" cap="none" normalizeH="0" baseline="0" dirty="0">
+                <a:ln>
+                  <a:noFill/>
+                </a:ln>
+                <a:solidFill>
+                  <a:srgbClr val="A9B7C6"/>
+                </a:solidFill>
+                <a:effectLst/>
+                <a:latin typeface="JetBrains Mono"/>
+              </a:rPr>
+              <a:t> </a:t>
+            </a:r>
+            <a:r>
+              <a:rPr kumimoji="0" lang="ru-RU" altLang="ru-RU" sz="1800" b="0" i="0" u="none" strike="noStrike" cap="none" normalizeH="0" baseline="0" dirty="0" err="1">
+                <a:ln>
+                  <a:noFill/>
+                </a:ln>
+                <a:solidFill>
+                  <a:srgbClr val="CC7832"/>
+                </a:solidFill>
+                <a:effectLst/>
+                <a:latin typeface="JetBrains Mono"/>
+              </a:rPr>
+              <a:t>extends</a:t>
+            </a:r>
+            <a:r>
+              <a:rPr kumimoji="0" lang="ru-RU" altLang="ru-RU" sz="1800" b="0" i="0" u="none" strike="noStrike" cap="none" normalizeH="0" baseline="0" dirty="0">
+                <a:ln>
+                  <a:noFill/>
+                </a:ln>
+                <a:solidFill>
+                  <a:srgbClr val="CC7832"/>
+                </a:solidFill>
+                <a:effectLst/>
+                <a:latin typeface="JetBrains Mono"/>
+              </a:rPr>
+              <a:t> </a:t>
+            </a:r>
+            <a:r>
+              <a:rPr kumimoji="0" lang="ru-RU" altLang="ru-RU" sz="1800" b="0" i="0" u="none" strike="noStrike" cap="none" normalizeH="0" baseline="0" dirty="0" err="1">
+                <a:ln>
+                  <a:noFill/>
+                </a:ln>
+                <a:effectLst/>
+                <a:latin typeface="JetBrains Mono"/>
+              </a:rPr>
+              <a:t>aMessageProcessing</a:t>
+            </a:r>
+            <a:br>
+              <a:rPr kumimoji="0" lang="ru-RU" altLang="ru-RU" sz="1800" b="0" i="0" u="none" strike="noStrike" cap="none" normalizeH="0" baseline="0" dirty="0">
+                <a:ln>
+                  <a:noFill/>
+                </a:ln>
+                <a:solidFill>
+                  <a:srgbClr val="A9B7C6"/>
+                </a:solidFill>
+                <a:effectLst/>
+                <a:latin typeface="JetBrains Mono"/>
+              </a:rPr>
+            </a:br>
+            <a:r>
+              <a:rPr kumimoji="0" lang="ru-RU" altLang="ru-RU" sz="1800" b="0" i="0" u="none" strike="noStrike" cap="none" normalizeH="0" baseline="0" dirty="0">
+                <a:ln>
+                  <a:noFill/>
+                </a:ln>
+                <a:solidFill>
+                  <a:srgbClr val="A9B7C6"/>
+                </a:solidFill>
+                <a:effectLst/>
+                <a:latin typeface="JetBrains Mono"/>
+              </a:rPr>
+              <a:t>{</a:t>
+            </a:r>
+            <a:br>
+              <a:rPr kumimoji="0" lang="ru-RU" altLang="ru-RU" sz="1800" b="0" i="1" u="none" strike="noStrike" cap="none" normalizeH="0" baseline="0" dirty="0">
+                <a:ln>
+                  <a:noFill/>
+                </a:ln>
+                <a:solidFill>
+                  <a:srgbClr val="629755"/>
+                </a:solidFill>
+                <a:effectLst/>
+                <a:latin typeface="JetBrains Mono"/>
+              </a:rPr>
+            </a:br>
+            <a:r>
+              <a:rPr kumimoji="0" lang="ru-RU" altLang="ru-RU" sz="1800" b="0" i="1" u="none" strike="noStrike" cap="none" normalizeH="0" baseline="0" dirty="0">
+                <a:ln>
+                  <a:noFill/>
+                </a:ln>
+                <a:solidFill>
+                  <a:srgbClr val="629755"/>
+                </a:solidFill>
+                <a:effectLst/>
+                <a:latin typeface="JetBrains Mono"/>
+              </a:rPr>
+              <a:t>    </a:t>
+            </a:r>
+            <a:r>
+              <a:rPr kumimoji="0" lang="ru-RU" altLang="ru-RU" sz="1800" b="0" i="0" u="none" strike="noStrike" cap="none" normalizeH="0" baseline="0" dirty="0" err="1">
+                <a:ln>
+                  <a:noFill/>
+                </a:ln>
+                <a:solidFill>
+                  <a:srgbClr val="CC7832"/>
+                </a:solidFill>
+                <a:effectLst/>
+                <a:latin typeface="JetBrains Mono"/>
+              </a:rPr>
+              <a:t>protected</a:t>
+            </a:r>
+            <a:r>
+              <a:rPr kumimoji="0" lang="ru-RU" altLang="ru-RU" sz="1800" b="0" i="0" u="none" strike="noStrike" cap="none" normalizeH="0" baseline="0" dirty="0">
+                <a:ln>
+                  <a:noFill/>
+                </a:ln>
+                <a:solidFill>
+                  <a:srgbClr val="CC7832"/>
+                </a:solidFill>
+                <a:effectLst/>
+                <a:latin typeface="JetBrains Mono"/>
+              </a:rPr>
+              <a:t> </a:t>
+            </a:r>
+            <a:r>
+              <a:rPr kumimoji="0" lang="ru-RU" altLang="ru-RU" sz="1800" b="0" i="0" u="none" strike="noStrike" cap="none" normalizeH="0" baseline="0" dirty="0" err="1">
+                <a:ln>
+                  <a:noFill/>
+                </a:ln>
+                <a:solidFill>
+                  <a:srgbClr val="CC7832"/>
+                </a:solidFill>
+                <a:effectLst/>
+                <a:latin typeface="JetBrains Mono"/>
+              </a:rPr>
+              <a:t>function</a:t>
+            </a:r>
+            <a:r>
+              <a:rPr kumimoji="0" lang="ru-RU" altLang="ru-RU" sz="1800" b="0" i="0" u="none" strike="noStrike" cap="none" normalizeH="0" baseline="0" dirty="0">
+                <a:ln>
+                  <a:noFill/>
+                </a:ln>
+                <a:solidFill>
+                  <a:srgbClr val="CC7832"/>
+                </a:solidFill>
+                <a:effectLst/>
+                <a:latin typeface="JetBrains Mono"/>
+              </a:rPr>
+              <a:t> </a:t>
+            </a:r>
+            <a:r>
+              <a:rPr kumimoji="0" lang="ru-RU" altLang="ru-RU" sz="1800" b="0" i="0" u="none" strike="noStrike" cap="none" normalizeH="0" baseline="0" dirty="0" err="1">
+                <a:ln>
+                  <a:noFill/>
+                </a:ln>
+                <a:effectLst/>
+                <a:latin typeface="JetBrains Mono"/>
+              </a:rPr>
+              <a:t>runProcessMessage</a:t>
+            </a:r>
+            <a:r>
+              <a:rPr kumimoji="0" lang="ru-RU" altLang="ru-RU" sz="1800" b="0" i="0" u="none" strike="noStrike" cap="none" normalizeH="0" baseline="0" dirty="0">
+                <a:ln>
+                  <a:noFill/>
+                </a:ln>
+                <a:solidFill>
+                  <a:srgbClr val="A9B7C6"/>
+                </a:solidFill>
+                <a:effectLst/>
+                <a:latin typeface="JetBrains Mono"/>
+              </a:rPr>
+              <a:t>():</a:t>
+            </a:r>
+            <a:r>
+              <a:rPr kumimoji="0" lang="ru-RU" altLang="ru-RU" sz="1800" b="0" i="0" u="none" strike="noStrike" cap="none" normalizeH="0" baseline="0" dirty="0" err="1">
+                <a:ln>
+                  <a:noFill/>
+                </a:ln>
+                <a:solidFill>
+                  <a:srgbClr val="CC7832"/>
+                </a:solidFill>
+                <a:effectLst/>
+                <a:latin typeface="JetBrains Mono"/>
+              </a:rPr>
+              <a:t>void</a:t>
+            </a:r>
+            <a:br>
+              <a:rPr kumimoji="0" lang="ru-RU" altLang="ru-RU" sz="1800" b="0" i="0" u="none" strike="noStrike" cap="none" normalizeH="0" baseline="0" dirty="0">
+                <a:ln>
+                  <a:noFill/>
+                </a:ln>
+                <a:solidFill>
+                  <a:srgbClr val="CC7832"/>
+                </a:solidFill>
+                <a:effectLst/>
+                <a:latin typeface="JetBrains Mono"/>
+              </a:rPr>
+            </a:br>
+            <a:r>
+              <a:rPr kumimoji="0" lang="ru-RU" altLang="ru-RU" sz="1800" b="0" i="0" u="none" strike="noStrike" cap="none" normalizeH="0" baseline="0" dirty="0">
+                <a:ln>
+                  <a:noFill/>
+                </a:ln>
+                <a:solidFill>
+                  <a:srgbClr val="CC7832"/>
+                </a:solidFill>
+                <a:effectLst/>
+                <a:latin typeface="JetBrains Mono"/>
+              </a:rPr>
+              <a:t>    </a:t>
+            </a:r>
+            <a:r>
+              <a:rPr kumimoji="0" lang="ru-RU" altLang="ru-RU" sz="1800" b="0" i="0" u="none" strike="noStrike" cap="none" normalizeH="0" baseline="0" dirty="0">
+                <a:ln>
+                  <a:noFill/>
+                </a:ln>
+                <a:solidFill>
+                  <a:srgbClr val="A9B7C6"/>
+                </a:solidFill>
+                <a:effectLst/>
+                <a:latin typeface="JetBrains Mono"/>
+              </a:rPr>
+              <a:t>{</a:t>
+            </a:r>
+            <a:br>
+              <a:rPr kumimoji="0" lang="ru-RU" altLang="ru-RU" sz="1800" b="0" i="0" u="none" strike="noStrike" cap="none" normalizeH="0" baseline="0" dirty="0">
+                <a:ln>
+                  <a:noFill/>
+                </a:ln>
+                <a:solidFill>
+                  <a:srgbClr val="A9B7C6"/>
+                </a:solidFill>
+                <a:effectLst/>
+                <a:latin typeface="JetBrains Mono"/>
+              </a:rPr>
+            </a:br>
+            <a:r>
+              <a:rPr kumimoji="0" lang="ru-RU" altLang="ru-RU" sz="1800" b="0" i="0" u="none" strike="noStrike" cap="none" normalizeH="0" baseline="0" dirty="0">
+                <a:ln>
+                  <a:noFill/>
+                </a:ln>
+                <a:solidFill>
+                  <a:srgbClr val="A9B7C6"/>
+                </a:solidFill>
+                <a:effectLst/>
+                <a:latin typeface="JetBrains Mono"/>
+              </a:rPr>
+              <a:t>        </a:t>
+            </a:r>
+            <a:r>
+              <a:rPr kumimoji="0" lang="ru-RU" altLang="ru-RU" sz="1800" b="0" i="0" u="none" strike="noStrike" cap="none" normalizeH="0" baseline="0" dirty="0">
+                <a:ln>
+                  <a:noFill/>
+                </a:ln>
+                <a:solidFill>
+                  <a:srgbClr val="9876AA"/>
+                </a:solidFill>
+                <a:effectLst/>
+                <a:latin typeface="JetBrains Mono"/>
+              </a:rPr>
+              <a:t>$</a:t>
+            </a:r>
+            <a:r>
+              <a:rPr kumimoji="0" lang="ru-RU" altLang="ru-RU" sz="1800" b="0" i="0" u="none" strike="noStrike" cap="none" normalizeH="0" baseline="0" dirty="0" err="1">
+                <a:ln>
+                  <a:noFill/>
+                </a:ln>
+                <a:solidFill>
+                  <a:srgbClr val="9876AA"/>
+                </a:solidFill>
+                <a:effectLst/>
+                <a:latin typeface="JetBrains Mono"/>
+              </a:rPr>
+              <a:t>message</a:t>
+            </a:r>
+            <a:r>
+              <a:rPr kumimoji="0" lang="ru-RU" altLang="ru-RU" sz="1800" b="0" i="0" u="none" strike="noStrike" cap="none" normalizeH="0" baseline="0" dirty="0">
+                <a:ln>
+                  <a:noFill/>
+                </a:ln>
+                <a:solidFill>
+                  <a:srgbClr val="9876AA"/>
+                </a:solidFill>
+                <a:effectLst/>
+                <a:latin typeface="JetBrains Mono"/>
+              </a:rPr>
+              <a:t> </a:t>
+            </a:r>
+            <a:r>
+              <a:rPr kumimoji="0" lang="ru-RU" altLang="ru-RU" sz="1800" b="0" i="0" u="none" strike="noStrike" cap="none" normalizeH="0" baseline="0" dirty="0">
+                <a:ln>
+                  <a:noFill/>
+                </a:ln>
+                <a:solidFill>
+                  <a:srgbClr val="A9B7C6"/>
+                </a:solidFill>
+                <a:effectLst/>
+                <a:latin typeface="JetBrains Mono"/>
+              </a:rPr>
+              <a:t>= </a:t>
+            </a:r>
+            <a:r>
+              <a:rPr kumimoji="0" lang="ru-RU" altLang="ru-RU" sz="1800" b="0" i="0" u="none" strike="noStrike" cap="none" normalizeH="0" baseline="0" dirty="0">
+                <a:ln>
+                  <a:noFill/>
+                </a:ln>
+                <a:solidFill>
+                  <a:srgbClr val="9876AA"/>
+                </a:solidFill>
+                <a:effectLst/>
+                <a:latin typeface="JetBrains Mono"/>
+              </a:rPr>
+              <a:t>$</a:t>
+            </a:r>
+            <a:r>
+              <a:rPr kumimoji="0" lang="ru-RU" altLang="ru-RU" sz="1800" b="0" i="0" u="none" strike="noStrike" cap="none" normalizeH="0" baseline="0" dirty="0" err="1">
+                <a:ln>
+                  <a:noFill/>
+                </a:ln>
+                <a:solidFill>
+                  <a:srgbClr val="9876AA"/>
+                </a:solidFill>
+                <a:effectLst/>
+                <a:latin typeface="JetBrains Mono"/>
+              </a:rPr>
+              <a:t>this</a:t>
+            </a:r>
+            <a:r>
+              <a:rPr kumimoji="0" lang="ru-RU" altLang="ru-RU" sz="1800" b="0" i="0" u="none" strike="noStrike" cap="none" normalizeH="0" baseline="0" dirty="0">
+                <a:ln>
+                  <a:noFill/>
+                </a:ln>
+                <a:solidFill>
+                  <a:srgbClr val="A9B7C6"/>
+                </a:solidFill>
+                <a:effectLst/>
+                <a:latin typeface="JetBrains Mono"/>
+              </a:rPr>
+              <a:t>-&gt;</a:t>
+            </a:r>
+            <a:r>
+              <a:rPr kumimoji="0" lang="ru-RU" altLang="ru-RU" sz="1800" b="0" i="0" u="none" strike="noStrike" cap="none" normalizeH="0" baseline="0" dirty="0" err="1">
+                <a:ln>
+                  <a:noFill/>
+                </a:ln>
+                <a:solidFill>
+                  <a:srgbClr val="FFC66D"/>
+                </a:solidFill>
+                <a:effectLst/>
+                <a:latin typeface="JetBrains Mono"/>
+              </a:rPr>
+              <a:t>getMessageData</a:t>
+            </a:r>
+            <a:r>
+              <a:rPr kumimoji="0" lang="ru-RU" altLang="ru-RU" sz="1800" b="0" i="0" u="none" strike="noStrike" cap="none" normalizeH="0" baseline="0" dirty="0">
+                <a:ln>
+                  <a:noFill/>
+                </a:ln>
+                <a:solidFill>
+                  <a:srgbClr val="A9B7C6"/>
+                </a:solidFill>
+                <a:effectLst/>
+                <a:latin typeface="JetBrains Mono"/>
+              </a:rPr>
+              <a:t>()</a:t>
+            </a:r>
+            <a:r>
+              <a:rPr kumimoji="0" lang="ru-RU" altLang="ru-RU" sz="1800" b="0" i="0" u="none" strike="noStrike" cap="none" normalizeH="0" baseline="0" dirty="0">
+                <a:ln>
+                  <a:noFill/>
+                </a:ln>
+                <a:solidFill>
+                  <a:srgbClr val="CC7832"/>
+                </a:solidFill>
+                <a:effectLst/>
+                <a:latin typeface="JetBrains Mono"/>
+              </a:rPr>
+              <a:t>;</a:t>
+            </a:r>
+            <a:br>
+              <a:rPr kumimoji="0" lang="ru-RU" altLang="ru-RU" sz="1800" b="0" i="0" u="none" strike="noStrike" cap="none" normalizeH="0" baseline="0" dirty="0">
+                <a:ln>
+                  <a:noFill/>
+                </a:ln>
+                <a:solidFill>
+                  <a:srgbClr val="CC7832"/>
+                </a:solidFill>
+                <a:effectLst/>
+                <a:latin typeface="JetBrains Mono"/>
+              </a:rPr>
+            </a:br>
+            <a:r>
+              <a:rPr kumimoji="0" lang="ru-RU" altLang="ru-RU" sz="1800" b="0" i="0" u="none" strike="noStrike" cap="none" normalizeH="0" baseline="0" dirty="0">
+                <a:ln>
+                  <a:noFill/>
+                </a:ln>
+                <a:solidFill>
+                  <a:srgbClr val="CC7832"/>
+                </a:solidFill>
+                <a:effectLst/>
+                <a:latin typeface="JetBrains Mono"/>
+              </a:rPr>
+              <a:t>        </a:t>
+            </a:r>
+            <a:r>
+              <a:rPr kumimoji="0" lang="ru-RU" altLang="ru-RU" sz="1800" b="0" i="0" u="none" strike="noStrike" cap="none" normalizeH="0" baseline="0" dirty="0" err="1">
+                <a:ln>
+                  <a:noFill/>
+                </a:ln>
+                <a:solidFill>
+                  <a:srgbClr val="A9B7C6"/>
+                </a:solidFill>
+                <a:effectLst/>
+                <a:latin typeface="JetBrains Mono"/>
+              </a:rPr>
+              <a:t>var_dump</a:t>
+            </a:r>
+            <a:r>
+              <a:rPr kumimoji="0" lang="ru-RU" altLang="ru-RU" sz="1800" b="0" i="0" u="none" strike="noStrike" cap="none" normalizeH="0" baseline="0" dirty="0">
+                <a:ln>
+                  <a:noFill/>
+                </a:ln>
+                <a:solidFill>
+                  <a:srgbClr val="A9B7C6"/>
+                </a:solidFill>
+                <a:effectLst/>
+                <a:latin typeface="JetBrains Mono"/>
+              </a:rPr>
+              <a:t>(</a:t>
+            </a:r>
+            <a:r>
+              <a:rPr kumimoji="0" lang="ru-RU" altLang="ru-RU" sz="1800" b="0" i="0" u="none" strike="noStrike" cap="none" normalizeH="0" baseline="0" dirty="0">
+                <a:ln>
+                  <a:noFill/>
+                </a:ln>
+                <a:solidFill>
+                  <a:srgbClr val="9876AA"/>
+                </a:solidFill>
+                <a:effectLst/>
+                <a:latin typeface="JetBrains Mono"/>
+              </a:rPr>
+              <a:t>$</a:t>
+            </a:r>
+            <a:r>
+              <a:rPr kumimoji="0" lang="ru-RU" altLang="ru-RU" sz="1800" b="0" i="0" u="none" strike="noStrike" cap="none" normalizeH="0" baseline="0" dirty="0" err="1">
+                <a:ln>
+                  <a:noFill/>
+                </a:ln>
+                <a:solidFill>
+                  <a:srgbClr val="9876AA"/>
+                </a:solidFill>
+                <a:effectLst/>
+                <a:latin typeface="JetBrains Mono"/>
+              </a:rPr>
+              <a:t>message</a:t>
+            </a:r>
+            <a:r>
+              <a:rPr kumimoji="0" lang="ru-RU" altLang="ru-RU" sz="1800" b="0" i="0" u="none" strike="noStrike" cap="none" normalizeH="0" baseline="0" dirty="0">
+                <a:ln>
+                  <a:noFill/>
+                </a:ln>
+                <a:solidFill>
+                  <a:srgbClr val="A9B7C6"/>
+                </a:solidFill>
+                <a:effectLst/>
+                <a:latin typeface="JetBrains Mono"/>
+              </a:rPr>
+              <a:t>)</a:t>
+            </a:r>
+            <a:r>
+              <a:rPr kumimoji="0" lang="ru-RU" altLang="ru-RU" sz="1800" b="0" i="0" u="none" strike="noStrike" cap="none" normalizeH="0" baseline="0" dirty="0">
+                <a:ln>
+                  <a:noFill/>
+                </a:ln>
+                <a:solidFill>
+                  <a:srgbClr val="CC7832"/>
+                </a:solidFill>
+                <a:effectLst/>
+                <a:latin typeface="JetBrains Mono"/>
+              </a:rPr>
+              <a:t>;</a:t>
+            </a:r>
+            <a:br>
+              <a:rPr kumimoji="0" lang="ru-RU" altLang="ru-RU" sz="1800" b="0" i="0" u="none" strike="noStrike" cap="none" normalizeH="0" baseline="0" dirty="0">
+                <a:ln>
+                  <a:noFill/>
+                </a:ln>
+                <a:solidFill>
+                  <a:srgbClr val="CC7832"/>
+                </a:solidFill>
+                <a:effectLst/>
+                <a:latin typeface="JetBrains Mono"/>
+              </a:rPr>
+            </a:br>
+            <a:r>
+              <a:rPr kumimoji="0" lang="ru-RU" altLang="ru-RU" sz="1800" b="0" i="0" u="none" strike="noStrike" cap="none" normalizeH="0" baseline="0" dirty="0">
+                <a:ln>
+                  <a:noFill/>
+                </a:ln>
+                <a:solidFill>
+                  <a:srgbClr val="CC7832"/>
+                </a:solidFill>
+                <a:effectLst/>
+                <a:latin typeface="JetBrains Mono"/>
+              </a:rPr>
+              <a:t>    </a:t>
+            </a:r>
+            <a:r>
+              <a:rPr kumimoji="0" lang="ru-RU" altLang="ru-RU" sz="1800" b="0" i="0" u="none" strike="noStrike" cap="none" normalizeH="0" baseline="0" dirty="0">
+                <a:ln>
+                  <a:noFill/>
+                </a:ln>
+                <a:solidFill>
+                  <a:srgbClr val="A9B7C6"/>
+                </a:solidFill>
+                <a:effectLst/>
+                <a:latin typeface="JetBrains Mono"/>
+              </a:rPr>
+              <a:t>}</a:t>
+            </a:r>
+            <a:br>
+              <a:rPr kumimoji="0" lang="ru-RU" altLang="ru-RU" sz="1800" b="0" i="0" u="none" strike="noStrike" cap="none" normalizeH="0" baseline="0" dirty="0">
+                <a:ln>
+                  <a:noFill/>
+                </a:ln>
+                <a:solidFill>
+                  <a:srgbClr val="A9B7C6"/>
+                </a:solidFill>
+                <a:effectLst/>
+                <a:latin typeface="JetBrains Mono"/>
+              </a:rPr>
+            </a:br>
+            <a:br>
+              <a:rPr kumimoji="0" lang="ru-RU" altLang="ru-RU" sz="1800" b="0" i="0" u="none" strike="noStrike" cap="none" normalizeH="0" baseline="0" dirty="0">
+                <a:ln>
+                  <a:noFill/>
+                </a:ln>
+                <a:solidFill>
+                  <a:srgbClr val="A9B7C6"/>
+                </a:solidFill>
+                <a:effectLst/>
+                <a:latin typeface="JetBrains Mono"/>
+              </a:rPr>
+            </a:br>
+            <a:r>
+              <a:rPr kumimoji="0" lang="ru-RU" altLang="ru-RU" sz="1800" b="0" i="0" u="none" strike="noStrike" cap="none" normalizeH="0" baseline="0" dirty="0">
+                <a:ln>
+                  <a:noFill/>
+                </a:ln>
+                <a:solidFill>
+                  <a:srgbClr val="A9B7C6"/>
+                </a:solidFill>
+                <a:effectLst/>
+                <a:latin typeface="JetBrains Mono"/>
+              </a:rPr>
+              <a:t>    </a:t>
+            </a:r>
+            <a:r>
+              <a:rPr kumimoji="0" lang="ru-RU" altLang="ru-RU" sz="1800" b="0" i="0" u="none" strike="noStrike" cap="none" normalizeH="0" baseline="0" dirty="0" err="1">
+                <a:ln>
+                  <a:noFill/>
+                </a:ln>
+                <a:solidFill>
+                  <a:srgbClr val="CC7832"/>
+                </a:solidFill>
+                <a:effectLst/>
+                <a:latin typeface="JetBrains Mono"/>
+              </a:rPr>
+              <a:t>static</a:t>
+            </a:r>
+            <a:r>
+              <a:rPr kumimoji="0" lang="ru-RU" altLang="ru-RU" sz="1800" b="0" i="0" u="none" strike="noStrike" cap="none" normalizeH="0" baseline="0" dirty="0">
+                <a:ln>
+                  <a:noFill/>
+                </a:ln>
+                <a:solidFill>
+                  <a:srgbClr val="CC7832"/>
+                </a:solidFill>
+                <a:effectLst/>
+                <a:latin typeface="JetBrains Mono"/>
+              </a:rPr>
+              <a:t> </a:t>
+            </a:r>
+            <a:r>
+              <a:rPr kumimoji="0" lang="ru-RU" altLang="ru-RU" sz="1800" b="0" i="0" u="none" strike="noStrike" cap="none" normalizeH="0" baseline="0" dirty="0" err="1">
+                <a:ln>
+                  <a:noFill/>
+                </a:ln>
+                <a:solidFill>
+                  <a:srgbClr val="CC7832"/>
+                </a:solidFill>
+                <a:effectLst/>
+                <a:latin typeface="JetBrains Mono"/>
+              </a:rPr>
+              <a:t>function</a:t>
+            </a:r>
+            <a:r>
+              <a:rPr kumimoji="0" lang="ru-RU" altLang="ru-RU" sz="1800" b="0" i="0" u="none" strike="noStrike" cap="none" normalizeH="0" baseline="0" dirty="0">
+                <a:ln>
+                  <a:noFill/>
+                </a:ln>
+                <a:solidFill>
+                  <a:srgbClr val="CC7832"/>
+                </a:solidFill>
+                <a:effectLst/>
+                <a:latin typeface="JetBrains Mono"/>
+              </a:rPr>
+              <a:t> </a:t>
+            </a:r>
+            <a:r>
+              <a:rPr kumimoji="0" lang="ru-RU" altLang="ru-RU" sz="1800" b="0" i="0" u="none" strike="noStrike" cap="none" normalizeH="0" baseline="0" dirty="0" err="1">
+                <a:ln>
+                  <a:noFill/>
+                </a:ln>
+                <a:effectLst/>
+                <a:latin typeface="JetBrains Mono"/>
+              </a:rPr>
+              <a:t>getRoutingKey</a:t>
+            </a:r>
+            <a:r>
+              <a:rPr kumimoji="0" lang="ru-RU" altLang="ru-RU" sz="1800" b="0" i="0" u="none" strike="noStrike" cap="none" normalizeH="0" baseline="0" dirty="0">
+                <a:ln>
+                  <a:noFill/>
+                </a:ln>
+                <a:solidFill>
+                  <a:srgbClr val="A9B7C6"/>
+                </a:solidFill>
+                <a:effectLst/>
+                <a:latin typeface="JetBrains Mono"/>
+              </a:rPr>
+              <a:t>(): </a:t>
+            </a:r>
+            <a:r>
+              <a:rPr kumimoji="0" lang="ru-RU" altLang="ru-RU" sz="1800" b="0" i="0" u="none" strike="noStrike" cap="none" normalizeH="0" baseline="0" dirty="0" err="1">
+                <a:ln>
+                  <a:noFill/>
+                </a:ln>
+                <a:solidFill>
+                  <a:srgbClr val="CC7832"/>
+                </a:solidFill>
+                <a:effectLst/>
+                <a:latin typeface="JetBrains Mono"/>
+              </a:rPr>
+              <a:t>string</a:t>
+            </a:r>
+            <a:br>
+              <a:rPr kumimoji="0" lang="ru-RU" altLang="ru-RU" sz="1800" b="0" i="0" u="none" strike="noStrike" cap="none" normalizeH="0" baseline="0" dirty="0">
+                <a:ln>
+                  <a:noFill/>
+                </a:ln>
+                <a:solidFill>
+                  <a:srgbClr val="CC7832"/>
+                </a:solidFill>
+                <a:effectLst/>
+                <a:latin typeface="JetBrains Mono"/>
+              </a:rPr>
+            </a:br>
+            <a:r>
+              <a:rPr kumimoji="0" lang="ru-RU" altLang="ru-RU" sz="1800" b="0" i="0" u="none" strike="noStrike" cap="none" normalizeH="0" baseline="0" dirty="0">
+                <a:ln>
+                  <a:noFill/>
+                </a:ln>
+                <a:solidFill>
+                  <a:srgbClr val="CC7832"/>
+                </a:solidFill>
+                <a:effectLst/>
+                <a:latin typeface="JetBrains Mono"/>
+              </a:rPr>
+              <a:t>    </a:t>
+            </a:r>
+            <a:r>
+              <a:rPr kumimoji="0" lang="ru-RU" altLang="ru-RU" sz="1800" b="0" i="0" u="none" strike="noStrike" cap="none" normalizeH="0" baseline="0" dirty="0">
+                <a:ln>
+                  <a:noFill/>
+                </a:ln>
+                <a:solidFill>
+                  <a:srgbClr val="A9B7C6"/>
+                </a:solidFill>
+                <a:effectLst/>
+                <a:latin typeface="JetBrains Mono"/>
+              </a:rPr>
+              <a:t>{</a:t>
+            </a:r>
+            <a:br>
+              <a:rPr kumimoji="0" lang="ru-RU" altLang="ru-RU" sz="1800" b="0" i="0" u="none" strike="noStrike" cap="none" normalizeH="0" baseline="0" dirty="0">
+                <a:ln>
+                  <a:noFill/>
+                </a:ln>
+                <a:solidFill>
+                  <a:srgbClr val="A9B7C6"/>
+                </a:solidFill>
+                <a:effectLst/>
+                <a:latin typeface="JetBrains Mono"/>
+              </a:rPr>
+            </a:br>
+            <a:r>
+              <a:rPr kumimoji="0" lang="ru-RU" altLang="ru-RU" sz="1800" b="0" i="0" u="none" strike="noStrike" cap="none" normalizeH="0" baseline="0" dirty="0">
+                <a:ln>
+                  <a:noFill/>
+                </a:ln>
+                <a:solidFill>
+                  <a:srgbClr val="A9B7C6"/>
+                </a:solidFill>
+                <a:effectLst/>
+                <a:latin typeface="JetBrains Mono"/>
+              </a:rPr>
+              <a:t>        </a:t>
+            </a:r>
+            <a:r>
+              <a:rPr kumimoji="0" lang="ru-RU" altLang="ru-RU" sz="1800" b="0" i="0" u="none" strike="noStrike" cap="none" normalizeH="0" baseline="0" dirty="0" err="1">
+                <a:ln>
+                  <a:noFill/>
+                </a:ln>
+                <a:solidFill>
+                  <a:srgbClr val="CC7832"/>
+                </a:solidFill>
+                <a:effectLst/>
+                <a:latin typeface="JetBrains Mono"/>
+              </a:rPr>
+              <a:t>return</a:t>
+            </a:r>
+            <a:r>
+              <a:rPr kumimoji="0" lang="ru-RU" altLang="ru-RU" sz="1800" b="0" i="0" u="none" strike="noStrike" cap="none" normalizeH="0" baseline="0" dirty="0">
+                <a:ln>
+                  <a:noFill/>
+                </a:ln>
+                <a:solidFill>
+                  <a:srgbClr val="CC7832"/>
+                </a:solidFill>
+                <a:effectLst/>
+                <a:latin typeface="JetBrains Mono"/>
+              </a:rPr>
+              <a:t> </a:t>
+            </a:r>
+            <a:r>
+              <a:rPr kumimoji="0" lang="ru-RU" altLang="ru-RU" sz="1800" b="0" i="0" u="none" strike="noStrike" cap="none" normalizeH="0" baseline="0" dirty="0">
+                <a:ln>
+                  <a:noFill/>
+                </a:ln>
+                <a:solidFill>
+                  <a:srgbClr val="6A8759"/>
+                </a:solidFill>
+                <a:effectLst/>
+                <a:latin typeface="JetBrains Mono"/>
+              </a:rPr>
+              <a:t>'</a:t>
+            </a:r>
+            <a:r>
+              <a:rPr kumimoji="0" lang="ru-RU" altLang="ru-RU" sz="1800" b="0" i="0" u="none" strike="noStrike" cap="none" normalizeH="0" baseline="0" dirty="0" err="1">
+                <a:ln>
+                  <a:noFill/>
+                </a:ln>
+                <a:solidFill>
+                  <a:srgbClr val="6A8759"/>
+                </a:solidFill>
+                <a:effectLst/>
+                <a:latin typeface="JetBrains Mono"/>
+              </a:rPr>
+              <a:t>storage</a:t>
+            </a:r>
+            <a:r>
+              <a:rPr kumimoji="0" lang="ru-RU" altLang="ru-RU" sz="1800" b="0" i="0" u="none" strike="noStrike" cap="none" normalizeH="0" baseline="0" dirty="0">
+                <a:ln>
+                  <a:noFill/>
+                </a:ln>
+                <a:solidFill>
+                  <a:srgbClr val="6A8759"/>
+                </a:solidFill>
+                <a:effectLst/>
+                <a:latin typeface="JetBrains Mono"/>
+              </a:rPr>
+              <a:t>'</a:t>
+            </a:r>
+            <a:r>
+              <a:rPr kumimoji="0" lang="ru-RU" altLang="ru-RU" sz="1800" b="0" i="0" u="none" strike="noStrike" cap="none" normalizeH="0" baseline="0" dirty="0">
+                <a:ln>
+                  <a:noFill/>
+                </a:ln>
+                <a:solidFill>
+                  <a:srgbClr val="CC7832"/>
+                </a:solidFill>
+                <a:effectLst/>
+                <a:latin typeface="JetBrains Mono"/>
+              </a:rPr>
+              <a:t>;</a:t>
+            </a:r>
+            <a:br>
+              <a:rPr kumimoji="0" lang="ru-RU" altLang="ru-RU" sz="1800" b="0" i="0" u="none" strike="noStrike" cap="none" normalizeH="0" baseline="0" dirty="0">
+                <a:ln>
+                  <a:noFill/>
+                </a:ln>
+                <a:solidFill>
+                  <a:srgbClr val="CC7832"/>
+                </a:solidFill>
+                <a:effectLst/>
+                <a:latin typeface="JetBrains Mono"/>
+              </a:rPr>
+            </a:br>
+            <a:r>
+              <a:rPr kumimoji="0" lang="ru-RU" altLang="ru-RU" sz="1800" b="0" i="0" u="none" strike="noStrike" cap="none" normalizeH="0" baseline="0" dirty="0">
+                <a:ln>
+                  <a:noFill/>
+                </a:ln>
+                <a:solidFill>
+                  <a:srgbClr val="CC7832"/>
+                </a:solidFill>
+                <a:effectLst/>
+                <a:latin typeface="JetBrains Mono"/>
+              </a:rPr>
+              <a:t>    </a:t>
+            </a:r>
+            <a:r>
+              <a:rPr kumimoji="0" lang="ru-RU" altLang="ru-RU" sz="1800" b="0" i="0" u="none" strike="noStrike" cap="none" normalizeH="0" baseline="0" dirty="0">
+                <a:ln>
+                  <a:noFill/>
+                </a:ln>
+                <a:solidFill>
+                  <a:srgbClr val="A9B7C6"/>
+                </a:solidFill>
+                <a:effectLst/>
+                <a:latin typeface="JetBrains Mono"/>
+              </a:rPr>
+              <a:t>}</a:t>
+            </a:r>
+            <a:br>
+              <a:rPr kumimoji="0" lang="ru-RU" altLang="ru-RU" sz="1800" b="0" i="0" u="none" strike="noStrike" cap="none" normalizeH="0" baseline="0" dirty="0">
+                <a:ln>
+                  <a:noFill/>
+                </a:ln>
+                <a:solidFill>
+                  <a:srgbClr val="A9B7C6"/>
+                </a:solidFill>
+                <a:effectLst/>
+                <a:latin typeface="JetBrains Mono"/>
+              </a:rPr>
+            </a:br>
+            <a:r>
+              <a:rPr kumimoji="0" lang="ru-RU" altLang="ru-RU" sz="1800" b="0" i="0" u="none" strike="noStrike" cap="none" normalizeH="0" baseline="0" dirty="0">
+                <a:ln>
+                  <a:noFill/>
+                </a:ln>
+                <a:solidFill>
+                  <a:srgbClr val="A9B7C6"/>
+                </a:solidFill>
+                <a:effectLst/>
+                <a:latin typeface="JetBrains Mono"/>
+              </a:rPr>
+              <a:t>}</a:t>
+            </a:r>
+            <a:endParaRPr kumimoji="0" lang="ru-RU" altLang="ru-RU" sz="4000" b="0" i="0" u="none" strike="noStrike" cap="none" normalizeH="0" baseline="0" dirty="0">
+              <a:ln>
+                <a:noFill/>
+              </a:ln>
+              <a:effectLst/>
+              <a:latin typeface="Arial" panose="020B0604020202020204" pitchFamily="34" charset="0"/>
+            </a:endParaRPr>
+          </a:p>
+        </p:txBody>
+      </p:sp>
+      <p:sp>
+        <p:nvSpPr>
+          <p:cNvPr id="14" name="TextBox 13">
+            <a:extLst>
+              <a:ext uri="{FF2B5EF4-FFF2-40B4-BE49-F238E27FC236}">
+                <a16:creationId xmlns:a16="http://schemas.microsoft.com/office/drawing/2014/main" id="{56EBE955-CA5B-693E-5F36-96B9EA0DAAE9}"/>
+              </a:ext>
+            </a:extLst>
+          </p:cNvPr>
+          <p:cNvSpPr txBox="1"/>
+          <p:nvPr/>
+        </p:nvSpPr>
+        <p:spPr>
+          <a:xfrm>
+            <a:off x="5905496" y="1632214"/>
+            <a:ext cx="4905376" cy="369332"/>
+          </a:xfrm>
+          <a:prstGeom prst="rect">
+            <a:avLst/>
+          </a:prstGeom>
+          <a:noFill/>
+        </p:spPr>
+        <p:txBody>
+          <a:bodyPr wrap="square">
+            <a:spAutoFit/>
+          </a:bodyPr>
+          <a:lstStyle/>
+          <a:p>
+            <a:r>
+              <a:rPr lang="ru-RU" b="1" dirty="0"/>
+              <a:t>Процесс для чтения сообщений из очереди</a:t>
+            </a:r>
+            <a:r>
+              <a:rPr lang="en-US" b="1" dirty="0"/>
+              <a:t>:</a:t>
+            </a:r>
+            <a:endParaRPr lang="ru-RU" dirty="0"/>
+          </a:p>
+        </p:txBody>
+      </p:sp>
+      <p:sp>
+        <p:nvSpPr>
+          <p:cNvPr id="17" name="TextBox 16">
+            <a:extLst>
+              <a:ext uri="{FF2B5EF4-FFF2-40B4-BE49-F238E27FC236}">
+                <a16:creationId xmlns:a16="http://schemas.microsoft.com/office/drawing/2014/main" id="{85533B77-5565-344C-AA98-43BF0B13F43E}"/>
+              </a:ext>
+            </a:extLst>
+          </p:cNvPr>
+          <p:cNvSpPr txBox="1"/>
+          <p:nvPr/>
+        </p:nvSpPr>
+        <p:spPr>
+          <a:xfrm>
+            <a:off x="5905496" y="1997854"/>
+            <a:ext cx="4905376" cy="646331"/>
+          </a:xfrm>
+          <a:prstGeom prst="rect">
+            <a:avLst/>
+          </a:prstGeom>
+          <a:noFill/>
+          <a:ln>
+            <a:solidFill>
+              <a:schemeClr val="tx1"/>
+            </a:solidFill>
+          </a:ln>
+        </p:spPr>
+        <p:txBody>
+          <a:bodyPr wrap="square">
+            <a:spAutoFit/>
+          </a:bodyPr>
+          <a:lstStyle/>
+          <a:p>
+            <a:pPr marL="0" marR="0" lvl="0" indent="0" algn="l" defTabSz="914400" rtl="0" eaLnBrk="0" fontAlgn="base" latinLnBrk="0" hangingPunct="0">
+              <a:lnSpc>
+                <a:spcPct val="100000"/>
+              </a:lnSpc>
+              <a:spcBef>
+                <a:spcPct val="0"/>
+              </a:spcBef>
+              <a:spcAft>
+                <a:spcPct val="0"/>
+              </a:spcAft>
+              <a:buClrTx/>
+              <a:buSzTx/>
+              <a:buFontTx/>
+              <a:buNone/>
+              <a:tabLst/>
+            </a:pPr>
+            <a:r>
+              <a:rPr kumimoji="0" lang="ru-RU" altLang="ru-RU" sz="1800" b="0" i="0" u="none" strike="noStrike" cap="none" normalizeH="0" baseline="0" dirty="0">
+                <a:ln>
+                  <a:noFill/>
+                </a:ln>
+                <a:solidFill>
+                  <a:srgbClr val="9876AA"/>
+                </a:solidFill>
+                <a:effectLst/>
+                <a:latin typeface="JetBrains Mono"/>
+              </a:rPr>
+              <a:t>$</a:t>
+            </a:r>
+            <a:r>
+              <a:rPr kumimoji="0" lang="ru-RU" altLang="ru-RU" sz="1800" b="0" i="0" u="none" strike="noStrike" cap="none" normalizeH="0" baseline="0" dirty="0" err="1">
+                <a:ln>
+                  <a:noFill/>
+                </a:ln>
+                <a:solidFill>
+                  <a:srgbClr val="9876AA"/>
+                </a:solidFill>
+                <a:effectLst/>
+                <a:latin typeface="JetBrains Mono"/>
+              </a:rPr>
+              <a:t>queue</a:t>
+            </a:r>
+            <a:r>
+              <a:rPr kumimoji="0" lang="ru-RU" altLang="ru-RU" sz="1800" b="0" i="0" u="none" strike="noStrike" cap="none" normalizeH="0" baseline="0" dirty="0">
+                <a:ln>
+                  <a:noFill/>
+                </a:ln>
+                <a:solidFill>
+                  <a:srgbClr val="9876AA"/>
+                </a:solidFill>
+                <a:effectLst/>
+                <a:latin typeface="JetBrains Mono"/>
+              </a:rPr>
+              <a:t> </a:t>
+            </a:r>
+            <a:r>
+              <a:rPr kumimoji="0" lang="ru-RU" altLang="ru-RU" sz="1800" b="0" i="0" u="none" strike="noStrike" cap="none" normalizeH="0" baseline="0" dirty="0">
+                <a:ln>
+                  <a:noFill/>
+                </a:ln>
+                <a:solidFill>
+                  <a:srgbClr val="A9B7C6"/>
+                </a:solidFill>
+                <a:effectLst/>
+                <a:latin typeface="JetBrains Mono"/>
+              </a:rPr>
+              <a:t>= </a:t>
+            </a:r>
+            <a:r>
+              <a:rPr kumimoji="0" lang="ru-RU" altLang="ru-RU" sz="1800" b="0" i="0" u="none" strike="noStrike" cap="none" normalizeH="0" baseline="0" dirty="0">
+                <a:ln>
+                  <a:noFill/>
+                </a:ln>
+                <a:solidFill>
+                  <a:srgbClr val="6A8759"/>
+                </a:solidFill>
+                <a:effectLst/>
+                <a:latin typeface="JetBrains Mono"/>
+              </a:rPr>
+              <a:t>'</a:t>
+            </a:r>
+            <a:r>
+              <a:rPr kumimoji="0" lang="ru-RU" altLang="ru-RU" sz="1800" b="0" i="0" u="none" strike="noStrike" cap="none" normalizeH="0" baseline="0" dirty="0" err="1">
+                <a:ln>
+                  <a:noFill/>
+                </a:ln>
+                <a:solidFill>
+                  <a:srgbClr val="6A8759"/>
+                </a:solidFill>
+                <a:effectLst/>
+                <a:latin typeface="JetBrains Mono"/>
+              </a:rPr>
+              <a:t>storage</a:t>
+            </a:r>
+            <a:r>
+              <a:rPr kumimoji="0" lang="ru-RU" altLang="ru-RU" sz="1800" b="0" i="0" u="none" strike="noStrike" cap="none" normalizeH="0" baseline="0" dirty="0">
+                <a:ln>
+                  <a:noFill/>
+                </a:ln>
+                <a:solidFill>
+                  <a:srgbClr val="6A8759"/>
+                </a:solidFill>
+                <a:effectLst/>
+                <a:latin typeface="JetBrains Mono"/>
+              </a:rPr>
+              <a:t>'</a:t>
+            </a:r>
+            <a:r>
+              <a:rPr kumimoji="0" lang="ru-RU" altLang="ru-RU" sz="1800" b="0" i="0" u="none" strike="noStrike" cap="none" normalizeH="0" baseline="0" dirty="0">
+                <a:ln>
+                  <a:noFill/>
+                </a:ln>
+                <a:solidFill>
+                  <a:srgbClr val="CC7832"/>
+                </a:solidFill>
+                <a:effectLst/>
+                <a:latin typeface="JetBrains Mono"/>
+              </a:rPr>
+              <a:t>;</a:t>
+            </a:r>
+            <a:br>
+              <a:rPr kumimoji="0" lang="ru-RU" altLang="ru-RU" sz="1800" b="0" i="0" u="none" strike="noStrike" cap="none" normalizeH="0" baseline="0" dirty="0">
+                <a:ln>
+                  <a:noFill/>
+                </a:ln>
+                <a:solidFill>
+                  <a:srgbClr val="CC7832"/>
+                </a:solidFill>
+                <a:effectLst/>
+                <a:latin typeface="JetBrains Mono"/>
+              </a:rPr>
+            </a:br>
+            <a:r>
+              <a:rPr kumimoji="0" lang="ru-RU" altLang="ru-RU" sz="1800" b="0" i="0" u="none" strike="noStrike" cap="none" normalizeH="0" baseline="0" dirty="0" err="1">
+                <a:ln>
+                  <a:noFill/>
+                </a:ln>
+                <a:effectLst/>
+                <a:latin typeface="JetBrains Mono"/>
+              </a:rPr>
+              <a:t>RabbitMQ</a:t>
+            </a:r>
+            <a:r>
+              <a:rPr kumimoji="0" lang="ru-RU" altLang="ru-RU" sz="1800" b="0" i="0" u="none" strike="noStrike" cap="none" normalizeH="0" baseline="0" dirty="0">
+                <a:ln>
+                  <a:noFill/>
+                </a:ln>
+                <a:solidFill>
+                  <a:srgbClr val="A9B7C6"/>
+                </a:solidFill>
+                <a:effectLst/>
+                <a:latin typeface="JetBrains Mono"/>
+              </a:rPr>
+              <a:t>::</a:t>
+            </a:r>
+            <a:r>
+              <a:rPr kumimoji="0" lang="ru-RU" altLang="ru-RU" sz="1800" b="0" i="1" u="none" strike="noStrike" cap="none" normalizeH="0" baseline="0" dirty="0" err="1">
+                <a:ln>
+                  <a:noFill/>
+                </a:ln>
+                <a:effectLst/>
+                <a:latin typeface="JetBrains Mono"/>
+              </a:rPr>
+              <a:t>runWorkConsumer</a:t>
+            </a:r>
+            <a:r>
+              <a:rPr kumimoji="0" lang="ru-RU" altLang="ru-RU" sz="1800" b="0" i="0" u="none" strike="noStrike" cap="none" normalizeH="0" baseline="0" dirty="0">
+                <a:ln>
+                  <a:noFill/>
+                </a:ln>
+                <a:solidFill>
+                  <a:srgbClr val="A9B7C6"/>
+                </a:solidFill>
+                <a:effectLst/>
+                <a:latin typeface="JetBrains Mono"/>
+              </a:rPr>
+              <a:t>(</a:t>
+            </a:r>
+            <a:r>
+              <a:rPr kumimoji="0" lang="ru-RU" altLang="ru-RU" sz="1800" b="0" i="0" u="none" strike="noStrike" cap="none" normalizeH="0" baseline="0" dirty="0">
+                <a:ln>
+                  <a:noFill/>
+                </a:ln>
+                <a:solidFill>
+                  <a:srgbClr val="9876AA"/>
+                </a:solidFill>
+                <a:effectLst/>
+                <a:latin typeface="JetBrains Mono"/>
+              </a:rPr>
+              <a:t>$</a:t>
+            </a:r>
+            <a:r>
+              <a:rPr kumimoji="0" lang="ru-RU" altLang="ru-RU" sz="1800" b="0" i="0" u="none" strike="noStrike" cap="none" normalizeH="0" baseline="0" dirty="0" err="1">
+                <a:ln>
+                  <a:noFill/>
+                </a:ln>
+                <a:solidFill>
+                  <a:srgbClr val="9876AA"/>
+                </a:solidFill>
+                <a:effectLst/>
+                <a:latin typeface="JetBrains Mono"/>
+              </a:rPr>
+              <a:t>queue</a:t>
+            </a:r>
+            <a:r>
+              <a:rPr kumimoji="0" lang="ru-RU" altLang="ru-RU" sz="1800" b="0" i="0" u="none" strike="noStrike" cap="none" normalizeH="0" baseline="0" dirty="0">
+                <a:ln>
+                  <a:noFill/>
+                </a:ln>
+                <a:solidFill>
+                  <a:srgbClr val="A9B7C6"/>
+                </a:solidFill>
+                <a:effectLst/>
+                <a:latin typeface="JetBrains Mono"/>
+              </a:rPr>
+              <a:t>)</a:t>
+            </a:r>
+            <a:r>
+              <a:rPr kumimoji="0" lang="ru-RU" altLang="ru-RU" sz="1800" b="0" i="0" u="none" strike="noStrike" cap="none" normalizeH="0" baseline="0" dirty="0">
+                <a:ln>
+                  <a:noFill/>
+                </a:ln>
+                <a:solidFill>
+                  <a:srgbClr val="CC7832"/>
+                </a:solidFill>
+                <a:effectLst/>
+                <a:latin typeface="JetBrains Mono"/>
+              </a:rPr>
+              <a:t>;</a:t>
+            </a:r>
+            <a:endParaRPr kumimoji="0" lang="ru-RU" altLang="ru-RU" sz="4000" b="0" i="0" u="none" strike="noStrike" cap="none" normalizeH="0" baseline="0" dirty="0">
+              <a:ln>
+                <a:noFill/>
+              </a:ln>
+              <a:solidFill>
+                <a:schemeClr val="tx1"/>
+              </a:solidFill>
+              <a:effectLst/>
+              <a:latin typeface="Arial" panose="020B0604020202020204" pitchFamily="34" charset="0"/>
+            </a:endParaRPr>
+          </a:p>
+        </p:txBody>
+      </p:sp>
+      <p:sp>
+        <p:nvSpPr>
+          <p:cNvPr id="23" name="TextBox 22">
+            <a:extLst>
+              <a:ext uri="{FF2B5EF4-FFF2-40B4-BE49-F238E27FC236}">
+                <a16:creationId xmlns:a16="http://schemas.microsoft.com/office/drawing/2014/main" id="{F8075D0E-B827-A3BD-6AF1-C08CB55C1817}"/>
+              </a:ext>
+            </a:extLst>
+          </p:cNvPr>
+          <p:cNvSpPr txBox="1"/>
+          <p:nvPr/>
+        </p:nvSpPr>
+        <p:spPr>
+          <a:xfrm>
+            <a:off x="5905496" y="3379157"/>
+            <a:ext cx="4905377" cy="923330"/>
+          </a:xfrm>
+          <a:prstGeom prst="rect">
+            <a:avLst/>
+          </a:prstGeom>
+          <a:noFill/>
+          <a:ln>
+            <a:solidFill>
+              <a:schemeClr val="tx1"/>
+            </a:solidFill>
+          </a:ln>
+        </p:spPr>
+        <p:txBody>
+          <a:bodyPr wrap="square">
+            <a:spAutoFit/>
+          </a:bodyPr>
+          <a:lstStyle/>
+          <a:p>
+            <a:pPr marL="0" marR="0" lvl="0" indent="0" algn="l" defTabSz="914400" rtl="0" eaLnBrk="0" fontAlgn="base" latinLnBrk="0" hangingPunct="0">
+              <a:lnSpc>
+                <a:spcPct val="100000"/>
+              </a:lnSpc>
+              <a:spcBef>
+                <a:spcPct val="0"/>
+              </a:spcBef>
+              <a:spcAft>
+                <a:spcPct val="0"/>
+              </a:spcAft>
+              <a:buClrTx/>
+              <a:buSzTx/>
+              <a:buFontTx/>
+              <a:buNone/>
+              <a:tabLst/>
+            </a:pPr>
+            <a:r>
+              <a:rPr kumimoji="0" lang="ru-RU" altLang="ru-RU" sz="1800" b="0" i="0" u="none" strike="noStrike" cap="none" normalizeH="0" baseline="0" dirty="0">
+                <a:ln>
+                  <a:noFill/>
+                </a:ln>
+                <a:solidFill>
+                  <a:srgbClr val="9876AA"/>
+                </a:solidFill>
+                <a:effectLst/>
+                <a:latin typeface="JetBrains Mono"/>
+              </a:rPr>
+              <a:t>$</a:t>
+            </a:r>
+            <a:r>
+              <a:rPr kumimoji="0" lang="ru-RU" altLang="ru-RU" sz="1800" b="0" i="0" u="none" strike="noStrike" cap="none" normalizeH="0" baseline="0" dirty="0" err="1">
+                <a:ln>
+                  <a:noFill/>
+                </a:ln>
+                <a:solidFill>
+                  <a:srgbClr val="9876AA"/>
+                </a:solidFill>
+                <a:effectLst/>
+                <a:latin typeface="JetBrains Mono"/>
+              </a:rPr>
+              <a:t>message</a:t>
+            </a:r>
+            <a:r>
+              <a:rPr kumimoji="0" lang="ru-RU" altLang="ru-RU" sz="1800" b="0" i="0" u="none" strike="noStrike" cap="none" normalizeH="0" baseline="0" dirty="0">
+                <a:ln>
+                  <a:noFill/>
+                </a:ln>
+                <a:solidFill>
+                  <a:srgbClr val="9876AA"/>
+                </a:solidFill>
+                <a:effectLst/>
+                <a:latin typeface="JetBrains Mono"/>
+              </a:rPr>
+              <a:t> </a:t>
+            </a:r>
+            <a:r>
+              <a:rPr kumimoji="0" lang="ru-RU" altLang="ru-RU" sz="1800" b="0" i="0" u="none" strike="noStrike" cap="none" normalizeH="0" baseline="0" dirty="0">
+                <a:ln>
+                  <a:noFill/>
+                </a:ln>
+                <a:solidFill>
+                  <a:srgbClr val="A9B7C6"/>
+                </a:solidFill>
+                <a:effectLst/>
+                <a:latin typeface="JetBrains Mono"/>
+              </a:rPr>
+              <a:t>= [</a:t>
+            </a:r>
+            <a:r>
+              <a:rPr kumimoji="0" lang="ru-RU" altLang="ru-RU" sz="1800" b="0" i="0" u="none" strike="noStrike" cap="none" normalizeH="0" baseline="0" dirty="0">
+                <a:ln>
+                  <a:noFill/>
+                </a:ln>
+                <a:solidFill>
+                  <a:srgbClr val="6897BB"/>
+                </a:solidFill>
+                <a:effectLst/>
+                <a:latin typeface="JetBrains Mono"/>
+              </a:rPr>
+              <a:t>1</a:t>
+            </a:r>
+            <a:r>
+              <a:rPr kumimoji="0" lang="ru-RU" altLang="ru-RU" sz="1800" b="0" i="0" u="none" strike="noStrike" cap="none" normalizeH="0" baseline="0" dirty="0">
+                <a:ln>
+                  <a:noFill/>
+                </a:ln>
+                <a:solidFill>
+                  <a:srgbClr val="CC7832"/>
+                </a:solidFill>
+                <a:effectLst/>
+                <a:latin typeface="JetBrains Mono"/>
+              </a:rPr>
+              <a:t>,</a:t>
+            </a:r>
+            <a:r>
+              <a:rPr kumimoji="0" lang="ru-RU" altLang="ru-RU" sz="1800" b="0" i="0" u="none" strike="noStrike" cap="none" normalizeH="0" baseline="0" dirty="0">
+                <a:ln>
+                  <a:noFill/>
+                </a:ln>
+                <a:solidFill>
+                  <a:srgbClr val="6897BB"/>
+                </a:solidFill>
+                <a:effectLst/>
+                <a:latin typeface="JetBrains Mono"/>
+              </a:rPr>
+              <a:t>2</a:t>
+            </a:r>
+            <a:r>
+              <a:rPr kumimoji="0" lang="ru-RU" altLang="ru-RU" sz="1800" b="0" i="0" u="none" strike="noStrike" cap="none" normalizeH="0" baseline="0" dirty="0">
+                <a:ln>
+                  <a:noFill/>
+                </a:ln>
+                <a:solidFill>
+                  <a:srgbClr val="CC7832"/>
+                </a:solidFill>
+                <a:effectLst/>
+                <a:latin typeface="JetBrains Mono"/>
+              </a:rPr>
+              <a:t>,</a:t>
+            </a:r>
+            <a:r>
+              <a:rPr kumimoji="0" lang="ru-RU" altLang="ru-RU" sz="1800" b="0" i="0" u="none" strike="noStrike" cap="none" normalizeH="0" baseline="0" dirty="0">
+                <a:ln>
+                  <a:noFill/>
+                </a:ln>
+                <a:solidFill>
+                  <a:srgbClr val="6897BB"/>
+                </a:solidFill>
+                <a:effectLst/>
+                <a:latin typeface="JetBrains Mono"/>
+              </a:rPr>
+              <a:t>3</a:t>
+            </a:r>
+            <a:r>
+              <a:rPr kumimoji="0" lang="ru-RU" altLang="ru-RU" sz="1800" b="0" i="0" u="none" strike="noStrike" cap="none" normalizeH="0" baseline="0" dirty="0">
+                <a:ln>
+                  <a:noFill/>
+                </a:ln>
+                <a:solidFill>
+                  <a:srgbClr val="A9B7C6"/>
+                </a:solidFill>
+                <a:effectLst/>
+                <a:latin typeface="JetBrains Mono"/>
+              </a:rPr>
+              <a:t>]</a:t>
+            </a:r>
+            <a:r>
+              <a:rPr kumimoji="0" lang="ru-RU" altLang="ru-RU" sz="1800" b="0" i="0" u="none" strike="noStrike" cap="none" normalizeH="0" baseline="0" dirty="0">
+                <a:ln>
+                  <a:noFill/>
+                </a:ln>
+                <a:solidFill>
+                  <a:srgbClr val="CC7832"/>
+                </a:solidFill>
+                <a:effectLst/>
+                <a:latin typeface="JetBrains Mono"/>
+              </a:rPr>
+              <a:t>;</a:t>
+            </a:r>
+            <a:br>
+              <a:rPr kumimoji="0" lang="ru-RU" altLang="ru-RU" sz="1800" b="0" i="0" u="none" strike="noStrike" cap="none" normalizeH="0" baseline="0" dirty="0">
+                <a:ln>
+                  <a:noFill/>
+                </a:ln>
+                <a:solidFill>
+                  <a:srgbClr val="CC7832"/>
+                </a:solidFill>
+                <a:effectLst/>
+                <a:latin typeface="JetBrains Mono"/>
+              </a:rPr>
+            </a:br>
+            <a:r>
+              <a:rPr kumimoji="0" lang="ru-RU" altLang="ru-RU" sz="1800" b="0" i="0" u="none" strike="noStrike" cap="none" normalizeH="0" baseline="0" dirty="0">
+                <a:ln>
+                  <a:noFill/>
+                </a:ln>
+                <a:solidFill>
+                  <a:srgbClr val="9876AA"/>
+                </a:solidFill>
+                <a:effectLst/>
+                <a:latin typeface="JetBrains Mono"/>
+              </a:rPr>
+              <a:t>$</a:t>
+            </a:r>
+            <a:r>
+              <a:rPr kumimoji="0" lang="ru-RU" altLang="ru-RU" sz="1800" b="0" i="0" u="none" strike="noStrike" cap="none" normalizeH="0" baseline="0" dirty="0" err="1">
+                <a:ln>
+                  <a:noFill/>
+                </a:ln>
+                <a:solidFill>
+                  <a:srgbClr val="9876AA"/>
+                </a:solidFill>
+                <a:effectLst/>
+                <a:latin typeface="JetBrains Mono"/>
+              </a:rPr>
+              <a:t>routingKey</a:t>
+            </a:r>
+            <a:r>
+              <a:rPr kumimoji="0" lang="ru-RU" altLang="ru-RU" sz="1800" b="0" i="0" u="none" strike="noStrike" cap="none" normalizeH="0" baseline="0" dirty="0">
+                <a:ln>
+                  <a:noFill/>
+                </a:ln>
+                <a:solidFill>
+                  <a:srgbClr val="9876AA"/>
+                </a:solidFill>
+                <a:effectLst/>
+                <a:latin typeface="JetBrains Mono"/>
+              </a:rPr>
+              <a:t> </a:t>
+            </a:r>
+            <a:r>
+              <a:rPr kumimoji="0" lang="ru-RU" altLang="ru-RU" sz="1800" b="0" i="0" u="none" strike="noStrike" cap="none" normalizeH="0" baseline="0" dirty="0">
+                <a:ln>
+                  <a:noFill/>
+                </a:ln>
+                <a:solidFill>
+                  <a:srgbClr val="A9B7C6"/>
+                </a:solidFill>
+                <a:effectLst/>
+                <a:latin typeface="JetBrains Mono"/>
+              </a:rPr>
+              <a:t>= </a:t>
+            </a:r>
+            <a:r>
+              <a:rPr kumimoji="0" lang="ru-RU" altLang="ru-RU" sz="1800" b="0" i="0" u="none" strike="noStrike" cap="none" normalizeH="0" baseline="0" dirty="0">
+                <a:ln>
+                  <a:noFill/>
+                </a:ln>
+                <a:solidFill>
+                  <a:srgbClr val="6A8759"/>
+                </a:solidFill>
+                <a:effectLst/>
+                <a:latin typeface="JetBrains Mono"/>
+              </a:rPr>
+              <a:t>'</a:t>
+            </a:r>
+            <a:r>
+              <a:rPr kumimoji="0" lang="ru-RU" altLang="ru-RU" sz="1800" b="0" i="0" u="none" strike="noStrike" cap="none" normalizeH="0" baseline="0" dirty="0" err="1">
+                <a:ln>
+                  <a:noFill/>
+                </a:ln>
+                <a:solidFill>
+                  <a:srgbClr val="6A8759"/>
+                </a:solidFill>
+                <a:effectLst/>
+                <a:latin typeface="JetBrains Mono"/>
+              </a:rPr>
+              <a:t>storage</a:t>
+            </a:r>
+            <a:r>
+              <a:rPr kumimoji="0" lang="ru-RU" altLang="ru-RU" sz="1800" b="0" i="0" u="none" strike="noStrike" cap="none" normalizeH="0" baseline="0" dirty="0">
+                <a:ln>
+                  <a:noFill/>
+                </a:ln>
+                <a:solidFill>
+                  <a:srgbClr val="6A8759"/>
+                </a:solidFill>
+                <a:effectLst/>
+                <a:latin typeface="JetBrains Mono"/>
+              </a:rPr>
+              <a:t>'</a:t>
+            </a:r>
+            <a:r>
+              <a:rPr kumimoji="0" lang="ru-RU" altLang="ru-RU" sz="1800" b="0" i="0" u="none" strike="noStrike" cap="none" normalizeH="0" baseline="0" dirty="0">
+                <a:ln>
+                  <a:noFill/>
+                </a:ln>
+                <a:solidFill>
+                  <a:srgbClr val="CC7832"/>
+                </a:solidFill>
+                <a:effectLst/>
+                <a:latin typeface="JetBrains Mono"/>
+              </a:rPr>
+              <a:t>;</a:t>
+            </a:r>
+            <a:br>
+              <a:rPr kumimoji="0" lang="ru-RU" altLang="ru-RU" sz="1800" b="0" i="0" u="none" strike="noStrike" cap="none" normalizeH="0" baseline="0" dirty="0">
+                <a:ln>
+                  <a:noFill/>
+                </a:ln>
+                <a:solidFill>
+                  <a:srgbClr val="CC7832"/>
+                </a:solidFill>
+                <a:effectLst/>
+                <a:latin typeface="JetBrains Mono"/>
+              </a:rPr>
+            </a:br>
+            <a:r>
+              <a:rPr kumimoji="0" lang="ru-RU" altLang="ru-RU" sz="1800" b="0" i="0" u="none" strike="noStrike" cap="none" normalizeH="0" baseline="0" dirty="0" err="1">
+                <a:ln>
+                  <a:noFill/>
+                </a:ln>
+                <a:effectLst/>
+                <a:latin typeface="JetBrains Mono"/>
+              </a:rPr>
+              <a:t>RabbitMQ</a:t>
+            </a:r>
+            <a:r>
+              <a:rPr kumimoji="0" lang="ru-RU" altLang="ru-RU" sz="1800" b="0" i="0" u="none" strike="noStrike" cap="none" normalizeH="0" baseline="0" dirty="0">
+                <a:ln>
+                  <a:noFill/>
+                </a:ln>
+                <a:solidFill>
+                  <a:srgbClr val="A9B7C6"/>
+                </a:solidFill>
+                <a:effectLst/>
+                <a:latin typeface="JetBrains Mono"/>
+              </a:rPr>
+              <a:t>::</a:t>
+            </a:r>
+            <a:r>
+              <a:rPr kumimoji="0" lang="ru-RU" altLang="ru-RU" sz="1800" b="0" i="1" u="none" strike="noStrike" cap="none" normalizeH="0" baseline="0" dirty="0" err="1">
+                <a:ln>
+                  <a:noFill/>
+                </a:ln>
+                <a:effectLst/>
+                <a:latin typeface="JetBrains Mono"/>
+              </a:rPr>
+              <a:t>sendMessage</a:t>
+            </a:r>
+            <a:r>
+              <a:rPr kumimoji="0" lang="ru-RU" altLang="ru-RU" sz="1800" b="0" i="0" u="none" strike="noStrike" cap="none" normalizeH="0" baseline="0" dirty="0">
+                <a:ln>
+                  <a:noFill/>
+                </a:ln>
+                <a:solidFill>
+                  <a:srgbClr val="A9B7C6"/>
+                </a:solidFill>
+                <a:effectLst/>
+                <a:latin typeface="JetBrains Mono"/>
+              </a:rPr>
+              <a:t>(</a:t>
+            </a:r>
+            <a:r>
+              <a:rPr kumimoji="0" lang="ru-RU" altLang="ru-RU" sz="1800" b="0" i="0" u="none" strike="noStrike" cap="none" normalizeH="0" baseline="0" dirty="0">
+                <a:ln>
+                  <a:noFill/>
+                </a:ln>
+                <a:solidFill>
+                  <a:srgbClr val="9876AA"/>
+                </a:solidFill>
+                <a:effectLst/>
+                <a:latin typeface="JetBrains Mono"/>
+              </a:rPr>
+              <a:t>$</a:t>
+            </a:r>
+            <a:r>
+              <a:rPr kumimoji="0" lang="ru-RU" altLang="ru-RU" sz="1800" b="0" i="0" u="none" strike="noStrike" cap="none" normalizeH="0" baseline="0" dirty="0" err="1">
+                <a:ln>
+                  <a:noFill/>
+                </a:ln>
+                <a:solidFill>
+                  <a:srgbClr val="9876AA"/>
+                </a:solidFill>
+                <a:effectLst/>
+                <a:latin typeface="JetBrains Mono"/>
+              </a:rPr>
+              <a:t>message</a:t>
+            </a:r>
+            <a:r>
+              <a:rPr kumimoji="0" lang="ru-RU" altLang="ru-RU" sz="1800" b="0" i="0" u="none" strike="noStrike" cap="none" normalizeH="0" baseline="0" dirty="0">
+                <a:ln>
+                  <a:noFill/>
+                </a:ln>
+                <a:solidFill>
+                  <a:srgbClr val="CC7832"/>
+                </a:solidFill>
+                <a:effectLst/>
+                <a:latin typeface="JetBrains Mono"/>
+              </a:rPr>
+              <a:t>, </a:t>
+            </a:r>
+            <a:r>
+              <a:rPr kumimoji="0" lang="ru-RU" altLang="ru-RU" sz="1800" b="0" i="0" u="none" strike="noStrike" cap="none" normalizeH="0" baseline="0" dirty="0">
+                <a:ln>
+                  <a:noFill/>
+                </a:ln>
+                <a:solidFill>
+                  <a:srgbClr val="9876AA"/>
+                </a:solidFill>
+                <a:effectLst/>
+                <a:latin typeface="JetBrains Mono"/>
+              </a:rPr>
+              <a:t>$</a:t>
+            </a:r>
+            <a:r>
+              <a:rPr kumimoji="0" lang="ru-RU" altLang="ru-RU" sz="1800" b="0" i="0" u="none" strike="noStrike" cap="none" normalizeH="0" baseline="0" dirty="0" err="1">
+                <a:ln>
+                  <a:noFill/>
+                </a:ln>
+                <a:solidFill>
+                  <a:srgbClr val="9876AA"/>
+                </a:solidFill>
+                <a:effectLst/>
+                <a:latin typeface="JetBrains Mono"/>
+              </a:rPr>
+              <a:t>routingKey</a:t>
+            </a:r>
+            <a:r>
+              <a:rPr kumimoji="0" lang="ru-RU" altLang="ru-RU" sz="1800" b="0" i="0" u="none" strike="noStrike" cap="none" normalizeH="0" baseline="0" dirty="0">
+                <a:ln>
+                  <a:noFill/>
+                </a:ln>
+                <a:solidFill>
+                  <a:srgbClr val="A9B7C6"/>
+                </a:solidFill>
+                <a:effectLst/>
+                <a:latin typeface="JetBrains Mono"/>
+              </a:rPr>
+              <a:t>)</a:t>
+            </a:r>
+            <a:r>
+              <a:rPr kumimoji="0" lang="ru-RU" altLang="ru-RU" sz="1800" b="0" i="0" u="none" strike="noStrike" cap="none" normalizeH="0" baseline="0" dirty="0">
+                <a:ln>
+                  <a:noFill/>
+                </a:ln>
+                <a:solidFill>
+                  <a:srgbClr val="CC7832"/>
+                </a:solidFill>
+                <a:effectLst/>
+                <a:latin typeface="JetBrains Mono"/>
+              </a:rPr>
+              <a:t>;</a:t>
+            </a:r>
+            <a:endParaRPr kumimoji="0" lang="ru-RU" altLang="ru-RU" sz="4000" b="0" i="0" u="none" strike="noStrike" cap="none" normalizeH="0" baseline="0" dirty="0">
+              <a:ln>
+                <a:noFill/>
+              </a:ln>
+              <a:solidFill>
+                <a:schemeClr val="tx1"/>
+              </a:solidFill>
+              <a:effectLst/>
+              <a:latin typeface="Arial" panose="020B0604020202020204" pitchFamily="34" charset="0"/>
+            </a:endParaRPr>
+          </a:p>
+        </p:txBody>
+      </p:sp>
+      <p:sp>
+        <p:nvSpPr>
+          <p:cNvPr id="24" name="TextBox 23">
+            <a:extLst>
+              <a:ext uri="{FF2B5EF4-FFF2-40B4-BE49-F238E27FC236}">
+                <a16:creationId xmlns:a16="http://schemas.microsoft.com/office/drawing/2014/main" id="{1E143942-97E1-9C75-D369-A6A8F1001088}"/>
+              </a:ext>
+            </a:extLst>
+          </p:cNvPr>
+          <p:cNvSpPr txBox="1"/>
+          <p:nvPr/>
+        </p:nvSpPr>
+        <p:spPr>
+          <a:xfrm>
+            <a:off x="5905497" y="3009825"/>
+            <a:ext cx="4905376" cy="369332"/>
+          </a:xfrm>
+          <a:prstGeom prst="rect">
+            <a:avLst/>
+          </a:prstGeom>
+          <a:noFill/>
+        </p:spPr>
+        <p:txBody>
+          <a:bodyPr wrap="square">
+            <a:spAutoFit/>
+          </a:bodyPr>
+          <a:lstStyle/>
+          <a:p>
+            <a:r>
+              <a:rPr lang="ru-RU" b="1" dirty="0"/>
+              <a:t>Отправка сообщений</a:t>
+            </a:r>
+            <a:r>
+              <a:rPr lang="en-US" b="1" dirty="0"/>
+              <a:t>:</a:t>
+            </a:r>
+            <a:endParaRPr lang="ru-RU" dirty="0"/>
+          </a:p>
+        </p:txBody>
+      </p:sp>
+    </p:spTree>
+    <p:extLst>
+      <p:ext uri="{BB962C8B-B14F-4D97-AF65-F5344CB8AC3E}">
+        <p14:creationId xmlns:p14="http://schemas.microsoft.com/office/powerpoint/2010/main" val="1969723512"/>
+      </p:ext>
+    </p:extLst>
+  </p:cSld>
+  <p:clrMapOvr>
+    <a:masterClrMapping/>
+  </p:clrMapOvr>
+  <p:transition spd="slow">
+    <p:push dir="u"/>
+  </p:transition>
+</p:sld>
+</file>
+
+<file path=ppt/slides/slide11.xml><?xml version="1.0" encoding="utf-8"?>
+<p:sld xmlns:a="http://schemas.openxmlformats.org/drawingml/2006/main" xmlns:r="http://schemas.openxmlformats.org/officeDocument/2006/relationships" xmlns:p="http://schemas.openxmlformats.org/presentationml/2006/main">
+  <p:cSld>
+    <p:spTree>
+      <p:nvGrpSpPr>
+        <p:cNvPr id="1" name=""/>
+        <p:cNvGrpSpPr/>
+        <p:nvPr/>
+      </p:nvGrpSpPr>
+      <p:grpSpPr>
+        <a:xfrm>
+          <a:off x="0" y="0"/>
+          <a:ext cx="0" cy="0"/>
+          <a:chOff x="0" y="0"/>
+          <a:chExt cx="0" cy="0"/>
+        </a:xfrm>
+      </p:grpSpPr>
+      <p:sp>
+        <p:nvSpPr>
+          <p:cNvPr id="2" name="Заголовок 1">
+            <a:extLst>
+              <a:ext uri="{FF2B5EF4-FFF2-40B4-BE49-F238E27FC236}">
+                <a16:creationId xmlns:a16="http://schemas.microsoft.com/office/drawing/2014/main" id="{FDD4659B-97E7-41EB-B6EB-6FA3CF23E13E}"/>
+              </a:ext>
+            </a:extLst>
+          </p:cNvPr>
+          <p:cNvSpPr>
+            <a:spLocks noGrp="1"/>
+          </p:cNvSpPr>
+          <p:nvPr>
+            <p:ph type="title"/>
+          </p:nvPr>
+        </p:nvSpPr>
+        <p:spPr>
+          <a:xfrm>
             <a:off x="1052512" y="267509"/>
             <a:ext cx="10086975" cy="954108"/>
           </a:xfrm>
@@ -6337,7 +8222,7 @@
 </p:sld>
 </file>
 
-<file path=ppt/slides/slide11.xml><?xml version="1.0" encoding="utf-8"?>
+<file path=ppt/slides/slide12.xml><?xml version="1.0" encoding="utf-8"?>
 <p:sld xmlns:a="http://schemas.openxmlformats.org/drawingml/2006/main" xmlns:r="http://schemas.openxmlformats.org/officeDocument/2006/relationships" xmlns:p="http://schemas.openxmlformats.org/presentationml/2006/main">
   <p:cSld>
     <p:spTree>
@@ -6549,7 +8434,7 @@
 </p:sld>
 </file>
 
-<file path=ppt/slides/slide12.xml><?xml version="1.0" encoding="utf-8"?>
+<file path=ppt/slides/slide13.xml><?xml version="1.0" encoding="utf-8"?>
 <p:sld xmlns:a="http://schemas.openxmlformats.org/drawingml/2006/main" xmlns:r="http://schemas.openxmlformats.org/officeDocument/2006/relationships" xmlns:p="http://schemas.openxmlformats.org/presentationml/2006/main">
   <p:cSld>
     <p:spTree>
@@ -7536,7 +9421,7 @@
 </p:sld>
 </file>
 
-<file path=ppt/slides/slide13.xml><?xml version="1.0" encoding="utf-8"?>
+<file path=ppt/slides/slide14.xml><?xml version="1.0" encoding="utf-8"?>
 <p:sld xmlns:a="http://schemas.openxmlformats.org/drawingml/2006/main" xmlns:r="http://schemas.openxmlformats.org/officeDocument/2006/relationships" xmlns:p="http://schemas.openxmlformats.org/presentationml/2006/main">
   <p:cSld>
     <p:spTree>
@@ -7959,7 +9844,7 @@
 </p:sld>
 </file>
 
-<file path=ppt/slides/slide14.xml><?xml version="1.0" encoding="utf-8"?>
+<file path=ppt/slides/slide15.xml><?xml version="1.0" encoding="utf-8"?>
 <p:sld xmlns:a="http://schemas.openxmlformats.org/drawingml/2006/main" xmlns:r="http://schemas.openxmlformats.org/officeDocument/2006/relationships" xmlns:p="http://schemas.openxmlformats.org/presentationml/2006/main">
   <p:cSld>
     <p:spTree>
@@ -8113,7 +9998,7 @@
 </p:sld>
 </file>
 
-<file path=ppt/slides/slide15.xml><?xml version="1.0" encoding="utf-8"?>
+<file path=ppt/slides/slide16.xml><?xml version="1.0" encoding="utf-8"?>
 <p:sld xmlns:a="http://schemas.openxmlformats.org/drawingml/2006/main" xmlns:r="http://schemas.openxmlformats.org/officeDocument/2006/relationships" xmlns:p="http://schemas.openxmlformats.org/presentationml/2006/main">
   <p:cSld>
     <p:spTree>
@@ -8901,13 +10786,13 @@
         </p:nvSpPr>
         <p:spPr>
           <a:xfrm>
-            <a:off x="1052512" y="209550"/>
-            <a:ext cx="10086975" cy="1019175"/>
+            <a:off x="1219200" y="0"/>
+            <a:ext cx="10086975" cy="1507067"/>
           </a:xfrm>
         </p:spPr>
         <p:txBody>
           <a:bodyPr>
-            <a:noAutofit/>
+            <a:normAutofit/>
           </a:bodyPr>
           <a:lstStyle/>
           <a:p>
@@ -8917,17 +10802,17 @@
                 <a:latin typeface="Times New Roman" panose="02020603050405020304" pitchFamily="18" charset="0"/>
                 <a:cs typeface="Times New Roman" panose="02020603050405020304" pitchFamily="18" charset="0"/>
               </a:rPr>
-              <a:t>Постановка задачи</a:t>
+              <a:t>Актуальность</a:t>
             </a:r>
           </a:p>
         </p:txBody>
       </p:sp>
       <p:sp>
         <p:nvSpPr>
-          <p:cNvPr id="5" name="TextBox 4">
+          <p:cNvPr id="3" name="TextBox 2">
             <a:extLst>
               <a:ext uri="{FF2B5EF4-FFF2-40B4-BE49-F238E27FC236}">
-                <a16:creationId xmlns:a16="http://schemas.microsoft.com/office/drawing/2014/main" id="{AD70DFB1-062C-F052-0D21-E6D0ADD92BFC}"/>
+                <a16:creationId xmlns:a16="http://schemas.microsoft.com/office/drawing/2014/main" id="{A51511C8-A2A3-E584-625E-0CB2A6580EE5}"/>
               </a:ext>
             </a:extLst>
           </p:cNvPr>
@@ -8936,8 +10821,8 @@
         </p:nvSpPr>
         <p:spPr>
           <a:xfrm>
-            <a:off x="666750" y="1485900"/>
-            <a:ext cx="10191750" cy="2638158"/>
+            <a:off x="676275" y="1409700"/>
+            <a:ext cx="10839450" cy="4336059"/>
           </a:xfrm>
           <a:prstGeom prst="rect">
             <a:avLst/>
@@ -8945,226 +10830,250 @@
           <a:noFill/>
         </p:spPr>
         <p:txBody>
-          <a:bodyPr wrap="square">
+          <a:bodyPr wrap="square" rtlCol="0">
             <a:spAutoFit/>
           </a:bodyPr>
           <a:lstStyle/>
           <a:p>
-            <a:pPr indent="228600">
+            <a:pPr marL="0" algn="l" rtl="0" eaLnBrk="1" latinLnBrk="0" hangingPunct="1">
+              <a:spcBef>
+                <a:spcPts val="0"/>
+              </a:spcBef>
+              <a:spcAft>
+                <a:spcPts val="0"/>
+              </a:spcAft>
+            </a:pPr>
+            <a:r>
+              <a:rPr lang="ru-RU" sz="1800" kern="1200" dirty="0">
+                <a:solidFill>
+                  <a:srgbClr val="000000"/>
+                </a:solidFill>
+                <a:effectLst/>
+                <a:latin typeface="Times New Roman" panose="02020603050405020304" pitchFamily="18" charset="0"/>
+                <a:ea typeface="Calibri" panose="020F0502020204030204" pitchFamily="34" charset="0"/>
+                <a:cs typeface="Times New Roman CYR" panose="02020603050405020304" pitchFamily="18" charset="0"/>
+              </a:rPr>
+              <a:t>	В современном мире трудно переоценить значимость баз данных. Базы данных прочно укрепили свои позиции повсеместно в промышленных, образовательных, здравоохранительных, правоохранительных и в других общественно важных структурах, а также в сферах бизнеса.</a:t>
+            </a:r>
+          </a:p>
+          <a:p>
+            <a:pPr marL="0" algn="l" rtl="0" eaLnBrk="1" latinLnBrk="0" hangingPunct="1">
+              <a:spcBef>
+                <a:spcPts val="0"/>
+              </a:spcBef>
+              <a:spcAft>
+                <a:spcPts val="0"/>
+              </a:spcAft>
+            </a:pPr>
+            <a:endParaRPr lang="ru-RU" dirty="0">
+              <a:effectLst/>
+            </a:endParaRPr>
+          </a:p>
+          <a:p>
+            <a:pPr marL="0" algn="l" rtl="0" eaLnBrk="1" latinLnBrk="0" hangingPunct="1">
+              <a:spcBef>
+                <a:spcPts val="0"/>
+              </a:spcBef>
+              <a:spcAft>
+                <a:spcPts val="0"/>
+              </a:spcAft>
+            </a:pPr>
+            <a:r>
+              <a:rPr lang="ru-RU" sz="1800" kern="1200" dirty="0">
+                <a:solidFill>
+                  <a:srgbClr val="000000"/>
+                </a:solidFill>
+                <a:effectLst/>
+                <a:latin typeface="Times New Roman" panose="02020603050405020304" pitchFamily="18" charset="0"/>
+                <a:ea typeface="Calibri" panose="020F0502020204030204" pitchFamily="34" charset="0"/>
+                <a:cs typeface="Times New Roman CYR" panose="02020603050405020304" pitchFamily="18" charset="0"/>
+              </a:rPr>
+              <a:t>	Язык </a:t>
+            </a:r>
+            <a:r>
+              <a:rPr lang="en-US" sz="1800" kern="1200" dirty="0">
+                <a:solidFill>
+                  <a:srgbClr val="000000"/>
+                </a:solidFill>
+                <a:effectLst/>
+                <a:latin typeface="Times New Roman" panose="02020603050405020304" pitchFamily="18" charset="0"/>
+                <a:ea typeface="Calibri" panose="020F0502020204030204" pitchFamily="34" charset="0"/>
+                <a:cs typeface="Times New Roman CYR" panose="02020603050405020304" pitchFamily="18" charset="0"/>
+              </a:rPr>
+              <a:t>SQL</a:t>
+            </a:r>
+            <a:r>
+              <a:rPr lang="ru-RU" sz="1800" kern="1200" dirty="0">
+                <a:solidFill>
+                  <a:srgbClr val="000000"/>
+                </a:solidFill>
+                <a:effectLst/>
+                <a:latin typeface="Times New Roman" panose="02020603050405020304" pitchFamily="18" charset="0"/>
+                <a:ea typeface="Calibri" panose="020F0502020204030204" pitchFamily="34" charset="0"/>
+                <a:cs typeface="Times New Roman CYR" panose="02020603050405020304" pitchFamily="18" charset="0"/>
+              </a:rPr>
+              <a:t>, как основной инструмент работы с базами данных, играет первостепенную роль в вопросе разработки СУБД, а также в администрировании баз данных. </a:t>
+            </a:r>
+            <a:endParaRPr lang="ru-RU" dirty="0">
+              <a:effectLst/>
+            </a:endParaRPr>
+          </a:p>
+          <a:p>
+            <a:pPr marL="0" algn="l" rtl="0" eaLnBrk="1" latinLnBrk="0" hangingPunct="1">
+              <a:spcBef>
+                <a:spcPts val="0"/>
+              </a:spcBef>
+              <a:spcAft>
+                <a:spcPts val="0"/>
+              </a:spcAft>
+            </a:pPr>
+            <a:endParaRPr lang="ru-RU" sz="1800" kern="1200" dirty="0">
+              <a:solidFill>
+                <a:srgbClr val="000000"/>
+              </a:solidFill>
+              <a:effectLst/>
+              <a:latin typeface="Times New Roman" panose="02020603050405020304" pitchFamily="18" charset="0"/>
+              <a:ea typeface="Calibri" panose="020F0502020204030204" pitchFamily="34" charset="0"/>
+              <a:cs typeface="Times New Roman CYR" panose="02020603050405020304" pitchFamily="18" charset="0"/>
+            </a:endParaRPr>
+          </a:p>
+          <a:p>
+            <a:pPr marL="0" algn="l" rtl="0" eaLnBrk="1" latinLnBrk="0" hangingPunct="1">
+              <a:spcBef>
+                <a:spcPts val="0"/>
+              </a:spcBef>
+              <a:spcAft>
+                <a:spcPts val="0"/>
+              </a:spcAft>
+            </a:pPr>
+            <a:r>
+              <a:rPr lang="ru-RU" dirty="0">
+                <a:solidFill>
+                  <a:srgbClr val="000000"/>
+                </a:solidFill>
+                <a:latin typeface="Times New Roman" panose="02020603050405020304" pitchFamily="18" charset="0"/>
+                <a:ea typeface="Calibri" panose="020F0502020204030204" pitchFamily="34" charset="0"/>
+                <a:cs typeface="Times New Roman CYR" panose="02020603050405020304" pitchFamily="18" charset="0"/>
+              </a:rPr>
+              <a:t>	</a:t>
+            </a:r>
+            <a:r>
+              <a:rPr lang="ru-RU" sz="1800" kern="1200" dirty="0">
+                <a:solidFill>
+                  <a:srgbClr val="000000"/>
+                </a:solidFill>
+                <a:effectLst/>
+                <a:latin typeface="Times New Roman" panose="02020603050405020304" pitchFamily="18" charset="0"/>
+                <a:ea typeface="Calibri" panose="020F0502020204030204" pitchFamily="34" charset="0"/>
+                <a:cs typeface="Times New Roman CYR" panose="02020603050405020304" pitchFamily="18" charset="0"/>
+              </a:rPr>
+              <a:t>К сожалению, многие разработчики не так часто задумываются о оптимизации </a:t>
+            </a:r>
+            <a:r>
+              <a:rPr lang="en-US" sz="1800" kern="1200" dirty="0">
+                <a:solidFill>
+                  <a:srgbClr val="000000"/>
+                </a:solidFill>
+                <a:effectLst/>
+                <a:latin typeface="Times New Roman" panose="02020603050405020304" pitchFamily="18" charset="0"/>
+                <a:ea typeface="Calibri" panose="020F0502020204030204" pitchFamily="34" charset="0"/>
+                <a:cs typeface="Times New Roman CYR" panose="02020603050405020304" pitchFamily="18" charset="0"/>
+              </a:rPr>
+              <a:t>SQL</a:t>
+            </a:r>
+            <a:r>
+              <a:rPr lang="ru-RU" sz="1800" kern="1200" dirty="0">
+                <a:solidFill>
+                  <a:srgbClr val="000000"/>
+                </a:solidFill>
+                <a:effectLst/>
+                <a:latin typeface="Times New Roman" panose="02020603050405020304" pitchFamily="18" charset="0"/>
+                <a:ea typeface="Calibri" panose="020F0502020204030204" pitchFamily="34" charset="0"/>
+                <a:cs typeface="Times New Roman CYR" panose="02020603050405020304" pitchFamily="18" charset="0"/>
+              </a:rPr>
+              <a:t>-запросов, напрасно полагая, что современное аппаратное обеспечение поможет компенсировать лишние затраты, возникающие при выполнении неэффективных </a:t>
+            </a:r>
+            <a:r>
+              <a:rPr lang="en-US" sz="1800" kern="1200" dirty="0">
+                <a:solidFill>
+                  <a:srgbClr val="000000"/>
+                </a:solidFill>
+                <a:effectLst/>
+                <a:latin typeface="Times New Roman" panose="02020603050405020304" pitchFamily="18" charset="0"/>
+                <a:ea typeface="Calibri" panose="020F0502020204030204" pitchFamily="34" charset="0"/>
+                <a:cs typeface="Times New Roman CYR" panose="02020603050405020304" pitchFamily="18" charset="0"/>
+              </a:rPr>
+              <a:t>SQL</a:t>
+            </a:r>
+            <a:r>
+              <a:rPr lang="ru-RU" sz="1800" kern="1200" dirty="0">
+                <a:solidFill>
+                  <a:srgbClr val="000000"/>
+                </a:solidFill>
+                <a:effectLst/>
+                <a:latin typeface="Times New Roman" panose="02020603050405020304" pitchFamily="18" charset="0"/>
+                <a:ea typeface="Calibri" panose="020F0502020204030204" pitchFamily="34" charset="0"/>
+                <a:cs typeface="Times New Roman CYR" panose="02020603050405020304" pitchFamily="18" charset="0"/>
+              </a:rPr>
+              <a:t>-запросов. </a:t>
+            </a:r>
+          </a:p>
+          <a:p>
+            <a:pPr marL="0" algn="l" rtl="0" eaLnBrk="1" latinLnBrk="0" hangingPunct="1">
+              <a:spcBef>
+                <a:spcPts val="0"/>
+              </a:spcBef>
+              <a:spcAft>
+                <a:spcPts val="0"/>
+              </a:spcAft>
+            </a:pPr>
+            <a:r>
+              <a:rPr lang="ru-RU" dirty="0">
+                <a:solidFill>
+                  <a:srgbClr val="000000"/>
+                </a:solidFill>
+                <a:latin typeface="Times New Roman" panose="02020603050405020304" pitchFamily="18" charset="0"/>
+                <a:ea typeface="Calibri" panose="020F0502020204030204" pitchFamily="34" charset="0"/>
+                <a:cs typeface="Times New Roman CYR" panose="02020603050405020304" pitchFamily="18" charset="0"/>
+              </a:rPr>
+              <a:t>	</a:t>
+            </a:r>
+          </a:p>
+          <a:p>
+            <a:pPr marL="0" algn="l" rtl="0" eaLnBrk="1" latinLnBrk="0" hangingPunct="1">
+              <a:spcBef>
+                <a:spcPts val="0"/>
+              </a:spcBef>
+              <a:spcAft>
+                <a:spcPts val="0"/>
+              </a:spcAft>
+            </a:pPr>
+            <a:r>
+              <a:rPr lang="ru-RU" sz="1800" kern="1200" dirty="0">
+                <a:solidFill>
+                  <a:srgbClr val="000000"/>
+                </a:solidFill>
+                <a:effectLst/>
+                <a:latin typeface="Times New Roman" panose="02020603050405020304" pitchFamily="18" charset="0"/>
+                <a:ea typeface="Calibri" panose="020F0502020204030204" pitchFamily="34" charset="0"/>
+                <a:cs typeface="Times New Roman CYR" panose="02020603050405020304" pitchFamily="18" charset="0"/>
+              </a:rPr>
+              <a:t>	Современные СУБД имеют встроенные средства оптимизации запросов, перед их непосредственным выполнением. Понимание принципов работы этих средств необходимо для написания эффективных запросов. Поэтому изучение данного вопроса является актуальным на сегодняшний момент.</a:t>
+            </a:r>
+            <a:endParaRPr lang="ru-RU" dirty="0">
+              <a:effectLst/>
+            </a:endParaRPr>
+          </a:p>
+          <a:p>
+            <a:pPr>
               <a:lnSpc>
                 <a:spcPct val="150000"/>
               </a:lnSpc>
-              <a:spcAft>
-                <a:spcPts val="800"/>
-              </a:spcAft>
             </a:pPr>
-            <a:r>
-              <a:rPr lang="ru-RU" sz="1800" dirty="0">
-                <a:effectLst/>
-                <a:latin typeface="Times New Roman" panose="02020603050405020304" pitchFamily="18" charset="0"/>
-                <a:ea typeface="Calibri" panose="020F0502020204030204" pitchFamily="34" charset="0"/>
-              </a:rPr>
-              <a:t>Одни из самых ресурсоёмких операций с базой данных — это </a:t>
-            </a:r>
-            <a:r>
-              <a:rPr lang="en-US" sz="1800" dirty="0">
-                <a:effectLst/>
-                <a:latin typeface="Times New Roman" panose="02020603050405020304" pitchFamily="18" charset="0"/>
-                <a:ea typeface="Calibri" panose="020F0502020204030204" pitchFamily="34" charset="0"/>
-              </a:rPr>
-              <a:t>CRUD </a:t>
-            </a:r>
-            <a:r>
-              <a:rPr lang="ru-RU" sz="1800" dirty="0">
-                <a:effectLst/>
-                <a:latin typeface="Times New Roman" panose="02020603050405020304" pitchFamily="18" charset="0"/>
-                <a:ea typeface="Calibri" panose="020F0502020204030204" pitchFamily="34" charset="0"/>
-              </a:rPr>
-              <a:t>операции. Под аббревиатурой CRUD скрываются такие операции как</a:t>
-            </a:r>
-            <a:r>
-              <a:rPr lang="en-US" sz="1800" dirty="0">
-                <a:effectLst/>
-                <a:latin typeface="Times New Roman" panose="02020603050405020304" pitchFamily="18" charset="0"/>
-                <a:ea typeface="Calibri" panose="020F0502020204030204" pitchFamily="34" charset="0"/>
-              </a:rPr>
-              <a:t>:</a:t>
-            </a:r>
-            <a:endParaRPr lang="ru-RU" sz="1800" dirty="0">
-              <a:effectLst/>
+            <a:endParaRPr lang="en-US" dirty="0">
               <a:latin typeface="Times New Roman" panose="02020603050405020304" pitchFamily="18" charset="0"/>
-              <a:ea typeface="Calibri" panose="020F0502020204030204" pitchFamily="34" charset="0"/>
-            </a:endParaRPr>
-          </a:p>
-          <a:p>
-            <a:pPr marL="342900" lvl="0" indent="-342900">
-              <a:lnSpc>
-                <a:spcPct val="150000"/>
-              </a:lnSpc>
-              <a:buFont typeface="+mj-lt"/>
-              <a:buAutoNum type="arabicPeriod"/>
-            </a:pPr>
-            <a:r>
-              <a:rPr lang="ru-RU" sz="1800" dirty="0">
-                <a:effectLst/>
-                <a:latin typeface="Times New Roman" panose="02020603050405020304" pitchFamily="18" charset="0"/>
-                <a:ea typeface="Calibri" panose="020F0502020204030204" pitchFamily="34" charset="0"/>
-              </a:rPr>
-              <a:t>Создания записей</a:t>
-            </a:r>
-            <a:r>
-              <a:rPr lang="en-US" sz="1800" dirty="0">
-                <a:effectLst/>
-                <a:latin typeface="Times New Roman" panose="02020603050405020304" pitchFamily="18" charset="0"/>
-                <a:ea typeface="Calibri" panose="020F0502020204030204" pitchFamily="34" charset="0"/>
-              </a:rPr>
-              <a:t> (Create);</a:t>
-            </a:r>
-            <a:endParaRPr lang="ru-RU" sz="1800" dirty="0">
-              <a:effectLst/>
-              <a:latin typeface="Times New Roman" panose="02020603050405020304" pitchFamily="18" charset="0"/>
-              <a:ea typeface="Calibri" panose="020F0502020204030204" pitchFamily="34" charset="0"/>
-            </a:endParaRPr>
-          </a:p>
-          <a:p>
-            <a:pPr marL="342900" lvl="0" indent="-342900">
-              <a:lnSpc>
-                <a:spcPct val="150000"/>
-              </a:lnSpc>
-              <a:buFont typeface="+mj-lt"/>
-              <a:buAutoNum type="arabicPeriod"/>
-            </a:pPr>
-            <a:r>
-              <a:rPr lang="ru-RU" sz="1800" dirty="0">
-                <a:effectLst/>
-                <a:latin typeface="Times New Roman" panose="02020603050405020304" pitchFamily="18" charset="0"/>
-                <a:ea typeface="Calibri" panose="020F0502020204030204" pitchFamily="34" charset="0"/>
-              </a:rPr>
-              <a:t>Чтение записей (</a:t>
-            </a:r>
-            <a:r>
-              <a:rPr lang="en-US" sz="1800" dirty="0">
-                <a:effectLst/>
-                <a:latin typeface="Times New Roman" panose="02020603050405020304" pitchFamily="18" charset="0"/>
-                <a:ea typeface="Calibri" panose="020F0502020204030204" pitchFamily="34" charset="0"/>
-              </a:rPr>
-              <a:t>Read</a:t>
-            </a:r>
-            <a:r>
-              <a:rPr lang="ru-RU" sz="1800" dirty="0">
-                <a:effectLst/>
-                <a:latin typeface="Times New Roman" panose="02020603050405020304" pitchFamily="18" charset="0"/>
-                <a:ea typeface="Calibri" panose="020F0502020204030204" pitchFamily="34" charset="0"/>
-              </a:rPr>
-              <a:t>)</a:t>
-            </a:r>
-            <a:r>
-              <a:rPr lang="en-US" sz="1800" dirty="0">
-                <a:effectLst/>
-                <a:latin typeface="Times New Roman" panose="02020603050405020304" pitchFamily="18" charset="0"/>
-                <a:ea typeface="Calibri" panose="020F0502020204030204" pitchFamily="34" charset="0"/>
-              </a:rPr>
-              <a:t>;</a:t>
-            </a:r>
-            <a:endParaRPr lang="ru-RU" sz="1800" dirty="0">
-              <a:effectLst/>
-              <a:latin typeface="Times New Roman" panose="02020603050405020304" pitchFamily="18" charset="0"/>
-              <a:ea typeface="Calibri" panose="020F0502020204030204" pitchFamily="34" charset="0"/>
-            </a:endParaRPr>
-          </a:p>
-          <a:p>
-            <a:pPr marL="342900" lvl="0" indent="-342900">
-              <a:lnSpc>
-                <a:spcPct val="150000"/>
-              </a:lnSpc>
-              <a:buFont typeface="+mj-lt"/>
-              <a:buAutoNum type="arabicPeriod"/>
-            </a:pPr>
-            <a:r>
-              <a:rPr lang="ru-RU" sz="1800" dirty="0">
-                <a:effectLst/>
-                <a:latin typeface="Times New Roman" panose="02020603050405020304" pitchFamily="18" charset="0"/>
-                <a:ea typeface="Calibri" panose="020F0502020204030204" pitchFamily="34" charset="0"/>
-              </a:rPr>
-              <a:t>Изменение записей (</a:t>
-            </a:r>
-            <a:r>
-              <a:rPr lang="en-US" sz="1800" dirty="0">
-                <a:effectLst/>
-                <a:latin typeface="Times New Roman" panose="02020603050405020304" pitchFamily="18" charset="0"/>
-                <a:ea typeface="Calibri" panose="020F0502020204030204" pitchFamily="34" charset="0"/>
-              </a:rPr>
-              <a:t>Update</a:t>
-            </a:r>
-            <a:r>
-              <a:rPr lang="ru-RU" sz="1800" dirty="0">
-                <a:effectLst/>
-                <a:latin typeface="Times New Roman" panose="02020603050405020304" pitchFamily="18" charset="0"/>
-                <a:ea typeface="Calibri" panose="020F0502020204030204" pitchFamily="34" charset="0"/>
-              </a:rPr>
-              <a:t>)</a:t>
-            </a:r>
-            <a:r>
-              <a:rPr lang="en-US" sz="1800" dirty="0">
-                <a:effectLst/>
-                <a:latin typeface="Times New Roman" panose="02020603050405020304" pitchFamily="18" charset="0"/>
-                <a:ea typeface="Calibri" panose="020F0502020204030204" pitchFamily="34" charset="0"/>
-              </a:rPr>
-              <a:t>;</a:t>
-            </a:r>
-            <a:endParaRPr lang="ru-RU" sz="1800" dirty="0">
-              <a:effectLst/>
-              <a:latin typeface="Times New Roman" panose="02020603050405020304" pitchFamily="18" charset="0"/>
-              <a:ea typeface="Calibri" panose="020F0502020204030204" pitchFamily="34" charset="0"/>
-            </a:endParaRPr>
-          </a:p>
-          <a:p>
-            <a:pPr marL="342900" lvl="0" indent="-342900">
-              <a:lnSpc>
-                <a:spcPct val="150000"/>
-              </a:lnSpc>
-              <a:spcAft>
-                <a:spcPts val="800"/>
-              </a:spcAft>
-              <a:buFont typeface="+mj-lt"/>
-              <a:buAutoNum type="arabicPeriod"/>
-            </a:pPr>
-            <a:r>
-              <a:rPr lang="ru-RU" sz="1800" dirty="0">
-                <a:effectLst/>
-                <a:latin typeface="Times New Roman" panose="02020603050405020304" pitchFamily="18" charset="0"/>
-                <a:ea typeface="Calibri" panose="020F0502020204030204" pitchFamily="34" charset="0"/>
-              </a:rPr>
-              <a:t>Удаление записей (</a:t>
-            </a:r>
-            <a:r>
-              <a:rPr lang="en-US" sz="1800" dirty="0">
-                <a:effectLst/>
-                <a:latin typeface="Times New Roman" panose="02020603050405020304" pitchFamily="18" charset="0"/>
-                <a:ea typeface="Calibri" panose="020F0502020204030204" pitchFamily="34" charset="0"/>
-              </a:rPr>
-              <a:t>Delete</a:t>
-            </a:r>
-            <a:r>
-              <a:rPr lang="ru-RU" sz="1800" dirty="0">
-                <a:effectLst/>
-                <a:latin typeface="Times New Roman" panose="02020603050405020304" pitchFamily="18" charset="0"/>
-                <a:ea typeface="Calibri" panose="020F0502020204030204" pitchFamily="34" charset="0"/>
-              </a:rPr>
-              <a:t>)</a:t>
-            </a:r>
-            <a:r>
-              <a:rPr lang="en-US" sz="1800" dirty="0">
-                <a:effectLst/>
-                <a:latin typeface="Times New Roman" panose="02020603050405020304" pitchFamily="18" charset="0"/>
-                <a:ea typeface="Calibri" panose="020F0502020204030204" pitchFamily="34" charset="0"/>
-              </a:rPr>
-              <a:t>.</a:t>
-            </a:r>
-            <a:endParaRPr lang="ru-RU" sz="1800" dirty="0">
-              <a:effectLst/>
-              <a:latin typeface="Times New Roman" panose="02020603050405020304" pitchFamily="18" charset="0"/>
-              <a:ea typeface="Calibri" panose="020F0502020204030204" pitchFamily="34" charset="0"/>
+              <a:ea typeface="Times New Roman" panose="02020603050405020304" pitchFamily="18" charset="0"/>
+              <a:cs typeface="Times New Roman" panose="02020603050405020304" pitchFamily="18" charset="0"/>
             </a:endParaRPr>
           </a:p>
         </p:txBody>
@@ -9172,7 +11081,7 @@
     </p:spTree>
     <p:extLst>
       <p:ext uri="{BB962C8B-B14F-4D97-AF65-F5344CB8AC3E}">
-        <p14:creationId xmlns:p14="http://schemas.microsoft.com/office/powerpoint/2010/main" val="2118586840"/>
+        <p14:creationId xmlns:p14="http://schemas.microsoft.com/office/powerpoint/2010/main" val="4069862985"/>
       </p:ext>
     </p:extLst>
   </p:cSld>
@@ -9256,7 +11165,7 @@
         <p:spPr>
           <a:xfrm>
             <a:off x="666750" y="1485900"/>
-            <a:ext cx="10191750" cy="3571747"/>
+            <a:ext cx="10191750" cy="2638158"/>
           </a:xfrm>
           <a:prstGeom prst="rect">
             <a:avLst/>
@@ -9283,7 +11192,7 @@
                 <a:latin typeface="Times New Roman" panose="02020603050405020304" pitchFamily="18" charset="0"/>
                 <a:ea typeface="Calibri" panose="020F0502020204030204" pitchFamily="34" charset="0"/>
               </a:rPr>
-              <a:t>Зачастую, на веб-сайтах, </a:t>
+              <a:t>Одни из самых ресурсоёмких операций с базой данных — это </a:t>
             </a:r>
             <a:r>
               <a:rPr lang="en-US" sz="1800" dirty="0">
@@ -9291,7 +11200,7 @@
                 <a:latin typeface="Times New Roman" panose="02020603050405020304" pitchFamily="18" charset="0"/>
                 <a:ea typeface="Calibri" panose="020F0502020204030204" pitchFamily="34" charset="0"/>
               </a:rPr>
-              <a:t>CRUD</a:t>
+              <a:t>CRUD </a:t>
             </a:r>
             <a:r>
               <a:rPr lang="ru-RU" sz="1800" dirty="0">
@@ -9299,17 +11208,154 @@
                 <a:latin typeface="Times New Roman" panose="02020603050405020304" pitchFamily="18" charset="0"/>
                 <a:ea typeface="Calibri" panose="020F0502020204030204" pitchFamily="34" charset="0"/>
               </a:rPr>
-              <a:t>-операции инициируют пользователи. </a:t>
-            </a:r>
-          </a:p>
-          <a:p>
-            <a:pPr indent="228600">
+              <a:t>операции. Под аббревиатурой CRUD скрываются такие операции как</a:t>
+            </a:r>
+            <a:r>
+              <a:rPr lang="en-US" sz="1800" dirty="0">
+                <a:effectLst/>
+                <a:latin typeface="Times New Roman" panose="02020603050405020304" pitchFamily="18" charset="0"/>
+                <a:ea typeface="Calibri" panose="020F0502020204030204" pitchFamily="34" charset="0"/>
+              </a:rPr>
+              <a:t>:</a:t>
+            </a:r>
+            <a:endParaRPr lang="ru-RU" sz="1800" dirty="0">
+              <a:effectLst/>
+              <a:latin typeface="Times New Roman" panose="02020603050405020304" pitchFamily="18" charset="0"/>
+              <a:ea typeface="Calibri" panose="020F0502020204030204" pitchFamily="34" charset="0"/>
+            </a:endParaRPr>
+          </a:p>
+          <a:p>
+            <a:pPr marL="342900" lvl="0" indent="-342900">
+              <a:lnSpc>
+                <a:spcPct val="150000"/>
+              </a:lnSpc>
+              <a:buFont typeface="+mj-lt"/>
+              <a:buAutoNum type="arabicPeriod"/>
+            </a:pPr>
+            <a:r>
+              <a:rPr lang="ru-RU" sz="1800" dirty="0">
+                <a:effectLst/>
+                <a:latin typeface="Times New Roman" panose="02020603050405020304" pitchFamily="18" charset="0"/>
+                <a:ea typeface="Calibri" panose="020F0502020204030204" pitchFamily="34" charset="0"/>
+              </a:rPr>
+              <a:t>Создания записей</a:t>
+            </a:r>
+            <a:r>
+              <a:rPr lang="en-US" sz="1800" dirty="0">
+                <a:effectLst/>
+                <a:latin typeface="Times New Roman" panose="02020603050405020304" pitchFamily="18" charset="0"/>
+                <a:ea typeface="Calibri" panose="020F0502020204030204" pitchFamily="34" charset="0"/>
+              </a:rPr>
+              <a:t> (Create);</a:t>
+            </a:r>
+            <a:endParaRPr lang="ru-RU" sz="1800" dirty="0">
+              <a:effectLst/>
+              <a:latin typeface="Times New Roman" panose="02020603050405020304" pitchFamily="18" charset="0"/>
+              <a:ea typeface="Calibri" panose="020F0502020204030204" pitchFamily="34" charset="0"/>
+            </a:endParaRPr>
+          </a:p>
+          <a:p>
+            <a:pPr marL="342900" lvl="0" indent="-342900">
+              <a:lnSpc>
+                <a:spcPct val="150000"/>
+              </a:lnSpc>
+              <a:buFont typeface="+mj-lt"/>
+              <a:buAutoNum type="arabicPeriod"/>
+            </a:pPr>
+            <a:r>
+              <a:rPr lang="ru-RU" sz="1800" dirty="0">
+                <a:effectLst/>
+                <a:latin typeface="Times New Roman" panose="02020603050405020304" pitchFamily="18" charset="0"/>
+                <a:ea typeface="Calibri" panose="020F0502020204030204" pitchFamily="34" charset="0"/>
+              </a:rPr>
+              <a:t>Чтение записей (</a:t>
+            </a:r>
+            <a:r>
+              <a:rPr lang="en-US" sz="1800" dirty="0">
+                <a:effectLst/>
+                <a:latin typeface="Times New Roman" panose="02020603050405020304" pitchFamily="18" charset="0"/>
+                <a:ea typeface="Calibri" panose="020F0502020204030204" pitchFamily="34" charset="0"/>
+              </a:rPr>
+              <a:t>Read</a:t>
+            </a:r>
+            <a:r>
+              <a:rPr lang="ru-RU" sz="1800" dirty="0">
+                <a:effectLst/>
+                <a:latin typeface="Times New Roman" panose="02020603050405020304" pitchFamily="18" charset="0"/>
+                <a:ea typeface="Calibri" panose="020F0502020204030204" pitchFamily="34" charset="0"/>
+              </a:rPr>
+              <a:t>)</a:t>
+            </a:r>
+            <a:r>
+              <a:rPr lang="en-US" sz="1800" dirty="0">
+                <a:effectLst/>
+                <a:latin typeface="Times New Roman" panose="02020603050405020304" pitchFamily="18" charset="0"/>
+                <a:ea typeface="Calibri" panose="020F0502020204030204" pitchFamily="34" charset="0"/>
+              </a:rPr>
+              <a:t>;</a:t>
+            </a:r>
+            <a:endParaRPr lang="ru-RU" sz="1800" dirty="0">
+              <a:effectLst/>
+              <a:latin typeface="Times New Roman" panose="02020603050405020304" pitchFamily="18" charset="0"/>
+              <a:ea typeface="Calibri" panose="020F0502020204030204" pitchFamily="34" charset="0"/>
+            </a:endParaRPr>
+          </a:p>
+          <a:p>
+            <a:pPr marL="342900" lvl="0" indent="-342900">
+              <a:lnSpc>
+                <a:spcPct val="150000"/>
+              </a:lnSpc>
+              <a:buFont typeface="+mj-lt"/>
+              <a:buAutoNum type="arabicPeriod"/>
+            </a:pPr>
+            <a:r>
+              <a:rPr lang="ru-RU" sz="1800" dirty="0">
+                <a:effectLst/>
+                <a:latin typeface="Times New Roman" panose="02020603050405020304" pitchFamily="18" charset="0"/>
+                <a:ea typeface="Calibri" panose="020F0502020204030204" pitchFamily="34" charset="0"/>
+              </a:rPr>
+              <a:t>Изменение записей (</a:t>
+            </a:r>
+            <a:r>
+              <a:rPr lang="en-US" sz="1800" dirty="0">
+                <a:effectLst/>
+                <a:latin typeface="Times New Roman" panose="02020603050405020304" pitchFamily="18" charset="0"/>
+                <a:ea typeface="Calibri" panose="020F0502020204030204" pitchFamily="34" charset="0"/>
+              </a:rPr>
+              <a:t>Update</a:t>
+            </a:r>
+            <a:r>
+              <a:rPr lang="ru-RU" sz="1800" dirty="0">
+                <a:effectLst/>
+                <a:latin typeface="Times New Roman" panose="02020603050405020304" pitchFamily="18" charset="0"/>
+                <a:ea typeface="Calibri" panose="020F0502020204030204" pitchFamily="34" charset="0"/>
+              </a:rPr>
+              <a:t>)</a:t>
+            </a:r>
+            <a:r>
+              <a:rPr lang="en-US" sz="1800" dirty="0">
+                <a:effectLst/>
+                <a:latin typeface="Times New Roman" panose="02020603050405020304" pitchFamily="18" charset="0"/>
+                <a:ea typeface="Calibri" panose="020F0502020204030204" pitchFamily="34" charset="0"/>
+              </a:rPr>
+              <a:t>;</a:t>
+            </a:r>
+            <a:endParaRPr lang="ru-RU" sz="1800" dirty="0">
+              <a:effectLst/>
+              <a:latin typeface="Times New Roman" panose="02020603050405020304" pitchFamily="18" charset="0"/>
+              <a:ea typeface="Calibri" panose="020F0502020204030204" pitchFamily="34" charset="0"/>
+            </a:endParaRPr>
+          </a:p>
+          <a:p>
+            <a:pPr marL="342900" lvl="0" indent="-342900">
               <a:lnSpc>
                 <a:spcPct val="150000"/>
               </a:lnSpc>
               <a:spcAft>
                 <a:spcPts val="800"/>
               </a:spcAft>
+              <a:buFont typeface="+mj-lt"/>
+              <a:buAutoNum type="arabicPeriod"/>
             </a:pPr>
             <a:r>
               <a:rPr lang="ru-RU" sz="1800" dirty="0">
@@ -9317,7 +11363,7 @@
                 <a:latin typeface="Times New Roman" panose="02020603050405020304" pitchFamily="18" charset="0"/>
                 <a:ea typeface="Calibri" panose="020F0502020204030204" pitchFamily="34" charset="0"/>
               </a:rPr>
-              <a:t>На крупных веб-сайтах, особенно в интернет-магазинах, где количество товаров исчисляется десятками тысяч и тысячами активных пользователей, </a:t>
+              <a:t>Удаление записей (</a:t>
             </a:r>
             <a:r>
               <a:rPr lang="en-US" sz="1800" dirty="0">
@@ -9325,7 +11371,7 @@
                 <a:latin typeface="Times New Roman" panose="02020603050405020304" pitchFamily="18" charset="0"/>
                 <a:ea typeface="Calibri" panose="020F0502020204030204" pitchFamily="34" charset="0"/>
               </a:rPr>
-              <a:t>CRUD</a:t>
+              <a:t>Delete</a:t>
             </a:r>
             <a:r>
               <a:rPr lang="ru-RU" sz="1800" dirty="0">
@@ -9333,33 +11379,28 @@
                 <a:latin typeface="Times New Roman" panose="02020603050405020304" pitchFamily="18" charset="0"/>
                 <a:ea typeface="Calibri" panose="020F0502020204030204" pitchFamily="34" charset="0"/>
               </a:rPr>
-              <a:t>-операции способны вызвать серьёзную нагрузку на сервер, в результате чего скорость загрузки страниц веб-сайта будет на неудовлетворительном уровне, а поддержка веб-сервера будет требовать больших финансовых затрат. </a:t>
-            </a:r>
-          </a:p>
-          <a:p>
-            <a:pPr indent="228600">
-              <a:lnSpc>
-                <a:spcPct val="150000"/>
-              </a:lnSpc>
-              <a:spcAft>
-                <a:spcPts val="800"/>
-              </a:spcAft>
-            </a:pPr>
-            <a:r>
-              <a:rPr lang="ru-RU" sz="1800" dirty="0">
+              <a:t>)</a:t>
+            </a:r>
+            <a:r>
+              <a:rPr lang="en-US" sz="1800" dirty="0">
                 <a:effectLst/>
                 <a:latin typeface="Times New Roman" panose="02020603050405020304" pitchFamily="18" charset="0"/>
                 <a:ea typeface="Calibri" panose="020F0502020204030204" pitchFamily="34" charset="0"/>
               </a:rPr>
-              <a:t>Пользователей, в свою очередь, не будет устраивать скорость работы веб-сайта, в следствии чего будет уменьшаться количество активных пользователей, а следовательно, прибыль от работы интернет-магазина будет падать. </a:t>
-            </a:r>
+              <a:t>.</a:t>
+            </a:r>
+            <a:endParaRPr lang="ru-RU" sz="1800" dirty="0">
+              <a:effectLst/>
+              <a:latin typeface="Times New Roman" panose="02020603050405020304" pitchFamily="18" charset="0"/>
+              <a:ea typeface="Calibri" panose="020F0502020204030204" pitchFamily="34" charset="0"/>
+            </a:endParaRPr>
           </a:p>
         </p:txBody>
       </p:sp>
     </p:spTree>
     <p:extLst>
       <p:ext uri="{BB962C8B-B14F-4D97-AF65-F5344CB8AC3E}">
-        <p14:creationId xmlns:p14="http://schemas.microsoft.com/office/powerpoint/2010/main" val="4276298491"/>
+        <p14:creationId xmlns:p14="http://schemas.microsoft.com/office/powerpoint/2010/main" val="2118586840"/>
       </p:ext>
     </p:extLst>
   </p:cSld>
@@ -9443,6 +11484,193 @@
         <p:spPr>
           <a:xfrm>
             <a:off x="666750" y="1485900"/>
+            <a:ext cx="10191750" cy="3571747"/>
+          </a:xfrm>
+          <a:prstGeom prst="rect">
+            <a:avLst/>
+          </a:prstGeom>
+          <a:noFill/>
+        </p:spPr>
+        <p:txBody>
+          <a:bodyPr wrap="square">
+            <a:spAutoFit/>
+          </a:bodyPr>
+          <a:lstStyle/>
+          <a:p>
+            <a:pPr indent="228600">
+              <a:lnSpc>
+                <a:spcPct val="150000"/>
+              </a:lnSpc>
+              <a:spcAft>
+                <a:spcPts val="800"/>
+              </a:spcAft>
+            </a:pPr>
+            <a:r>
+              <a:rPr lang="ru-RU" sz="1800" dirty="0">
+                <a:effectLst/>
+                <a:latin typeface="Times New Roman" panose="02020603050405020304" pitchFamily="18" charset="0"/>
+                <a:ea typeface="Calibri" panose="020F0502020204030204" pitchFamily="34" charset="0"/>
+              </a:rPr>
+              <a:t>Зачастую, на веб-сайтах, </a:t>
+            </a:r>
+            <a:r>
+              <a:rPr lang="en-US" sz="1800" dirty="0">
+                <a:effectLst/>
+                <a:latin typeface="Times New Roman" panose="02020603050405020304" pitchFamily="18" charset="0"/>
+                <a:ea typeface="Calibri" panose="020F0502020204030204" pitchFamily="34" charset="0"/>
+              </a:rPr>
+              <a:t>CRUD</a:t>
+            </a:r>
+            <a:r>
+              <a:rPr lang="ru-RU" sz="1800" dirty="0">
+                <a:effectLst/>
+                <a:latin typeface="Times New Roman" panose="02020603050405020304" pitchFamily="18" charset="0"/>
+                <a:ea typeface="Calibri" panose="020F0502020204030204" pitchFamily="34" charset="0"/>
+              </a:rPr>
+              <a:t>-операции инициируют пользователи. </a:t>
+            </a:r>
+          </a:p>
+          <a:p>
+            <a:pPr indent="228600">
+              <a:lnSpc>
+                <a:spcPct val="150000"/>
+              </a:lnSpc>
+              <a:spcAft>
+                <a:spcPts val="800"/>
+              </a:spcAft>
+            </a:pPr>
+            <a:r>
+              <a:rPr lang="ru-RU" sz="1800" dirty="0">
+                <a:effectLst/>
+                <a:latin typeface="Times New Roman" panose="02020603050405020304" pitchFamily="18" charset="0"/>
+                <a:ea typeface="Calibri" panose="020F0502020204030204" pitchFamily="34" charset="0"/>
+              </a:rPr>
+              <a:t>На крупных веб-сайтах, особенно в интернет-магазинах, где количество товаров исчисляется десятками тысяч и тысячами активных пользователей, </a:t>
+            </a:r>
+            <a:r>
+              <a:rPr lang="en-US" sz="1800" dirty="0">
+                <a:effectLst/>
+                <a:latin typeface="Times New Roman" panose="02020603050405020304" pitchFamily="18" charset="0"/>
+                <a:ea typeface="Calibri" panose="020F0502020204030204" pitchFamily="34" charset="0"/>
+              </a:rPr>
+              <a:t>CRUD</a:t>
+            </a:r>
+            <a:r>
+              <a:rPr lang="ru-RU" sz="1800" dirty="0">
+                <a:effectLst/>
+                <a:latin typeface="Times New Roman" panose="02020603050405020304" pitchFamily="18" charset="0"/>
+                <a:ea typeface="Calibri" panose="020F0502020204030204" pitchFamily="34" charset="0"/>
+              </a:rPr>
+              <a:t>-операции способны вызвать серьёзную нагрузку на сервер, в результате чего скорость загрузки страниц веб-сайта будет на неудовлетворительном уровне, а поддержка веб-сервера будет требовать больших финансовых затрат. </a:t>
+            </a:r>
+          </a:p>
+          <a:p>
+            <a:pPr indent="228600">
+              <a:lnSpc>
+                <a:spcPct val="150000"/>
+              </a:lnSpc>
+              <a:spcAft>
+                <a:spcPts val="800"/>
+              </a:spcAft>
+            </a:pPr>
+            <a:r>
+              <a:rPr lang="ru-RU" sz="1800" dirty="0">
+                <a:effectLst/>
+                <a:latin typeface="Times New Roman" panose="02020603050405020304" pitchFamily="18" charset="0"/>
+                <a:ea typeface="Calibri" panose="020F0502020204030204" pitchFamily="34" charset="0"/>
+              </a:rPr>
+              <a:t>Пользователей, в свою очередь, не будет устраивать скорость работы веб-сайта, в следствии чего будет уменьшаться количество активных пользователей, а следовательно, прибыль от работы интернет-магазина будет падать. </a:t>
+            </a:r>
+          </a:p>
+        </p:txBody>
+      </p:sp>
+    </p:spTree>
+    <p:extLst>
+      <p:ext uri="{BB962C8B-B14F-4D97-AF65-F5344CB8AC3E}">
+        <p14:creationId xmlns:p14="http://schemas.microsoft.com/office/powerpoint/2010/main" val="4276298491"/>
+      </p:ext>
+    </p:extLst>
+  </p:cSld>
+  <p:clrMapOvr>
+    <a:masterClrMapping/>
+  </p:clrMapOvr>
+  <p:transition spd="slow">
+    <p:push dir="u"/>
+  </p:transition>
+</p:sld>
+</file>
+
+<file path=ppt/slides/slide6.xml><?xml version="1.0" encoding="utf-8"?>
+<p:sld xmlns:a="http://schemas.openxmlformats.org/drawingml/2006/main" xmlns:r="http://schemas.openxmlformats.org/officeDocument/2006/relationships" xmlns:p="http://schemas.openxmlformats.org/presentationml/2006/main">
+  <p:cSld>
+    <p:spTree>
+      <p:nvGrpSpPr>
+        <p:cNvPr id="1" name=""/>
+        <p:cNvGrpSpPr/>
+        <p:nvPr/>
+      </p:nvGrpSpPr>
+      <p:grpSpPr>
+        <a:xfrm>
+          <a:off x="0" y="0"/>
+          <a:ext cx="0" cy="0"/>
+          <a:chOff x="0" y="0"/>
+          <a:chExt cx="0" cy="0"/>
+        </a:xfrm>
+      </p:grpSpPr>
+      <p:sp>
+        <p:nvSpPr>
+          <p:cNvPr id="2" name="Заголовок 1">
+            <a:extLst>
+              <a:ext uri="{FF2B5EF4-FFF2-40B4-BE49-F238E27FC236}">
+                <a16:creationId xmlns:a16="http://schemas.microsoft.com/office/drawing/2014/main" id="{FDD4659B-97E7-41EB-B6EB-6FA3CF23E13E}"/>
+              </a:ext>
+            </a:extLst>
+          </p:cNvPr>
+          <p:cNvSpPr>
+            <a:spLocks noGrp="1"/>
+          </p:cNvSpPr>
+          <p:nvPr>
+            <p:ph type="title"/>
+          </p:nvPr>
+        </p:nvSpPr>
+        <p:spPr>
+          <a:xfrm>
+            <a:off x="1052512" y="209550"/>
+            <a:ext cx="10086975" cy="1019175"/>
+          </a:xfrm>
+        </p:spPr>
+        <p:txBody>
+          <a:bodyPr>
+            <a:noAutofit/>
+          </a:bodyPr>
+          <a:lstStyle/>
+          <a:p>
+            <a:pPr algn="ctr"/>
+            <a:r>
+              <a:rPr lang="ru-RU" dirty="0">
+                <a:latin typeface="Times New Roman" panose="02020603050405020304" pitchFamily="18" charset="0"/>
+                <a:cs typeface="Times New Roman" panose="02020603050405020304" pitchFamily="18" charset="0"/>
+              </a:rPr>
+              <a:t>Постановка задачи</a:t>
+            </a:r>
+          </a:p>
+        </p:txBody>
+      </p:sp>
+      <p:sp>
+        <p:nvSpPr>
+          <p:cNvPr id="5" name="TextBox 4">
+            <a:extLst>
+              <a:ext uri="{FF2B5EF4-FFF2-40B4-BE49-F238E27FC236}">
+                <a16:creationId xmlns:a16="http://schemas.microsoft.com/office/drawing/2014/main" id="{AD70DFB1-062C-F052-0D21-E6D0ADD92BFC}"/>
+              </a:ext>
+            </a:extLst>
+          </p:cNvPr>
+          <p:cNvSpPr txBox="1"/>
+          <p:nvPr/>
+        </p:nvSpPr>
+        <p:spPr>
+          <a:xfrm>
+            <a:off x="666750" y="1485900"/>
             <a:ext cx="10191750" cy="4813112"/>
           </a:xfrm>
           <a:prstGeom prst="rect">
@@ -9651,7 +11879,7 @@
 </p:sld>
 </file>
 
-<file path=ppt/slides/slide6.xml><?xml version="1.0" encoding="utf-8"?>
+<file path=ppt/slides/slide7.xml><?xml version="1.0" encoding="utf-8"?>
 <p:sld xmlns:a="http://schemas.openxmlformats.org/drawingml/2006/main" xmlns:r="http://schemas.openxmlformats.org/officeDocument/2006/relationships" xmlns:p="http://schemas.openxmlformats.org/presentationml/2006/main">
   <p:cSld>
     <p:spTree>
@@ -10287,7 +12515,7 @@
 </p:sld>
 </file>
 
-<file path=ppt/slides/slide7.xml><?xml version="1.0" encoding="utf-8"?>
+<file path=ppt/slides/slide8.xml><?xml version="1.0" encoding="utf-8"?>
 <p:sld xmlns:a="http://schemas.openxmlformats.org/drawingml/2006/main" xmlns:r="http://schemas.openxmlformats.org/officeDocument/2006/relationships" xmlns:p="http://schemas.openxmlformats.org/presentationml/2006/main">
   <p:cSld>
     <p:spTree>
@@ -11676,7 +13904,7 @@
 </p:sld>
 </file>
 
-<file path=ppt/slides/slide8.xml><?xml version="1.0" encoding="utf-8"?>
+<file path=ppt/slides/slide9.xml><?xml version="1.0" encoding="utf-8"?>
 <p:sld xmlns:a="http://schemas.openxmlformats.org/drawingml/2006/main" xmlns:r="http://schemas.openxmlformats.org/officeDocument/2006/relationships" xmlns:p="http://schemas.openxmlformats.org/presentationml/2006/main">
   <p:cSld>
     <p:spTree>
@@ -12274,1889 +14502,6 @@
       <p:bldP spid="9" grpId="0"/>
     </p:bldLst>
   </p:timing>
-</p:sld>
-</file>
-
-<file path=ppt/slides/slide9.xml><?xml version="1.0" encoding="utf-8"?>
-<p:sld xmlns:a="http://schemas.openxmlformats.org/drawingml/2006/main" xmlns:r="http://schemas.openxmlformats.org/officeDocument/2006/relationships" xmlns:p="http://schemas.openxmlformats.org/presentationml/2006/main">
-  <p:cSld>
-    <p:spTree>
-      <p:nvGrpSpPr>
-        <p:cNvPr id="1" name=""/>
-        <p:cNvGrpSpPr/>
-        <p:nvPr/>
-      </p:nvGrpSpPr>
-      <p:grpSpPr>
-        <a:xfrm>
-          <a:off x="0" y="0"/>
-          <a:ext cx="0" cy="0"/>
-          <a:chOff x="0" y="0"/>
-          <a:chExt cx="0" cy="0"/>
-        </a:xfrm>
-      </p:grpSpPr>
-      <p:sp>
-        <p:nvSpPr>
-          <p:cNvPr id="2" name="Заголовок 1">
-            <a:extLst>
-              <a:ext uri="{FF2B5EF4-FFF2-40B4-BE49-F238E27FC236}">
-                <a16:creationId xmlns:a16="http://schemas.microsoft.com/office/drawing/2014/main" id="{FDD4659B-97E7-41EB-B6EB-6FA3CF23E13E}"/>
-              </a:ext>
-            </a:extLst>
-          </p:cNvPr>
-          <p:cNvSpPr>
-            <a:spLocks noGrp="1"/>
-          </p:cNvSpPr>
-          <p:nvPr>
-            <p:ph type="title"/>
-          </p:nvPr>
-        </p:nvSpPr>
-        <p:spPr>
-          <a:xfrm>
-            <a:off x="1219201" y="133351"/>
-            <a:ext cx="10086975" cy="647700"/>
-          </a:xfrm>
-        </p:spPr>
-        <p:txBody>
-          <a:bodyPr>
-            <a:noAutofit/>
-          </a:bodyPr>
-          <a:lstStyle/>
-          <a:p>
-            <a:pPr algn="ctr"/>
-            <a:r>
-              <a:rPr lang="ru-RU" dirty="0">
-                <a:latin typeface="Times New Roman" panose="02020603050405020304" pitchFamily="18" charset="0"/>
-                <a:cs typeface="Times New Roman" panose="02020603050405020304" pitchFamily="18" charset="0"/>
-              </a:rPr>
-              <a:t>Использование инструмента</a:t>
-            </a:r>
-          </a:p>
-        </p:txBody>
-      </p:sp>
-      <p:sp>
-        <p:nvSpPr>
-          <p:cNvPr id="3" name="TextBox 2">
-            <a:extLst>
-              <a:ext uri="{FF2B5EF4-FFF2-40B4-BE49-F238E27FC236}">
-                <a16:creationId xmlns:a16="http://schemas.microsoft.com/office/drawing/2014/main" id="{894B2298-1F98-9126-24B9-82033A089043}"/>
-              </a:ext>
-            </a:extLst>
-          </p:cNvPr>
-          <p:cNvSpPr txBox="1"/>
-          <p:nvPr/>
-        </p:nvSpPr>
-        <p:spPr>
-          <a:xfrm>
-            <a:off x="609601" y="1628522"/>
-            <a:ext cx="4124324" cy="369332"/>
-          </a:xfrm>
-          <a:prstGeom prst="rect">
-            <a:avLst/>
-          </a:prstGeom>
-          <a:noFill/>
-        </p:spPr>
-        <p:txBody>
-          <a:bodyPr wrap="square" rtlCol="0">
-            <a:spAutoFit/>
-          </a:bodyPr>
-          <a:lstStyle/>
-          <a:p>
-            <a:r>
-              <a:rPr lang="ru-RU" b="1" dirty="0"/>
-              <a:t>Класс для обработки сообщений</a:t>
-            </a:r>
-            <a:r>
-              <a:rPr lang="en-US" b="1" dirty="0"/>
-              <a:t>:</a:t>
-            </a:r>
-            <a:endParaRPr lang="ru-RU" dirty="0"/>
-          </a:p>
-        </p:txBody>
-      </p:sp>
-      <p:sp>
-        <p:nvSpPr>
-          <p:cNvPr id="12" name="TextBox 11">
-            <a:extLst>
-              <a:ext uri="{FF2B5EF4-FFF2-40B4-BE49-F238E27FC236}">
-                <a16:creationId xmlns:a16="http://schemas.microsoft.com/office/drawing/2014/main" id="{622F4BB1-F146-30D3-CAD6-E4109A9F5CCE}"/>
-              </a:ext>
-            </a:extLst>
-          </p:cNvPr>
-          <p:cNvSpPr txBox="1"/>
-          <p:nvPr/>
-        </p:nvSpPr>
-        <p:spPr>
-          <a:xfrm>
-            <a:off x="609601" y="1998762"/>
-            <a:ext cx="4733924" cy="3693319"/>
-          </a:xfrm>
-          <a:prstGeom prst="rect">
-            <a:avLst/>
-          </a:prstGeom>
-          <a:noFill/>
-          <a:ln>
-            <a:solidFill>
-              <a:schemeClr val="tx1"/>
-            </a:solidFill>
-          </a:ln>
-        </p:spPr>
-        <p:txBody>
-          <a:bodyPr wrap="square">
-            <a:spAutoFit/>
-          </a:bodyPr>
-          <a:lstStyle/>
-          <a:p>
-            <a:pPr marL="0" marR="0" lvl="0" indent="0" algn="l" defTabSz="914400" rtl="0" eaLnBrk="0" fontAlgn="base" latinLnBrk="0" hangingPunct="0">
-              <a:lnSpc>
-                <a:spcPct val="100000"/>
-              </a:lnSpc>
-              <a:spcBef>
-                <a:spcPct val="0"/>
-              </a:spcBef>
-              <a:spcAft>
-                <a:spcPct val="0"/>
-              </a:spcAft>
-              <a:buClrTx/>
-              <a:buSzTx/>
-              <a:buFontTx/>
-              <a:buNone/>
-              <a:tabLst/>
-            </a:pPr>
-            <a:r>
-              <a:rPr kumimoji="0" lang="ru-RU" altLang="ru-RU" sz="1800" b="0" i="0" u="none" strike="noStrike" cap="none" normalizeH="0" baseline="0" dirty="0" err="1">
-                <a:ln>
-                  <a:noFill/>
-                </a:ln>
-                <a:solidFill>
-                  <a:srgbClr val="CC7832"/>
-                </a:solidFill>
-                <a:effectLst/>
-                <a:latin typeface="JetBrains Mono"/>
-              </a:rPr>
-              <a:t>class</a:t>
-            </a:r>
-            <a:r>
-              <a:rPr kumimoji="0" lang="ru-RU" altLang="ru-RU" sz="1800" b="0" i="0" u="none" strike="noStrike" cap="none" normalizeH="0" baseline="0" dirty="0">
-                <a:ln>
-                  <a:noFill/>
-                </a:ln>
-                <a:solidFill>
-                  <a:srgbClr val="CC7832"/>
-                </a:solidFill>
-                <a:effectLst/>
-                <a:latin typeface="JetBrains Mono"/>
-              </a:rPr>
-              <a:t> </a:t>
-            </a:r>
-            <a:r>
-              <a:rPr kumimoji="0" lang="ru-RU" altLang="ru-RU" sz="1800" b="0" i="0" u="none" strike="noStrike" cap="none" normalizeH="0" baseline="0" dirty="0">
-                <a:ln>
-                  <a:noFill/>
-                </a:ln>
-                <a:effectLst/>
-                <a:latin typeface="JetBrains Mono"/>
-              </a:rPr>
-              <a:t>Storage</a:t>
-            </a:r>
-            <a:r>
-              <a:rPr kumimoji="0" lang="ru-RU" altLang="ru-RU" sz="1800" b="0" i="0" u="none" strike="noStrike" cap="none" normalizeH="0" baseline="0" dirty="0">
-                <a:ln>
-                  <a:noFill/>
-                </a:ln>
-                <a:solidFill>
-                  <a:srgbClr val="A9B7C6"/>
-                </a:solidFill>
-                <a:effectLst/>
-                <a:latin typeface="JetBrains Mono"/>
-              </a:rPr>
-              <a:t> </a:t>
-            </a:r>
-            <a:r>
-              <a:rPr kumimoji="0" lang="ru-RU" altLang="ru-RU" sz="1800" b="0" i="0" u="none" strike="noStrike" cap="none" normalizeH="0" baseline="0" dirty="0" err="1">
-                <a:ln>
-                  <a:noFill/>
-                </a:ln>
-                <a:solidFill>
-                  <a:srgbClr val="CC7832"/>
-                </a:solidFill>
-                <a:effectLst/>
-                <a:latin typeface="JetBrains Mono"/>
-              </a:rPr>
-              <a:t>extends</a:t>
-            </a:r>
-            <a:r>
-              <a:rPr kumimoji="0" lang="ru-RU" altLang="ru-RU" sz="1800" b="0" i="0" u="none" strike="noStrike" cap="none" normalizeH="0" baseline="0" dirty="0">
-                <a:ln>
-                  <a:noFill/>
-                </a:ln>
-                <a:solidFill>
-                  <a:srgbClr val="CC7832"/>
-                </a:solidFill>
-                <a:effectLst/>
-                <a:latin typeface="JetBrains Mono"/>
-              </a:rPr>
-              <a:t> </a:t>
-            </a:r>
-            <a:r>
-              <a:rPr kumimoji="0" lang="ru-RU" altLang="ru-RU" sz="1800" b="0" i="0" u="none" strike="noStrike" cap="none" normalizeH="0" baseline="0" dirty="0" err="1">
-                <a:ln>
-                  <a:noFill/>
-                </a:ln>
-                <a:effectLst/>
-                <a:latin typeface="JetBrains Mono"/>
-              </a:rPr>
-              <a:t>aMessageProcessing</a:t>
-            </a:r>
-            <a:br>
-              <a:rPr kumimoji="0" lang="ru-RU" altLang="ru-RU" sz="1800" b="0" i="0" u="none" strike="noStrike" cap="none" normalizeH="0" baseline="0" dirty="0">
-                <a:ln>
-                  <a:noFill/>
-                </a:ln>
-                <a:solidFill>
-                  <a:srgbClr val="A9B7C6"/>
-                </a:solidFill>
-                <a:effectLst/>
-                <a:latin typeface="JetBrains Mono"/>
-              </a:rPr>
-            </a:br>
-            <a:r>
-              <a:rPr kumimoji="0" lang="ru-RU" altLang="ru-RU" sz="1800" b="0" i="0" u="none" strike="noStrike" cap="none" normalizeH="0" baseline="0" dirty="0">
-                <a:ln>
-                  <a:noFill/>
-                </a:ln>
-                <a:solidFill>
-                  <a:srgbClr val="A9B7C6"/>
-                </a:solidFill>
-                <a:effectLst/>
-                <a:latin typeface="JetBrains Mono"/>
-              </a:rPr>
-              <a:t>{</a:t>
-            </a:r>
-            <a:br>
-              <a:rPr kumimoji="0" lang="ru-RU" altLang="ru-RU" sz="1800" b="0" i="1" u="none" strike="noStrike" cap="none" normalizeH="0" baseline="0" dirty="0">
-                <a:ln>
-                  <a:noFill/>
-                </a:ln>
-                <a:solidFill>
-                  <a:srgbClr val="629755"/>
-                </a:solidFill>
-                <a:effectLst/>
-                <a:latin typeface="JetBrains Mono"/>
-              </a:rPr>
-            </a:br>
-            <a:r>
-              <a:rPr kumimoji="0" lang="ru-RU" altLang="ru-RU" sz="1800" b="0" i="1" u="none" strike="noStrike" cap="none" normalizeH="0" baseline="0" dirty="0">
-                <a:ln>
-                  <a:noFill/>
-                </a:ln>
-                <a:solidFill>
-                  <a:srgbClr val="629755"/>
-                </a:solidFill>
-                <a:effectLst/>
-                <a:latin typeface="JetBrains Mono"/>
-              </a:rPr>
-              <a:t>    </a:t>
-            </a:r>
-            <a:r>
-              <a:rPr kumimoji="0" lang="ru-RU" altLang="ru-RU" sz="1800" b="0" i="0" u="none" strike="noStrike" cap="none" normalizeH="0" baseline="0" dirty="0" err="1">
-                <a:ln>
-                  <a:noFill/>
-                </a:ln>
-                <a:solidFill>
-                  <a:srgbClr val="CC7832"/>
-                </a:solidFill>
-                <a:effectLst/>
-                <a:latin typeface="JetBrains Mono"/>
-              </a:rPr>
-              <a:t>protected</a:t>
-            </a:r>
-            <a:r>
-              <a:rPr kumimoji="0" lang="ru-RU" altLang="ru-RU" sz="1800" b="0" i="0" u="none" strike="noStrike" cap="none" normalizeH="0" baseline="0" dirty="0">
-                <a:ln>
-                  <a:noFill/>
-                </a:ln>
-                <a:solidFill>
-                  <a:srgbClr val="CC7832"/>
-                </a:solidFill>
-                <a:effectLst/>
-                <a:latin typeface="JetBrains Mono"/>
-              </a:rPr>
-              <a:t> </a:t>
-            </a:r>
-            <a:r>
-              <a:rPr kumimoji="0" lang="ru-RU" altLang="ru-RU" sz="1800" b="0" i="0" u="none" strike="noStrike" cap="none" normalizeH="0" baseline="0" dirty="0" err="1">
-                <a:ln>
-                  <a:noFill/>
-                </a:ln>
-                <a:solidFill>
-                  <a:srgbClr val="CC7832"/>
-                </a:solidFill>
-                <a:effectLst/>
-                <a:latin typeface="JetBrains Mono"/>
-              </a:rPr>
-              <a:t>function</a:t>
-            </a:r>
-            <a:r>
-              <a:rPr kumimoji="0" lang="ru-RU" altLang="ru-RU" sz="1800" b="0" i="0" u="none" strike="noStrike" cap="none" normalizeH="0" baseline="0" dirty="0">
-                <a:ln>
-                  <a:noFill/>
-                </a:ln>
-                <a:solidFill>
-                  <a:srgbClr val="CC7832"/>
-                </a:solidFill>
-                <a:effectLst/>
-                <a:latin typeface="JetBrains Mono"/>
-              </a:rPr>
-              <a:t> </a:t>
-            </a:r>
-            <a:r>
-              <a:rPr kumimoji="0" lang="ru-RU" altLang="ru-RU" sz="1800" b="0" i="0" u="none" strike="noStrike" cap="none" normalizeH="0" baseline="0" dirty="0" err="1">
-                <a:ln>
-                  <a:noFill/>
-                </a:ln>
-                <a:effectLst/>
-                <a:latin typeface="JetBrains Mono"/>
-              </a:rPr>
-              <a:t>runProcessMessage</a:t>
-            </a:r>
-            <a:r>
-              <a:rPr kumimoji="0" lang="ru-RU" altLang="ru-RU" sz="1800" b="0" i="0" u="none" strike="noStrike" cap="none" normalizeH="0" baseline="0" dirty="0">
-                <a:ln>
-                  <a:noFill/>
-                </a:ln>
-                <a:solidFill>
-                  <a:srgbClr val="A9B7C6"/>
-                </a:solidFill>
-                <a:effectLst/>
-                <a:latin typeface="JetBrains Mono"/>
-              </a:rPr>
-              <a:t>():</a:t>
-            </a:r>
-            <a:r>
-              <a:rPr kumimoji="0" lang="ru-RU" altLang="ru-RU" sz="1800" b="0" i="0" u="none" strike="noStrike" cap="none" normalizeH="0" baseline="0" dirty="0" err="1">
-                <a:ln>
-                  <a:noFill/>
-                </a:ln>
-                <a:solidFill>
-                  <a:srgbClr val="CC7832"/>
-                </a:solidFill>
-                <a:effectLst/>
-                <a:latin typeface="JetBrains Mono"/>
-              </a:rPr>
-              <a:t>void</a:t>
-            </a:r>
-            <a:br>
-              <a:rPr kumimoji="0" lang="ru-RU" altLang="ru-RU" sz="1800" b="0" i="0" u="none" strike="noStrike" cap="none" normalizeH="0" baseline="0" dirty="0">
-                <a:ln>
-                  <a:noFill/>
-                </a:ln>
-                <a:solidFill>
-                  <a:srgbClr val="CC7832"/>
-                </a:solidFill>
-                <a:effectLst/>
-                <a:latin typeface="JetBrains Mono"/>
-              </a:rPr>
-            </a:br>
-            <a:r>
-              <a:rPr kumimoji="0" lang="ru-RU" altLang="ru-RU" sz="1800" b="0" i="0" u="none" strike="noStrike" cap="none" normalizeH="0" baseline="0" dirty="0">
-                <a:ln>
-                  <a:noFill/>
-                </a:ln>
-                <a:solidFill>
-                  <a:srgbClr val="CC7832"/>
-                </a:solidFill>
-                <a:effectLst/>
-                <a:latin typeface="JetBrains Mono"/>
-              </a:rPr>
-              <a:t>    </a:t>
-            </a:r>
-            <a:r>
-              <a:rPr kumimoji="0" lang="ru-RU" altLang="ru-RU" sz="1800" b="0" i="0" u="none" strike="noStrike" cap="none" normalizeH="0" baseline="0" dirty="0">
-                <a:ln>
-                  <a:noFill/>
-                </a:ln>
-                <a:solidFill>
-                  <a:srgbClr val="A9B7C6"/>
-                </a:solidFill>
-                <a:effectLst/>
-                <a:latin typeface="JetBrains Mono"/>
-              </a:rPr>
-              <a:t>{</a:t>
-            </a:r>
-            <a:br>
-              <a:rPr kumimoji="0" lang="ru-RU" altLang="ru-RU" sz="1800" b="0" i="0" u="none" strike="noStrike" cap="none" normalizeH="0" baseline="0" dirty="0">
-                <a:ln>
-                  <a:noFill/>
-                </a:ln>
-                <a:solidFill>
-                  <a:srgbClr val="A9B7C6"/>
-                </a:solidFill>
-                <a:effectLst/>
-                <a:latin typeface="JetBrains Mono"/>
-              </a:rPr>
-            </a:br>
-            <a:r>
-              <a:rPr kumimoji="0" lang="ru-RU" altLang="ru-RU" sz="1800" b="0" i="0" u="none" strike="noStrike" cap="none" normalizeH="0" baseline="0" dirty="0">
-                <a:ln>
-                  <a:noFill/>
-                </a:ln>
-                <a:solidFill>
-                  <a:srgbClr val="A9B7C6"/>
-                </a:solidFill>
-                <a:effectLst/>
-                <a:latin typeface="JetBrains Mono"/>
-              </a:rPr>
-              <a:t>        </a:t>
-            </a:r>
-            <a:r>
-              <a:rPr kumimoji="0" lang="ru-RU" altLang="ru-RU" sz="1800" b="0" i="0" u="none" strike="noStrike" cap="none" normalizeH="0" baseline="0" dirty="0">
-                <a:ln>
-                  <a:noFill/>
-                </a:ln>
-                <a:solidFill>
-                  <a:srgbClr val="9876AA"/>
-                </a:solidFill>
-                <a:effectLst/>
-                <a:latin typeface="JetBrains Mono"/>
-              </a:rPr>
-              <a:t>$</a:t>
-            </a:r>
-            <a:r>
-              <a:rPr kumimoji="0" lang="ru-RU" altLang="ru-RU" sz="1800" b="0" i="0" u="none" strike="noStrike" cap="none" normalizeH="0" baseline="0" dirty="0" err="1">
-                <a:ln>
-                  <a:noFill/>
-                </a:ln>
-                <a:solidFill>
-                  <a:srgbClr val="9876AA"/>
-                </a:solidFill>
-                <a:effectLst/>
-                <a:latin typeface="JetBrains Mono"/>
-              </a:rPr>
-              <a:t>message</a:t>
-            </a:r>
-            <a:r>
-              <a:rPr kumimoji="0" lang="ru-RU" altLang="ru-RU" sz="1800" b="0" i="0" u="none" strike="noStrike" cap="none" normalizeH="0" baseline="0" dirty="0">
-                <a:ln>
-                  <a:noFill/>
-                </a:ln>
-                <a:solidFill>
-                  <a:srgbClr val="9876AA"/>
-                </a:solidFill>
-                <a:effectLst/>
-                <a:latin typeface="JetBrains Mono"/>
-              </a:rPr>
-              <a:t> </a:t>
-            </a:r>
-            <a:r>
-              <a:rPr kumimoji="0" lang="ru-RU" altLang="ru-RU" sz="1800" b="0" i="0" u="none" strike="noStrike" cap="none" normalizeH="0" baseline="0" dirty="0">
-                <a:ln>
-                  <a:noFill/>
-                </a:ln>
-                <a:solidFill>
-                  <a:srgbClr val="A9B7C6"/>
-                </a:solidFill>
-                <a:effectLst/>
-                <a:latin typeface="JetBrains Mono"/>
-              </a:rPr>
-              <a:t>= </a:t>
-            </a:r>
-            <a:r>
-              <a:rPr kumimoji="0" lang="ru-RU" altLang="ru-RU" sz="1800" b="0" i="0" u="none" strike="noStrike" cap="none" normalizeH="0" baseline="0" dirty="0">
-                <a:ln>
-                  <a:noFill/>
-                </a:ln>
-                <a:solidFill>
-                  <a:srgbClr val="9876AA"/>
-                </a:solidFill>
-                <a:effectLst/>
-                <a:latin typeface="JetBrains Mono"/>
-              </a:rPr>
-              <a:t>$</a:t>
-            </a:r>
-            <a:r>
-              <a:rPr kumimoji="0" lang="ru-RU" altLang="ru-RU" sz="1800" b="0" i="0" u="none" strike="noStrike" cap="none" normalizeH="0" baseline="0" dirty="0" err="1">
-                <a:ln>
-                  <a:noFill/>
-                </a:ln>
-                <a:solidFill>
-                  <a:srgbClr val="9876AA"/>
-                </a:solidFill>
-                <a:effectLst/>
-                <a:latin typeface="JetBrains Mono"/>
-              </a:rPr>
-              <a:t>this</a:t>
-            </a:r>
-            <a:r>
-              <a:rPr kumimoji="0" lang="ru-RU" altLang="ru-RU" sz="1800" b="0" i="0" u="none" strike="noStrike" cap="none" normalizeH="0" baseline="0" dirty="0">
-                <a:ln>
-                  <a:noFill/>
-                </a:ln>
-                <a:solidFill>
-                  <a:srgbClr val="A9B7C6"/>
-                </a:solidFill>
-                <a:effectLst/>
-                <a:latin typeface="JetBrains Mono"/>
-              </a:rPr>
-              <a:t>-&gt;</a:t>
-            </a:r>
-            <a:r>
-              <a:rPr kumimoji="0" lang="ru-RU" altLang="ru-RU" sz="1800" b="0" i="0" u="none" strike="noStrike" cap="none" normalizeH="0" baseline="0" dirty="0" err="1">
-                <a:ln>
-                  <a:noFill/>
-                </a:ln>
-                <a:solidFill>
-                  <a:srgbClr val="FFC66D"/>
-                </a:solidFill>
-                <a:effectLst/>
-                <a:latin typeface="JetBrains Mono"/>
-              </a:rPr>
-              <a:t>getMessageData</a:t>
-            </a:r>
-            <a:r>
-              <a:rPr kumimoji="0" lang="ru-RU" altLang="ru-RU" sz="1800" b="0" i="0" u="none" strike="noStrike" cap="none" normalizeH="0" baseline="0" dirty="0">
-                <a:ln>
-                  <a:noFill/>
-                </a:ln>
-                <a:solidFill>
-                  <a:srgbClr val="A9B7C6"/>
-                </a:solidFill>
-                <a:effectLst/>
-                <a:latin typeface="JetBrains Mono"/>
-              </a:rPr>
-              <a:t>()</a:t>
-            </a:r>
-            <a:r>
-              <a:rPr kumimoji="0" lang="ru-RU" altLang="ru-RU" sz="1800" b="0" i="0" u="none" strike="noStrike" cap="none" normalizeH="0" baseline="0" dirty="0">
-                <a:ln>
-                  <a:noFill/>
-                </a:ln>
-                <a:solidFill>
-                  <a:srgbClr val="CC7832"/>
-                </a:solidFill>
-                <a:effectLst/>
-                <a:latin typeface="JetBrains Mono"/>
-              </a:rPr>
-              <a:t>;</a:t>
-            </a:r>
-            <a:br>
-              <a:rPr kumimoji="0" lang="ru-RU" altLang="ru-RU" sz="1800" b="0" i="0" u="none" strike="noStrike" cap="none" normalizeH="0" baseline="0" dirty="0">
-                <a:ln>
-                  <a:noFill/>
-                </a:ln>
-                <a:solidFill>
-                  <a:srgbClr val="CC7832"/>
-                </a:solidFill>
-                <a:effectLst/>
-                <a:latin typeface="JetBrains Mono"/>
-              </a:rPr>
-            </a:br>
-            <a:r>
-              <a:rPr kumimoji="0" lang="ru-RU" altLang="ru-RU" sz="1800" b="0" i="0" u="none" strike="noStrike" cap="none" normalizeH="0" baseline="0" dirty="0">
-                <a:ln>
-                  <a:noFill/>
-                </a:ln>
-                <a:solidFill>
-                  <a:srgbClr val="CC7832"/>
-                </a:solidFill>
-                <a:effectLst/>
-                <a:latin typeface="JetBrains Mono"/>
-              </a:rPr>
-              <a:t>        </a:t>
-            </a:r>
-            <a:r>
-              <a:rPr kumimoji="0" lang="ru-RU" altLang="ru-RU" sz="1800" b="0" i="0" u="none" strike="noStrike" cap="none" normalizeH="0" baseline="0" dirty="0" err="1">
-                <a:ln>
-                  <a:noFill/>
-                </a:ln>
-                <a:solidFill>
-                  <a:srgbClr val="A9B7C6"/>
-                </a:solidFill>
-                <a:effectLst/>
-                <a:latin typeface="JetBrains Mono"/>
-              </a:rPr>
-              <a:t>var_dump</a:t>
-            </a:r>
-            <a:r>
-              <a:rPr kumimoji="0" lang="ru-RU" altLang="ru-RU" sz="1800" b="0" i="0" u="none" strike="noStrike" cap="none" normalizeH="0" baseline="0" dirty="0">
-                <a:ln>
-                  <a:noFill/>
-                </a:ln>
-                <a:solidFill>
-                  <a:srgbClr val="A9B7C6"/>
-                </a:solidFill>
-                <a:effectLst/>
-                <a:latin typeface="JetBrains Mono"/>
-              </a:rPr>
-              <a:t>(</a:t>
-            </a:r>
-            <a:r>
-              <a:rPr kumimoji="0" lang="ru-RU" altLang="ru-RU" sz="1800" b="0" i="0" u="none" strike="noStrike" cap="none" normalizeH="0" baseline="0" dirty="0">
-                <a:ln>
-                  <a:noFill/>
-                </a:ln>
-                <a:solidFill>
-                  <a:srgbClr val="9876AA"/>
-                </a:solidFill>
-                <a:effectLst/>
-                <a:latin typeface="JetBrains Mono"/>
-              </a:rPr>
-              <a:t>$</a:t>
-            </a:r>
-            <a:r>
-              <a:rPr kumimoji="0" lang="ru-RU" altLang="ru-RU" sz="1800" b="0" i="0" u="none" strike="noStrike" cap="none" normalizeH="0" baseline="0" dirty="0" err="1">
-                <a:ln>
-                  <a:noFill/>
-                </a:ln>
-                <a:solidFill>
-                  <a:srgbClr val="9876AA"/>
-                </a:solidFill>
-                <a:effectLst/>
-                <a:latin typeface="JetBrains Mono"/>
-              </a:rPr>
-              <a:t>message</a:t>
-            </a:r>
-            <a:r>
-              <a:rPr kumimoji="0" lang="ru-RU" altLang="ru-RU" sz="1800" b="0" i="0" u="none" strike="noStrike" cap="none" normalizeH="0" baseline="0" dirty="0">
-                <a:ln>
-                  <a:noFill/>
-                </a:ln>
-                <a:solidFill>
-                  <a:srgbClr val="A9B7C6"/>
-                </a:solidFill>
-                <a:effectLst/>
-                <a:latin typeface="JetBrains Mono"/>
-              </a:rPr>
-              <a:t>)</a:t>
-            </a:r>
-            <a:r>
-              <a:rPr kumimoji="0" lang="ru-RU" altLang="ru-RU" sz="1800" b="0" i="0" u="none" strike="noStrike" cap="none" normalizeH="0" baseline="0" dirty="0">
-                <a:ln>
-                  <a:noFill/>
-                </a:ln>
-                <a:solidFill>
-                  <a:srgbClr val="CC7832"/>
-                </a:solidFill>
-                <a:effectLst/>
-                <a:latin typeface="JetBrains Mono"/>
-              </a:rPr>
-              <a:t>;</a:t>
-            </a:r>
-            <a:br>
-              <a:rPr kumimoji="0" lang="ru-RU" altLang="ru-RU" sz="1800" b="0" i="0" u="none" strike="noStrike" cap="none" normalizeH="0" baseline="0" dirty="0">
-                <a:ln>
-                  <a:noFill/>
-                </a:ln>
-                <a:solidFill>
-                  <a:srgbClr val="CC7832"/>
-                </a:solidFill>
-                <a:effectLst/>
-                <a:latin typeface="JetBrains Mono"/>
-              </a:rPr>
-            </a:br>
-            <a:r>
-              <a:rPr kumimoji="0" lang="ru-RU" altLang="ru-RU" sz="1800" b="0" i="0" u="none" strike="noStrike" cap="none" normalizeH="0" baseline="0" dirty="0">
-                <a:ln>
-                  <a:noFill/>
-                </a:ln>
-                <a:solidFill>
-                  <a:srgbClr val="CC7832"/>
-                </a:solidFill>
-                <a:effectLst/>
-                <a:latin typeface="JetBrains Mono"/>
-              </a:rPr>
-              <a:t>    </a:t>
-            </a:r>
-            <a:r>
-              <a:rPr kumimoji="0" lang="ru-RU" altLang="ru-RU" sz="1800" b="0" i="0" u="none" strike="noStrike" cap="none" normalizeH="0" baseline="0" dirty="0">
-                <a:ln>
-                  <a:noFill/>
-                </a:ln>
-                <a:solidFill>
-                  <a:srgbClr val="A9B7C6"/>
-                </a:solidFill>
-                <a:effectLst/>
-                <a:latin typeface="JetBrains Mono"/>
-              </a:rPr>
-              <a:t>}</a:t>
-            </a:r>
-            <a:br>
-              <a:rPr kumimoji="0" lang="ru-RU" altLang="ru-RU" sz="1800" b="0" i="0" u="none" strike="noStrike" cap="none" normalizeH="0" baseline="0" dirty="0">
-                <a:ln>
-                  <a:noFill/>
-                </a:ln>
-                <a:solidFill>
-                  <a:srgbClr val="A9B7C6"/>
-                </a:solidFill>
-                <a:effectLst/>
-                <a:latin typeface="JetBrains Mono"/>
-              </a:rPr>
-            </a:br>
-            <a:br>
-              <a:rPr kumimoji="0" lang="ru-RU" altLang="ru-RU" sz="1800" b="0" i="0" u="none" strike="noStrike" cap="none" normalizeH="0" baseline="0" dirty="0">
-                <a:ln>
-                  <a:noFill/>
-                </a:ln>
-                <a:solidFill>
-                  <a:srgbClr val="A9B7C6"/>
-                </a:solidFill>
-                <a:effectLst/>
-                <a:latin typeface="JetBrains Mono"/>
-              </a:rPr>
-            </a:br>
-            <a:r>
-              <a:rPr kumimoji="0" lang="ru-RU" altLang="ru-RU" sz="1800" b="0" i="0" u="none" strike="noStrike" cap="none" normalizeH="0" baseline="0" dirty="0">
-                <a:ln>
-                  <a:noFill/>
-                </a:ln>
-                <a:solidFill>
-                  <a:srgbClr val="A9B7C6"/>
-                </a:solidFill>
-                <a:effectLst/>
-                <a:latin typeface="JetBrains Mono"/>
-              </a:rPr>
-              <a:t>    </a:t>
-            </a:r>
-            <a:r>
-              <a:rPr kumimoji="0" lang="ru-RU" altLang="ru-RU" sz="1800" b="0" i="0" u="none" strike="noStrike" cap="none" normalizeH="0" baseline="0" dirty="0" err="1">
-                <a:ln>
-                  <a:noFill/>
-                </a:ln>
-                <a:solidFill>
-                  <a:srgbClr val="CC7832"/>
-                </a:solidFill>
-                <a:effectLst/>
-                <a:latin typeface="JetBrains Mono"/>
-              </a:rPr>
-              <a:t>static</a:t>
-            </a:r>
-            <a:r>
-              <a:rPr kumimoji="0" lang="ru-RU" altLang="ru-RU" sz="1800" b="0" i="0" u="none" strike="noStrike" cap="none" normalizeH="0" baseline="0" dirty="0">
-                <a:ln>
-                  <a:noFill/>
-                </a:ln>
-                <a:solidFill>
-                  <a:srgbClr val="CC7832"/>
-                </a:solidFill>
-                <a:effectLst/>
-                <a:latin typeface="JetBrains Mono"/>
-              </a:rPr>
-              <a:t> </a:t>
-            </a:r>
-            <a:r>
-              <a:rPr kumimoji="0" lang="ru-RU" altLang="ru-RU" sz="1800" b="0" i="0" u="none" strike="noStrike" cap="none" normalizeH="0" baseline="0" dirty="0" err="1">
-                <a:ln>
-                  <a:noFill/>
-                </a:ln>
-                <a:solidFill>
-                  <a:srgbClr val="CC7832"/>
-                </a:solidFill>
-                <a:effectLst/>
-                <a:latin typeface="JetBrains Mono"/>
-              </a:rPr>
-              <a:t>function</a:t>
-            </a:r>
-            <a:r>
-              <a:rPr kumimoji="0" lang="ru-RU" altLang="ru-RU" sz="1800" b="0" i="0" u="none" strike="noStrike" cap="none" normalizeH="0" baseline="0" dirty="0">
-                <a:ln>
-                  <a:noFill/>
-                </a:ln>
-                <a:solidFill>
-                  <a:srgbClr val="CC7832"/>
-                </a:solidFill>
-                <a:effectLst/>
-                <a:latin typeface="JetBrains Mono"/>
-              </a:rPr>
-              <a:t> </a:t>
-            </a:r>
-            <a:r>
-              <a:rPr kumimoji="0" lang="ru-RU" altLang="ru-RU" sz="1800" b="0" i="0" u="none" strike="noStrike" cap="none" normalizeH="0" baseline="0" dirty="0" err="1">
-                <a:ln>
-                  <a:noFill/>
-                </a:ln>
-                <a:effectLst/>
-                <a:latin typeface="JetBrains Mono"/>
-              </a:rPr>
-              <a:t>getRoutingKey</a:t>
-            </a:r>
-            <a:r>
-              <a:rPr kumimoji="0" lang="ru-RU" altLang="ru-RU" sz="1800" b="0" i="0" u="none" strike="noStrike" cap="none" normalizeH="0" baseline="0" dirty="0">
-                <a:ln>
-                  <a:noFill/>
-                </a:ln>
-                <a:solidFill>
-                  <a:srgbClr val="A9B7C6"/>
-                </a:solidFill>
-                <a:effectLst/>
-                <a:latin typeface="JetBrains Mono"/>
-              </a:rPr>
-              <a:t>(): </a:t>
-            </a:r>
-            <a:r>
-              <a:rPr kumimoji="0" lang="ru-RU" altLang="ru-RU" sz="1800" b="0" i="0" u="none" strike="noStrike" cap="none" normalizeH="0" baseline="0" dirty="0" err="1">
-                <a:ln>
-                  <a:noFill/>
-                </a:ln>
-                <a:solidFill>
-                  <a:srgbClr val="CC7832"/>
-                </a:solidFill>
-                <a:effectLst/>
-                <a:latin typeface="JetBrains Mono"/>
-              </a:rPr>
-              <a:t>string</a:t>
-            </a:r>
-            <a:br>
-              <a:rPr kumimoji="0" lang="ru-RU" altLang="ru-RU" sz="1800" b="0" i="0" u="none" strike="noStrike" cap="none" normalizeH="0" baseline="0" dirty="0">
-                <a:ln>
-                  <a:noFill/>
-                </a:ln>
-                <a:solidFill>
-                  <a:srgbClr val="CC7832"/>
-                </a:solidFill>
-                <a:effectLst/>
-                <a:latin typeface="JetBrains Mono"/>
-              </a:rPr>
-            </a:br>
-            <a:r>
-              <a:rPr kumimoji="0" lang="ru-RU" altLang="ru-RU" sz="1800" b="0" i="0" u="none" strike="noStrike" cap="none" normalizeH="0" baseline="0" dirty="0">
-                <a:ln>
-                  <a:noFill/>
-                </a:ln>
-                <a:solidFill>
-                  <a:srgbClr val="CC7832"/>
-                </a:solidFill>
-                <a:effectLst/>
-                <a:latin typeface="JetBrains Mono"/>
-              </a:rPr>
-              <a:t>    </a:t>
-            </a:r>
-            <a:r>
-              <a:rPr kumimoji="0" lang="ru-RU" altLang="ru-RU" sz="1800" b="0" i="0" u="none" strike="noStrike" cap="none" normalizeH="0" baseline="0" dirty="0">
-                <a:ln>
-                  <a:noFill/>
-                </a:ln>
-                <a:solidFill>
-                  <a:srgbClr val="A9B7C6"/>
-                </a:solidFill>
-                <a:effectLst/>
-                <a:latin typeface="JetBrains Mono"/>
-              </a:rPr>
-              <a:t>{</a:t>
-            </a:r>
-            <a:br>
-              <a:rPr kumimoji="0" lang="ru-RU" altLang="ru-RU" sz="1800" b="0" i="0" u="none" strike="noStrike" cap="none" normalizeH="0" baseline="0" dirty="0">
-                <a:ln>
-                  <a:noFill/>
-                </a:ln>
-                <a:solidFill>
-                  <a:srgbClr val="A9B7C6"/>
-                </a:solidFill>
-                <a:effectLst/>
-                <a:latin typeface="JetBrains Mono"/>
-              </a:rPr>
-            </a:br>
-            <a:r>
-              <a:rPr kumimoji="0" lang="ru-RU" altLang="ru-RU" sz="1800" b="0" i="0" u="none" strike="noStrike" cap="none" normalizeH="0" baseline="0" dirty="0">
-                <a:ln>
-                  <a:noFill/>
-                </a:ln>
-                <a:solidFill>
-                  <a:srgbClr val="A9B7C6"/>
-                </a:solidFill>
-                <a:effectLst/>
-                <a:latin typeface="JetBrains Mono"/>
-              </a:rPr>
-              <a:t>        </a:t>
-            </a:r>
-            <a:r>
-              <a:rPr kumimoji="0" lang="ru-RU" altLang="ru-RU" sz="1800" b="0" i="0" u="none" strike="noStrike" cap="none" normalizeH="0" baseline="0" dirty="0" err="1">
-                <a:ln>
-                  <a:noFill/>
-                </a:ln>
-                <a:solidFill>
-                  <a:srgbClr val="CC7832"/>
-                </a:solidFill>
-                <a:effectLst/>
-                <a:latin typeface="JetBrains Mono"/>
-              </a:rPr>
-              <a:t>return</a:t>
-            </a:r>
-            <a:r>
-              <a:rPr kumimoji="0" lang="ru-RU" altLang="ru-RU" sz="1800" b="0" i="0" u="none" strike="noStrike" cap="none" normalizeH="0" baseline="0" dirty="0">
-                <a:ln>
-                  <a:noFill/>
-                </a:ln>
-                <a:solidFill>
-                  <a:srgbClr val="CC7832"/>
-                </a:solidFill>
-                <a:effectLst/>
-                <a:latin typeface="JetBrains Mono"/>
-              </a:rPr>
-              <a:t> </a:t>
-            </a:r>
-            <a:r>
-              <a:rPr kumimoji="0" lang="ru-RU" altLang="ru-RU" sz="1800" b="0" i="0" u="none" strike="noStrike" cap="none" normalizeH="0" baseline="0" dirty="0">
-                <a:ln>
-                  <a:noFill/>
-                </a:ln>
-                <a:solidFill>
-                  <a:srgbClr val="6A8759"/>
-                </a:solidFill>
-                <a:effectLst/>
-                <a:latin typeface="JetBrains Mono"/>
-              </a:rPr>
-              <a:t>'</a:t>
-            </a:r>
-            <a:r>
-              <a:rPr kumimoji="0" lang="ru-RU" altLang="ru-RU" sz="1800" b="0" i="0" u="none" strike="noStrike" cap="none" normalizeH="0" baseline="0" dirty="0" err="1">
-                <a:ln>
-                  <a:noFill/>
-                </a:ln>
-                <a:solidFill>
-                  <a:srgbClr val="6A8759"/>
-                </a:solidFill>
-                <a:effectLst/>
-                <a:latin typeface="JetBrains Mono"/>
-              </a:rPr>
-              <a:t>storage</a:t>
-            </a:r>
-            <a:r>
-              <a:rPr kumimoji="0" lang="ru-RU" altLang="ru-RU" sz="1800" b="0" i="0" u="none" strike="noStrike" cap="none" normalizeH="0" baseline="0" dirty="0">
-                <a:ln>
-                  <a:noFill/>
-                </a:ln>
-                <a:solidFill>
-                  <a:srgbClr val="6A8759"/>
-                </a:solidFill>
-                <a:effectLst/>
-                <a:latin typeface="JetBrains Mono"/>
-              </a:rPr>
-              <a:t>'</a:t>
-            </a:r>
-            <a:r>
-              <a:rPr kumimoji="0" lang="ru-RU" altLang="ru-RU" sz="1800" b="0" i="0" u="none" strike="noStrike" cap="none" normalizeH="0" baseline="0" dirty="0">
-                <a:ln>
-                  <a:noFill/>
-                </a:ln>
-                <a:solidFill>
-                  <a:srgbClr val="CC7832"/>
-                </a:solidFill>
-                <a:effectLst/>
-                <a:latin typeface="JetBrains Mono"/>
-              </a:rPr>
-              <a:t>;</a:t>
-            </a:r>
-            <a:br>
-              <a:rPr kumimoji="0" lang="ru-RU" altLang="ru-RU" sz="1800" b="0" i="0" u="none" strike="noStrike" cap="none" normalizeH="0" baseline="0" dirty="0">
-                <a:ln>
-                  <a:noFill/>
-                </a:ln>
-                <a:solidFill>
-                  <a:srgbClr val="CC7832"/>
-                </a:solidFill>
-                <a:effectLst/>
-                <a:latin typeface="JetBrains Mono"/>
-              </a:rPr>
-            </a:br>
-            <a:r>
-              <a:rPr kumimoji="0" lang="ru-RU" altLang="ru-RU" sz="1800" b="0" i="0" u="none" strike="noStrike" cap="none" normalizeH="0" baseline="0" dirty="0">
-                <a:ln>
-                  <a:noFill/>
-                </a:ln>
-                <a:solidFill>
-                  <a:srgbClr val="CC7832"/>
-                </a:solidFill>
-                <a:effectLst/>
-                <a:latin typeface="JetBrains Mono"/>
-              </a:rPr>
-              <a:t>    </a:t>
-            </a:r>
-            <a:r>
-              <a:rPr kumimoji="0" lang="ru-RU" altLang="ru-RU" sz="1800" b="0" i="0" u="none" strike="noStrike" cap="none" normalizeH="0" baseline="0" dirty="0">
-                <a:ln>
-                  <a:noFill/>
-                </a:ln>
-                <a:solidFill>
-                  <a:srgbClr val="A9B7C6"/>
-                </a:solidFill>
-                <a:effectLst/>
-                <a:latin typeface="JetBrains Mono"/>
-              </a:rPr>
-              <a:t>}</a:t>
-            </a:r>
-            <a:br>
-              <a:rPr kumimoji="0" lang="ru-RU" altLang="ru-RU" sz="1800" b="0" i="0" u="none" strike="noStrike" cap="none" normalizeH="0" baseline="0" dirty="0">
-                <a:ln>
-                  <a:noFill/>
-                </a:ln>
-                <a:solidFill>
-                  <a:srgbClr val="A9B7C6"/>
-                </a:solidFill>
-                <a:effectLst/>
-                <a:latin typeface="JetBrains Mono"/>
-              </a:rPr>
-            </a:br>
-            <a:r>
-              <a:rPr kumimoji="0" lang="ru-RU" altLang="ru-RU" sz="1800" b="0" i="0" u="none" strike="noStrike" cap="none" normalizeH="0" baseline="0" dirty="0">
-                <a:ln>
-                  <a:noFill/>
-                </a:ln>
-                <a:solidFill>
-                  <a:srgbClr val="A9B7C6"/>
-                </a:solidFill>
-                <a:effectLst/>
-                <a:latin typeface="JetBrains Mono"/>
-              </a:rPr>
-              <a:t>}</a:t>
-            </a:r>
-            <a:endParaRPr kumimoji="0" lang="ru-RU" altLang="ru-RU" sz="4000" b="0" i="0" u="none" strike="noStrike" cap="none" normalizeH="0" baseline="0" dirty="0">
-              <a:ln>
-                <a:noFill/>
-              </a:ln>
-              <a:effectLst/>
-              <a:latin typeface="Arial" panose="020B0604020202020204" pitchFamily="34" charset="0"/>
-            </a:endParaRPr>
-          </a:p>
-        </p:txBody>
-      </p:sp>
-      <p:sp>
-        <p:nvSpPr>
-          <p:cNvPr id="14" name="TextBox 13">
-            <a:extLst>
-              <a:ext uri="{FF2B5EF4-FFF2-40B4-BE49-F238E27FC236}">
-                <a16:creationId xmlns:a16="http://schemas.microsoft.com/office/drawing/2014/main" id="{56EBE955-CA5B-693E-5F36-96B9EA0DAAE9}"/>
-              </a:ext>
-            </a:extLst>
-          </p:cNvPr>
-          <p:cNvSpPr txBox="1"/>
-          <p:nvPr/>
-        </p:nvSpPr>
-        <p:spPr>
-          <a:xfrm>
-            <a:off x="5905496" y="1632214"/>
-            <a:ext cx="4905376" cy="369332"/>
-          </a:xfrm>
-          <a:prstGeom prst="rect">
-            <a:avLst/>
-          </a:prstGeom>
-          <a:noFill/>
-        </p:spPr>
-        <p:txBody>
-          <a:bodyPr wrap="square">
-            <a:spAutoFit/>
-          </a:bodyPr>
-          <a:lstStyle/>
-          <a:p>
-            <a:r>
-              <a:rPr lang="ru-RU" b="1" dirty="0"/>
-              <a:t>Процесс для чтения сообщений из очереди</a:t>
-            </a:r>
-            <a:r>
-              <a:rPr lang="en-US" b="1" dirty="0"/>
-              <a:t>:</a:t>
-            </a:r>
-            <a:endParaRPr lang="ru-RU" dirty="0"/>
-          </a:p>
-        </p:txBody>
-      </p:sp>
-      <p:sp>
-        <p:nvSpPr>
-          <p:cNvPr id="17" name="TextBox 16">
-            <a:extLst>
-              <a:ext uri="{FF2B5EF4-FFF2-40B4-BE49-F238E27FC236}">
-                <a16:creationId xmlns:a16="http://schemas.microsoft.com/office/drawing/2014/main" id="{85533B77-5565-344C-AA98-43BF0B13F43E}"/>
-              </a:ext>
-            </a:extLst>
-          </p:cNvPr>
-          <p:cNvSpPr txBox="1"/>
-          <p:nvPr/>
-        </p:nvSpPr>
-        <p:spPr>
-          <a:xfrm>
-            <a:off x="5905496" y="1997854"/>
-            <a:ext cx="4905376" cy="646331"/>
-          </a:xfrm>
-          <a:prstGeom prst="rect">
-            <a:avLst/>
-          </a:prstGeom>
-          <a:noFill/>
-          <a:ln>
-            <a:solidFill>
-              <a:schemeClr val="tx1"/>
-            </a:solidFill>
-          </a:ln>
-        </p:spPr>
-        <p:txBody>
-          <a:bodyPr wrap="square">
-            <a:spAutoFit/>
-          </a:bodyPr>
-          <a:lstStyle/>
-          <a:p>
-            <a:pPr marL="0" marR="0" lvl="0" indent="0" algn="l" defTabSz="914400" rtl="0" eaLnBrk="0" fontAlgn="base" latinLnBrk="0" hangingPunct="0">
-              <a:lnSpc>
-                <a:spcPct val="100000"/>
-              </a:lnSpc>
-              <a:spcBef>
-                <a:spcPct val="0"/>
-              </a:spcBef>
-              <a:spcAft>
-                <a:spcPct val="0"/>
-              </a:spcAft>
-              <a:buClrTx/>
-              <a:buSzTx/>
-              <a:buFontTx/>
-              <a:buNone/>
-              <a:tabLst/>
-            </a:pPr>
-            <a:r>
-              <a:rPr kumimoji="0" lang="ru-RU" altLang="ru-RU" sz="1800" b="0" i="0" u="none" strike="noStrike" cap="none" normalizeH="0" baseline="0" dirty="0">
-                <a:ln>
-                  <a:noFill/>
-                </a:ln>
-                <a:solidFill>
-                  <a:srgbClr val="9876AA"/>
-                </a:solidFill>
-                <a:effectLst/>
-                <a:latin typeface="JetBrains Mono"/>
-              </a:rPr>
-              <a:t>$</a:t>
-            </a:r>
-            <a:r>
-              <a:rPr kumimoji="0" lang="ru-RU" altLang="ru-RU" sz="1800" b="0" i="0" u="none" strike="noStrike" cap="none" normalizeH="0" baseline="0" dirty="0" err="1">
-                <a:ln>
-                  <a:noFill/>
-                </a:ln>
-                <a:solidFill>
-                  <a:srgbClr val="9876AA"/>
-                </a:solidFill>
-                <a:effectLst/>
-                <a:latin typeface="JetBrains Mono"/>
-              </a:rPr>
-              <a:t>queue</a:t>
-            </a:r>
-            <a:r>
-              <a:rPr kumimoji="0" lang="ru-RU" altLang="ru-RU" sz="1800" b="0" i="0" u="none" strike="noStrike" cap="none" normalizeH="0" baseline="0" dirty="0">
-                <a:ln>
-                  <a:noFill/>
-                </a:ln>
-                <a:solidFill>
-                  <a:srgbClr val="9876AA"/>
-                </a:solidFill>
-                <a:effectLst/>
-                <a:latin typeface="JetBrains Mono"/>
-              </a:rPr>
-              <a:t> </a:t>
-            </a:r>
-            <a:r>
-              <a:rPr kumimoji="0" lang="ru-RU" altLang="ru-RU" sz="1800" b="0" i="0" u="none" strike="noStrike" cap="none" normalizeH="0" baseline="0" dirty="0">
-                <a:ln>
-                  <a:noFill/>
-                </a:ln>
-                <a:solidFill>
-                  <a:srgbClr val="A9B7C6"/>
-                </a:solidFill>
-                <a:effectLst/>
-                <a:latin typeface="JetBrains Mono"/>
-              </a:rPr>
-              <a:t>= </a:t>
-            </a:r>
-            <a:r>
-              <a:rPr kumimoji="0" lang="ru-RU" altLang="ru-RU" sz="1800" b="0" i="0" u="none" strike="noStrike" cap="none" normalizeH="0" baseline="0" dirty="0">
-                <a:ln>
-                  <a:noFill/>
-                </a:ln>
-                <a:solidFill>
-                  <a:srgbClr val="6A8759"/>
-                </a:solidFill>
-                <a:effectLst/>
-                <a:latin typeface="JetBrains Mono"/>
-              </a:rPr>
-              <a:t>'</a:t>
-            </a:r>
-            <a:r>
-              <a:rPr kumimoji="0" lang="ru-RU" altLang="ru-RU" sz="1800" b="0" i="0" u="none" strike="noStrike" cap="none" normalizeH="0" baseline="0" dirty="0" err="1">
-                <a:ln>
-                  <a:noFill/>
-                </a:ln>
-                <a:solidFill>
-                  <a:srgbClr val="6A8759"/>
-                </a:solidFill>
-                <a:effectLst/>
-                <a:latin typeface="JetBrains Mono"/>
-              </a:rPr>
-              <a:t>storage</a:t>
-            </a:r>
-            <a:r>
-              <a:rPr kumimoji="0" lang="ru-RU" altLang="ru-RU" sz="1800" b="0" i="0" u="none" strike="noStrike" cap="none" normalizeH="0" baseline="0" dirty="0">
-                <a:ln>
-                  <a:noFill/>
-                </a:ln>
-                <a:solidFill>
-                  <a:srgbClr val="6A8759"/>
-                </a:solidFill>
-                <a:effectLst/>
-                <a:latin typeface="JetBrains Mono"/>
-              </a:rPr>
-              <a:t>'</a:t>
-            </a:r>
-            <a:r>
-              <a:rPr kumimoji="0" lang="ru-RU" altLang="ru-RU" sz="1800" b="0" i="0" u="none" strike="noStrike" cap="none" normalizeH="0" baseline="0" dirty="0">
-                <a:ln>
-                  <a:noFill/>
-                </a:ln>
-                <a:solidFill>
-                  <a:srgbClr val="CC7832"/>
-                </a:solidFill>
-                <a:effectLst/>
-                <a:latin typeface="JetBrains Mono"/>
-              </a:rPr>
-              <a:t>;</a:t>
-            </a:r>
-            <a:br>
-              <a:rPr kumimoji="0" lang="ru-RU" altLang="ru-RU" sz="1800" b="0" i="0" u="none" strike="noStrike" cap="none" normalizeH="0" baseline="0" dirty="0">
-                <a:ln>
-                  <a:noFill/>
-                </a:ln>
-                <a:solidFill>
-                  <a:srgbClr val="CC7832"/>
-                </a:solidFill>
-                <a:effectLst/>
-                <a:latin typeface="JetBrains Mono"/>
-              </a:rPr>
-            </a:br>
-            <a:r>
-              <a:rPr kumimoji="0" lang="ru-RU" altLang="ru-RU" sz="1800" b="0" i="0" u="none" strike="noStrike" cap="none" normalizeH="0" baseline="0" dirty="0" err="1">
-                <a:ln>
-                  <a:noFill/>
-                </a:ln>
-                <a:effectLst/>
-                <a:latin typeface="JetBrains Mono"/>
-              </a:rPr>
-              <a:t>RabbitMQ</a:t>
-            </a:r>
-            <a:r>
-              <a:rPr kumimoji="0" lang="ru-RU" altLang="ru-RU" sz="1800" b="0" i="0" u="none" strike="noStrike" cap="none" normalizeH="0" baseline="0" dirty="0">
-                <a:ln>
-                  <a:noFill/>
-                </a:ln>
-                <a:solidFill>
-                  <a:srgbClr val="A9B7C6"/>
-                </a:solidFill>
-                <a:effectLst/>
-                <a:latin typeface="JetBrains Mono"/>
-              </a:rPr>
-              <a:t>::</a:t>
-            </a:r>
-            <a:r>
-              <a:rPr kumimoji="0" lang="ru-RU" altLang="ru-RU" sz="1800" b="0" i="1" u="none" strike="noStrike" cap="none" normalizeH="0" baseline="0" dirty="0" err="1">
-                <a:ln>
-                  <a:noFill/>
-                </a:ln>
-                <a:effectLst/>
-                <a:latin typeface="JetBrains Mono"/>
-              </a:rPr>
-              <a:t>runWorkConsumer</a:t>
-            </a:r>
-            <a:r>
-              <a:rPr kumimoji="0" lang="ru-RU" altLang="ru-RU" sz="1800" b="0" i="0" u="none" strike="noStrike" cap="none" normalizeH="0" baseline="0" dirty="0">
-                <a:ln>
-                  <a:noFill/>
-                </a:ln>
-                <a:solidFill>
-                  <a:srgbClr val="A9B7C6"/>
-                </a:solidFill>
-                <a:effectLst/>
-                <a:latin typeface="JetBrains Mono"/>
-              </a:rPr>
-              <a:t>(</a:t>
-            </a:r>
-            <a:r>
-              <a:rPr kumimoji="0" lang="ru-RU" altLang="ru-RU" sz="1800" b="0" i="0" u="none" strike="noStrike" cap="none" normalizeH="0" baseline="0" dirty="0">
-                <a:ln>
-                  <a:noFill/>
-                </a:ln>
-                <a:solidFill>
-                  <a:srgbClr val="9876AA"/>
-                </a:solidFill>
-                <a:effectLst/>
-                <a:latin typeface="JetBrains Mono"/>
-              </a:rPr>
-              <a:t>$</a:t>
-            </a:r>
-            <a:r>
-              <a:rPr kumimoji="0" lang="ru-RU" altLang="ru-RU" sz="1800" b="0" i="0" u="none" strike="noStrike" cap="none" normalizeH="0" baseline="0" dirty="0" err="1">
-                <a:ln>
-                  <a:noFill/>
-                </a:ln>
-                <a:solidFill>
-                  <a:srgbClr val="9876AA"/>
-                </a:solidFill>
-                <a:effectLst/>
-                <a:latin typeface="JetBrains Mono"/>
-              </a:rPr>
-              <a:t>queue</a:t>
-            </a:r>
-            <a:r>
-              <a:rPr kumimoji="0" lang="ru-RU" altLang="ru-RU" sz="1800" b="0" i="0" u="none" strike="noStrike" cap="none" normalizeH="0" baseline="0" dirty="0">
-                <a:ln>
-                  <a:noFill/>
-                </a:ln>
-                <a:solidFill>
-                  <a:srgbClr val="A9B7C6"/>
-                </a:solidFill>
-                <a:effectLst/>
-                <a:latin typeface="JetBrains Mono"/>
-              </a:rPr>
-              <a:t>)</a:t>
-            </a:r>
-            <a:r>
-              <a:rPr kumimoji="0" lang="ru-RU" altLang="ru-RU" sz="1800" b="0" i="0" u="none" strike="noStrike" cap="none" normalizeH="0" baseline="0" dirty="0">
-                <a:ln>
-                  <a:noFill/>
-                </a:ln>
-                <a:solidFill>
-                  <a:srgbClr val="CC7832"/>
-                </a:solidFill>
-                <a:effectLst/>
-                <a:latin typeface="JetBrains Mono"/>
-              </a:rPr>
-              <a:t>;</a:t>
-            </a:r>
-            <a:endParaRPr kumimoji="0" lang="ru-RU" altLang="ru-RU" sz="4000" b="0" i="0" u="none" strike="noStrike" cap="none" normalizeH="0" baseline="0" dirty="0">
-              <a:ln>
-                <a:noFill/>
-              </a:ln>
-              <a:solidFill>
-                <a:schemeClr val="tx1"/>
-              </a:solidFill>
-              <a:effectLst/>
-              <a:latin typeface="Arial" panose="020B0604020202020204" pitchFamily="34" charset="0"/>
-            </a:endParaRPr>
-          </a:p>
-        </p:txBody>
-      </p:sp>
-      <p:sp>
-        <p:nvSpPr>
-          <p:cNvPr id="23" name="TextBox 22">
-            <a:extLst>
-              <a:ext uri="{FF2B5EF4-FFF2-40B4-BE49-F238E27FC236}">
-                <a16:creationId xmlns:a16="http://schemas.microsoft.com/office/drawing/2014/main" id="{F8075D0E-B827-A3BD-6AF1-C08CB55C1817}"/>
-              </a:ext>
-            </a:extLst>
-          </p:cNvPr>
-          <p:cNvSpPr txBox="1"/>
-          <p:nvPr/>
-        </p:nvSpPr>
-        <p:spPr>
-          <a:xfrm>
-            <a:off x="5905496" y="3379157"/>
-            <a:ext cx="4905377" cy="923330"/>
-          </a:xfrm>
-          <a:prstGeom prst="rect">
-            <a:avLst/>
-          </a:prstGeom>
-          <a:noFill/>
-          <a:ln>
-            <a:solidFill>
-              <a:schemeClr val="tx1"/>
-            </a:solidFill>
-          </a:ln>
-        </p:spPr>
-        <p:txBody>
-          <a:bodyPr wrap="square">
-            <a:spAutoFit/>
-          </a:bodyPr>
-          <a:lstStyle/>
-          <a:p>
-            <a:pPr marL="0" marR="0" lvl="0" indent="0" algn="l" defTabSz="914400" rtl="0" eaLnBrk="0" fontAlgn="base" latinLnBrk="0" hangingPunct="0">
-              <a:lnSpc>
-                <a:spcPct val="100000"/>
-              </a:lnSpc>
-              <a:spcBef>
-                <a:spcPct val="0"/>
-              </a:spcBef>
-              <a:spcAft>
-                <a:spcPct val="0"/>
-              </a:spcAft>
-              <a:buClrTx/>
-              <a:buSzTx/>
-              <a:buFontTx/>
-              <a:buNone/>
-              <a:tabLst/>
-            </a:pPr>
-            <a:r>
-              <a:rPr kumimoji="0" lang="ru-RU" altLang="ru-RU" sz="1800" b="0" i="0" u="none" strike="noStrike" cap="none" normalizeH="0" baseline="0" dirty="0">
-                <a:ln>
-                  <a:noFill/>
-                </a:ln>
-                <a:solidFill>
-                  <a:srgbClr val="9876AA"/>
-                </a:solidFill>
-                <a:effectLst/>
-                <a:latin typeface="JetBrains Mono"/>
-              </a:rPr>
-              <a:t>$</a:t>
-            </a:r>
-            <a:r>
-              <a:rPr kumimoji="0" lang="ru-RU" altLang="ru-RU" sz="1800" b="0" i="0" u="none" strike="noStrike" cap="none" normalizeH="0" baseline="0" dirty="0" err="1">
-                <a:ln>
-                  <a:noFill/>
-                </a:ln>
-                <a:solidFill>
-                  <a:srgbClr val="9876AA"/>
-                </a:solidFill>
-                <a:effectLst/>
-                <a:latin typeface="JetBrains Mono"/>
-              </a:rPr>
-              <a:t>message</a:t>
-            </a:r>
-            <a:r>
-              <a:rPr kumimoji="0" lang="ru-RU" altLang="ru-RU" sz="1800" b="0" i="0" u="none" strike="noStrike" cap="none" normalizeH="0" baseline="0" dirty="0">
-                <a:ln>
-                  <a:noFill/>
-                </a:ln>
-                <a:solidFill>
-                  <a:srgbClr val="9876AA"/>
-                </a:solidFill>
-                <a:effectLst/>
-                <a:latin typeface="JetBrains Mono"/>
-              </a:rPr>
-              <a:t> </a:t>
-            </a:r>
-            <a:r>
-              <a:rPr kumimoji="0" lang="ru-RU" altLang="ru-RU" sz="1800" b="0" i="0" u="none" strike="noStrike" cap="none" normalizeH="0" baseline="0" dirty="0">
-                <a:ln>
-                  <a:noFill/>
-                </a:ln>
-                <a:solidFill>
-                  <a:srgbClr val="A9B7C6"/>
-                </a:solidFill>
-                <a:effectLst/>
-                <a:latin typeface="JetBrains Mono"/>
-              </a:rPr>
-              <a:t>= [</a:t>
-            </a:r>
-            <a:r>
-              <a:rPr kumimoji="0" lang="ru-RU" altLang="ru-RU" sz="1800" b="0" i="0" u="none" strike="noStrike" cap="none" normalizeH="0" baseline="0" dirty="0">
-                <a:ln>
-                  <a:noFill/>
-                </a:ln>
-                <a:solidFill>
-                  <a:srgbClr val="6897BB"/>
-                </a:solidFill>
-                <a:effectLst/>
-                <a:latin typeface="JetBrains Mono"/>
-              </a:rPr>
-              <a:t>1</a:t>
-            </a:r>
-            <a:r>
-              <a:rPr kumimoji="0" lang="ru-RU" altLang="ru-RU" sz="1800" b="0" i="0" u="none" strike="noStrike" cap="none" normalizeH="0" baseline="0" dirty="0">
-                <a:ln>
-                  <a:noFill/>
-                </a:ln>
-                <a:solidFill>
-                  <a:srgbClr val="CC7832"/>
-                </a:solidFill>
-                <a:effectLst/>
-                <a:latin typeface="JetBrains Mono"/>
-              </a:rPr>
-              <a:t>,</a:t>
-            </a:r>
-            <a:r>
-              <a:rPr kumimoji="0" lang="ru-RU" altLang="ru-RU" sz="1800" b="0" i="0" u="none" strike="noStrike" cap="none" normalizeH="0" baseline="0" dirty="0">
-                <a:ln>
-                  <a:noFill/>
-                </a:ln>
-                <a:solidFill>
-                  <a:srgbClr val="6897BB"/>
-                </a:solidFill>
-                <a:effectLst/>
-                <a:latin typeface="JetBrains Mono"/>
-              </a:rPr>
-              <a:t>2</a:t>
-            </a:r>
-            <a:r>
-              <a:rPr kumimoji="0" lang="ru-RU" altLang="ru-RU" sz="1800" b="0" i="0" u="none" strike="noStrike" cap="none" normalizeH="0" baseline="0" dirty="0">
-                <a:ln>
-                  <a:noFill/>
-                </a:ln>
-                <a:solidFill>
-                  <a:srgbClr val="CC7832"/>
-                </a:solidFill>
-                <a:effectLst/>
-                <a:latin typeface="JetBrains Mono"/>
-              </a:rPr>
-              <a:t>,</a:t>
-            </a:r>
-            <a:r>
-              <a:rPr kumimoji="0" lang="ru-RU" altLang="ru-RU" sz="1800" b="0" i="0" u="none" strike="noStrike" cap="none" normalizeH="0" baseline="0" dirty="0">
-                <a:ln>
-                  <a:noFill/>
-                </a:ln>
-                <a:solidFill>
-                  <a:srgbClr val="6897BB"/>
-                </a:solidFill>
-                <a:effectLst/>
-                <a:latin typeface="JetBrains Mono"/>
-              </a:rPr>
-              <a:t>3</a:t>
-            </a:r>
-            <a:r>
-              <a:rPr kumimoji="0" lang="ru-RU" altLang="ru-RU" sz="1800" b="0" i="0" u="none" strike="noStrike" cap="none" normalizeH="0" baseline="0" dirty="0">
-                <a:ln>
-                  <a:noFill/>
-                </a:ln>
-                <a:solidFill>
-                  <a:srgbClr val="A9B7C6"/>
-                </a:solidFill>
-                <a:effectLst/>
-                <a:latin typeface="JetBrains Mono"/>
-              </a:rPr>
-              <a:t>]</a:t>
-            </a:r>
-            <a:r>
-              <a:rPr kumimoji="0" lang="ru-RU" altLang="ru-RU" sz="1800" b="0" i="0" u="none" strike="noStrike" cap="none" normalizeH="0" baseline="0" dirty="0">
-                <a:ln>
-                  <a:noFill/>
-                </a:ln>
-                <a:solidFill>
-                  <a:srgbClr val="CC7832"/>
-                </a:solidFill>
-                <a:effectLst/>
-                <a:latin typeface="JetBrains Mono"/>
-              </a:rPr>
-              <a:t>;</a:t>
-            </a:r>
-            <a:br>
-              <a:rPr kumimoji="0" lang="ru-RU" altLang="ru-RU" sz="1800" b="0" i="0" u="none" strike="noStrike" cap="none" normalizeH="0" baseline="0" dirty="0">
-                <a:ln>
-                  <a:noFill/>
-                </a:ln>
-                <a:solidFill>
-                  <a:srgbClr val="CC7832"/>
-                </a:solidFill>
-                <a:effectLst/>
-                <a:latin typeface="JetBrains Mono"/>
-              </a:rPr>
-            </a:br>
-            <a:r>
-              <a:rPr kumimoji="0" lang="ru-RU" altLang="ru-RU" sz="1800" b="0" i="0" u="none" strike="noStrike" cap="none" normalizeH="0" baseline="0" dirty="0">
-                <a:ln>
-                  <a:noFill/>
-                </a:ln>
-                <a:solidFill>
-                  <a:srgbClr val="9876AA"/>
-                </a:solidFill>
-                <a:effectLst/>
-                <a:latin typeface="JetBrains Mono"/>
-              </a:rPr>
-              <a:t>$</a:t>
-            </a:r>
-            <a:r>
-              <a:rPr kumimoji="0" lang="ru-RU" altLang="ru-RU" sz="1800" b="0" i="0" u="none" strike="noStrike" cap="none" normalizeH="0" baseline="0" dirty="0" err="1">
-                <a:ln>
-                  <a:noFill/>
-                </a:ln>
-                <a:solidFill>
-                  <a:srgbClr val="9876AA"/>
-                </a:solidFill>
-                <a:effectLst/>
-                <a:latin typeface="JetBrains Mono"/>
-              </a:rPr>
-              <a:t>routingKey</a:t>
-            </a:r>
-            <a:r>
-              <a:rPr kumimoji="0" lang="ru-RU" altLang="ru-RU" sz="1800" b="0" i="0" u="none" strike="noStrike" cap="none" normalizeH="0" baseline="0" dirty="0">
-                <a:ln>
-                  <a:noFill/>
-                </a:ln>
-                <a:solidFill>
-                  <a:srgbClr val="9876AA"/>
-                </a:solidFill>
-                <a:effectLst/>
-                <a:latin typeface="JetBrains Mono"/>
-              </a:rPr>
-              <a:t> </a:t>
-            </a:r>
-            <a:r>
-              <a:rPr kumimoji="0" lang="ru-RU" altLang="ru-RU" sz="1800" b="0" i="0" u="none" strike="noStrike" cap="none" normalizeH="0" baseline="0" dirty="0">
-                <a:ln>
-                  <a:noFill/>
-                </a:ln>
-                <a:solidFill>
-                  <a:srgbClr val="A9B7C6"/>
-                </a:solidFill>
-                <a:effectLst/>
-                <a:latin typeface="JetBrains Mono"/>
-              </a:rPr>
-              <a:t>= </a:t>
-            </a:r>
-            <a:r>
-              <a:rPr kumimoji="0" lang="ru-RU" altLang="ru-RU" sz="1800" b="0" i="0" u="none" strike="noStrike" cap="none" normalizeH="0" baseline="0" dirty="0">
-                <a:ln>
-                  <a:noFill/>
-                </a:ln>
-                <a:solidFill>
-                  <a:srgbClr val="6A8759"/>
-                </a:solidFill>
-                <a:effectLst/>
-                <a:latin typeface="JetBrains Mono"/>
-              </a:rPr>
-              <a:t>'</a:t>
-            </a:r>
-            <a:r>
-              <a:rPr kumimoji="0" lang="ru-RU" altLang="ru-RU" sz="1800" b="0" i="0" u="none" strike="noStrike" cap="none" normalizeH="0" baseline="0" dirty="0" err="1">
-                <a:ln>
-                  <a:noFill/>
-                </a:ln>
-                <a:solidFill>
-                  <a:srgbClr val="6A8759"/>
-                </a:solidFill>
-                <a:effectLst/>
-                <a:latin typeface="JetBrains Mono"/>
-              </a:rPr>
-              <a:t>storage</a:t>
-            </a:r>
-            <a:r>
-              <a:rPr kumimoji="0" lang="ru-RU" altLang="ru-RU" sz="1800" b="0" i="0" u="none" strike="noStrike" cap="none" normalizeH="0" baseline="0" dirty="0">
-                <a:ln>
-                  <a:noFill/>
-                </a:ln>
-                <a:solidFill>
-                  <a:srgbClr val="6A8759"/>
-                </a:solidFill>
-                <a:effectLst/>
-                <a:latin typeface="JetBrains Mono"/>
-              </a:rPr>
-              <a:t>'</a:t>
-            </a:r>
-            <a:r>
-              <a:rPr kumimoji="0" lang="ru-RU" altLang="ru-RU" sz="1800" b="0" i="0" u="none" strike="noStrike" cap="none" normalizeH="0" baseline="0" dirty="0">
-                <a:ln>
-                  <a:noFill/>
-                </a:ln>
-                <a:solidFill>
-                  <a:srgbClr val="CC7832"/>
-                </a:solidFill>
-                <a:effectLst/>
-                <a:latin typeface="JetBrains Mono"/>
-              </a:rPr>
-              <a:t>;</a:t>
-            </a:r>
-            <a:br>
-              <a:rPr kumimoji="0" lang="ru-RU" altLang="ru-RU" sz="1800" b="0" i="0" u="none" strike="noStrike" cap="none" normalizeH="0" baseline="0" dirty="0">
-                <a:ln>
-                  <a:noFill/>
-                </a:ln>
-                <a:solidFill>
-                  <a:srgbClr val="CC7832"/>
-                </a:solidFill>
-                <a:effectLst/>
-                <a:latin typeface="JetBrains Mono"/>
-              </a:rPr>
-            </a:br>
-            <a:r>
-              <a:rPr kumimoji="0" lang="ru-RU" altLang="ru-RU" sz="1800" b="0" i="0" u="none" strike="noStrike" cap="none" normalizeH="0" baseline="0" dirty="0" err="1">
-                <a:ln>
-                  <a:noFill/>
-                </a:ln>
-                <a:effectLst/>
-                <a:latin typeface="JetBrains Mono"/>
-              </a:rPr>
-              <a:t>RabbitMQ</a:t>
-            </a:r>
-            <a:r>
-              <a:rPr kumimoji="0" lang="ru-RU" altLang="ru-RU" sz="1800" b="0" i="0" u="none" strike="noStrike" cap="none" normalizeH="0" baseline="0" dirty="0">
-                <a:ln>
-                  <a:noFill/>
-                </a:ln>
-                <a:solidFill>
-                  <a:srgbClr val="A9B7C6"/>
-                </a:solidFill>
-                <a:effectLst/>
-                <a:latin typeface="JetBrains Mono"/>
-              </a:rPr>
-              <a:t>::</a:t>
-            </a:r>
-            <a:r>
-              <a:rPr kumimoji="0" lang="ru-RU" altLang="ru-RU" sz="1800" b="0" i="1" u="none" strike="noStrike" cap="none" normalizeH="0" baseline="0" dirty="0" err="1">
-                <a:ln>
-                  <a:noFill/>
-                </a:ln>
-                <a:effectLst/>
-                <a:latin typeface="JetBrains Mono"/>
-              </a:rPr>
-              <a:t>sendMessage</a:t>
-            </a:r>
-            <a:r>
-              <a:rPr kumimoji="0" lang="ru-RU" altLang="ru-RU" sz="1800" b="0" i="0" u="none" strike="noStrike" cap="none" normalizeH="0" baseline="0" dirty="0">
-                <a:ln>
-                  <a:noFill/>
-                </a:ln>
-                <a:solidFill>
-                  <a:srgbClr val="A9B7C6"/>
-                </a:solidFill>
-                <a:effectLst/>
-                <a:latin typeface="JetBrains Mono"/>
-              </a:rPr>
-              <a:t>(</a:t>
-            </a:r>
-            <a:r>
-              <a:rPr kumimoji="0" lang="ru-RU" altLang="ru-RU" sz="1800" b="0" i="0" u="none" strike="noStrike" cap="none" normalizeH="0" baseline="0" dirty="0">
-                <a:ln>
-                  <a:noFill/>
-                </a:ln>
-                <a:solidFill>
-                  <a:srgbClr val="9876AA"/>
-                </a:solidFill>
-                <a:effectLst/>
-                <a:latin typeface="JetBrains Mono"/>
-              </a:rPr>
-              <a:t>$</a:t>
-            </a:r>
-            <a:r>
-              <a:rPr kumimoji="0" lang="ru-RU" altLang="ru-RU" sz="1800" b="0" i="0" u="none" strike="noStrike" cap="none" normalizeH="0" baseline="0" dirty="0" err="1">
-                <a:ln>
-                  <a:noFill/>
-                </a:ln>
-                <a:solidFill>
-                  <a:srgbClr val="9876AA"/>
-                </a:solidFill>
-                <a:effectLst/>
-                <a:latin typeface="JetBrains Mono"/>
-              </a:rPr>
-              <a:t>message</a:t>
-            </a:r>
-            <a:r>
-              <a:rPr kumimoji="0" lang="ru-RU" altLang="ru-RU" sz="1800" b="0" i="0" u="none" strike="noStrike" cap="none" normalizeH="0" baseline="0" dirty="0">
-                <a:ln>
-                  <a:noFill/>
-                </a:ln>
-                <a:solidFill>
-                  <a:srgbClr val="CC7832"/>
-                </a:solidFill>
-                <a:effectLst/>
-                <a:latin typeface="JetBrains Mono"/>
-              </a:rPr>
-              <a:t>, </a:t>
-            </a:r>
-            <a:r>
-              <a:rPr kumimoji="0" lang="ru-RU" altLang="ru-RU" sz="1800" b="0" i="0" u="none" strike="noStrike" cap="none" normalizeH="0" baseline="0" dirty="0">
-                <a:ln>
-                  <a:noFill/>
-                </a:ln>
-                <a:solidFill>
-                  <a:srgbClr val="9876AA"/>
-                </a:solidFill>
-                <a:effectLst/>
-                <a:latin typeface="JetBrains Mono"/>
-              </a:rPr>
-              <a:t>$</a:t>
-            </a:r>
-            <a:r>
-              <a:rPr kumimoji="0" lang="ru-RU" altLang="ru-RU" sz="1800" b="0" i="0" u="none" strike="noStrike" cap="none" normalizeH="0" baseline="0" dirty="0" err="1">
-                <a:ln>
-                  <a:noFill/>
-                </a:ln>
-                <a:solidFill>
-                  <a:srgbClr val="9876AA"/>
-                </a:solidFill>
-                <a:effectLst/>
-                <a:latin typeface="JetBrains Mono"/>
-              </a:rPr>
-              <a:t>routingKey</a:t>
-            </a:r>
-            <a:r>
-              <a:rPr kumimoji="0" lang="ru-RU" altLang="ru-RU" sz="1800" b="0" i="0" u="none" strike="noStrike" cap="none" normalizeH="0" baseline="0" dirty="0">
-                <a:ln>
-                  <a:noFill/>
-                </a:ln>
-                <a:solidFill>
-                  <a:srgbClr val="A9B7C6"/>
-                </a:solidFill>
-                <a:effectLst/>
-                <a:latin typeface="JetBrains Mono"/>
-              </a:rPr>
-              <a:t>)</a:t>
-            </a:r>
-            <a:r>
-              <a:rPr kumimoji="0" lang="ru-RU" altLang="ru-RU" sz="1800" b="0" i="0" u="none" strike="noStrike" cap="none" normalizeH="0" baseline="0" dirty="0">
-                <a:ln>
-                  <a:noFill/>
-                </a:ln>
-                <a:solidFill>
-                  <a:srgbClr val="CC7832"/>
-                </a:solidFill>
-                <a:effectLst/>
-                <a:latin typeface="JetBrains Mono"/>
-              </a:rPr>
-              <a:t>;</a:t>
-            </a:r>
-            <a:endParaRPr kumimoji="0" lang="ru-RU" altLang="ru-RU" sz="4000" b="0" i="0" u="none" strike="noStrike" cap="none" normalizeH="0" baseline="0" dirty="0">
-              <a:ln>
-                <a:noFill/>
-              </a:ln>
-              <a:solidFill>
-                <a:schemeClr val="tx1"/>
-              </a:solidFill>
-              <a:effectLst/>
-              <a:latin typeface="Arial" panose="020B0604020202020204" pitchFamily="34" charset="0"/>
-            </a:endParaRPr>
-          </a:p>
-        </p:txBody>
-      </p:sp>
-      <p:sp>
-        <p:nvSpPr>
-          <p:cNvPr id="24" name="TextBox 23">
-            <a:extLst>
-              <a:ext uri="{FF2B5EF4-FFF2-40B4-BE49-F238E27FC236}">
-                <a16:creationId xmlns:a16="http://schemas.microsoft.com/office/drawing/2014/main" id="{1E143942-97E1-9C75-D369-A6A8F1001088}"/>
-              </a:ext>
-            </a:extLst>
-          </p:cNvPr>
-          <p:cNvSpPr txBox="1"/>
-          <p:nvPr/>
-        </p:nvSpPr>
-        <p:spPr>
-          <a:xfrm>
-            <a:off x="5905497" y="3009825"/>
-            <a:ext cx="4905376" cy="369332"/>
-          </a:xfrm>
-          <a:prstGeom prst="rect">
-            <a:avLst/>
-          </a:prstGeom>
-          <a:noFill/>
-        </p:spPr>
-        <p:txBody>
-          <a:bodyPr wrap="square">
-            <a:spAutoFit/>
-          </a:bodyPr>
-          <a:lstStyle/>
-          <a:p>
-            <a:r>
-              <a:rPr lang="ru-RU" b="1" dirty="0"/>
-              <a:t>Отправка сообщений</a:t>
-            </a:r>
-            <a:r>
-              <a:rPr lang="en-US" b="1" dirty="0"/>
-              <a:t>:</a:t>
-            </a:r>
-            <a:endParaRPr lang="ru-RU" dirty="0"/>
-          </a:p>
-        </p:txBody>
-      </p:sp>
-    </p:spTree>
-    <p:extLst>
-      <p:ext uri="{BB962C8B-B14F-4D97-AF65-F5344CB8AC3E}">
-        <p14:creationId xmlns:p14="http://schemas.microsoft.com/office/powerpoint/2010/main" val="1969723512"/>
-      </p:ext>
-    </p:extLst>
-  </p:cSld>
-  <p:clrMapOvr>
-    <a:masterClrMapping/>
-  </p:clrMapOvr>
-  <p:transition spd="slow">
-    <p:push dir="u"/>
-  </p:transition>
 </p:sld>
 </file>
 

--- a/Тютюнов.pptx
+++ b/Тютюнов.pptx
@@ -6189,7 +6189,7 @@
         </p:nvSpPr>
         <p:spPr>
           <a:xfrm>
-            <a:off x="1219201" y="133351"/>
+            <a:off x="1190626" y="552792"/>
             <a:ext cx="10086975" cy="647700"/>
           </a:xfrm>
         </p:spPr>
@@ -6224,7 +6224,7 @@
         </p:nvSpPr>
         <p:spPr>
           <a:xfrm>
-            <a:off x="609601" y="1628522"/>
+            <a:off x="600076" y="2123822"/>
             <a:ext cx="4124324" cy="369332"/>
           </a:xfrm>
           <a:prstGeom prst="rect">
@@ -6264,7 +6264,7 @@
         </p:nvSpPr>
         <p:spPr>
           <a:xfrm>
-            <a:off x="609601" y="1998762"/>
+            <a:off x="600076" y="2494062"/>
             <a:ext cx="4733924" cy="3693319"/>
           </a:xfrm>
           <a:prstGeom prst="rect">
@@ -7209,7 +7209,7 @@
         </p:nvSpPr>
         <p:spPr>
           <a:xfrm>
-            <a:off x="5905496" y="1632214"/>
+            <a:off x="5895971" y="2127514"/>
             <a:ext cx="4905376" cy="369332"/>
           </a:xfrm>
           <a:prstGeom prst="rect">
@@ -7249,7 +7249,7 @@
         </p:nvSpPr>
         <p:spPr>
           <a:xfrm>
-            <a:off x="5905496" y="1997854"/>
+            <a:off x="5895971" y="2493154"/>
             <a:ext cx="4905376" cy="646331"/>
           </a:xfrm>
           <a:prstGeom prst="rect">
@@ -7525,7 +7525,7 @@
         </p:nvSpPr>
         <p:spPr>
           <a:xfrm>
-            <a:off x="5905496" y="3379157"/>
+            <a:off x="5895971" y="3874457"/>
             <a:ext cx="4905377" cy="923330"/>
           </a:xfrm>
           <a:prstGeom prst="rect">
@@ -7995,7 +7995,7 @@
         </p:nvSpPr>
         <p:spPr>
           <a:xfrm>
-            <a:off x="5905497" y="3009825"/>
+            <a:off x="5895972" y="3505125"/>
             <a:ext cx="4905376" cy="369332"/>
           </a:xfrm>
           <a:prstGeom prst="rect">
@@ -8257,7 +8257,7 @@
         </p:nvSpPr>
         <p:spPr>
           <a:xfrm>
-            <a:off x="1128711" y="779443"/>
+            <a:off x="1185861" y="557363"/>
             <a:ext cx="10086975" cy="1133475"/>
           </a:xfrm>
         </p:spPr>
@@ -8269,19 +8269,19 @@
           <a:p>
             <a:pPr algn="ctr"/>
             <a:r>
-              <a:rPr lang="ru-RU" dirty="0">
+              <a:rPr lang="ru-RU" sz="3600" dirty="0">
                 <a:latin typeface="Times New Roman" panose="02020603050405020304" pitchFamily="18" charset="0"/>
                 <a:cs typeface="Times New Roman" panose="02020603050405020304" pitchFamily="18" charset="0"/>
               </a:rPr>
               <a:t>Результат использования веб-библиотеки для кеширования работы программных алгоритмов</a:t>
             </a:r>
             <a:br>
-              <a:rPr lang="ru-RU" dirty="0">
+              <a:rPr lang="ru-RU" sz="3600" dirty="0">
                 <a:latin typeface="Times New Roman" panose="02020603050405020304" pitchFamily="18" charset="0"/>
                 <a:cs typeface="Times New Roman" panose="02020603050405020304" pitchFamily="18" charset="0"/>
               </a:rPr>
             </a:br>
-            <a:endParaRPr lang="ru-RU" dirty="0">
+            <a:endParaRPr lang="ru-RU" sz="3600" dirty="0">
               <a:latin typeface="Times New Roman" panose="02020603050405020304" pitchFamily="18" charset="0"/>
               <a:cs typeface="Times New Roman" panose="02020603050405020304" pitchFamily="18" charset="0"/>
             </a:endParaRPr>
@@ -8303,13 +8303,13 @@
           <p:nvPr>
             <p:extLst>
               <p:ext uri="{D42A27DB-BD31-4B8C-83A1-F6EECF244321}">
-                <p14:modId xmlns:p14="http://schemas.microsoft.com/office/powerpoint/2010/main" val="1092674762"/>
+                <p14:modId xmlns:p14="http://schemas.microsoft.com/office/powerpoint/2010/main" val="3579514920"/>
               </p:ext>
             </p:extLst>
           </p:nvPr>
         </p:nvGraphicFramePr>
         <p:xfrm>
-          <a:off x="2286000" y="2238375"/>
+          <a:off x="2247900" y="1924050"/>
           <a:ext cx="3472524" cy="3608108"/>
         </p:xfrm>
         <a:graphic>
@@ -8333,13 +8333,13 @@
           <p:nvPr>
             <p:extLst>
               <p:ext uri="{D42A27DB-BD31-4B8C-83A1-F6EECF244321}">
-                <p14:modId xmlns:p14="http://schemas.microsoft.com/office/powerpoint/2010/main" val="3700931820"/>
+                <p14:modId xmlns:p14="http://schemas.microsoft.com/office/powerpoint/2010/main" val="1001341064"/>
               </p:ext>
             </p:extLst>
           </p:nvPr>
         </p:nvGraphicFramePr>
         <p:xfrm>
-          <a:off x="6325931" y="2238374"/>
+          <a:off x="6287831" y="1924049"/>
           <a:ext cx="3352253" cy="3608108"/>
         </p:xfrm>
         <a:graphic>
@@ -8362,7 +8362,7 @@
         </p:nvSpPr>
         <p:spPr>
           <a:xfrm>
-            <a:off x="4878655" y="6036679"/>
+            <a:off x="4806138" y="5765368"/>
             <a:ext cx="2963386" cy="954107"/>
           </a:xfrm>
           <a:prstGeom prst="rect">
@@ -13939,7 +13939,7 @@
         </p:nvSpPr>
         <p:spPr>
           <a:xfrm>
-            <a:off x="1052511" y="86456"/>
+            <a:off x="1052512" y="364927"/>
             <a:ext cx="10086975" cy="1019175"/>
           </a:xfrm>
         </p:spPr>
@@ -13979,7 +13979,7 @@
         </p:nvSpPr>
         <p:spPr>
           <a:xfrm>
-            <a:off x="1404937" y="3687132"/>
+            <a:off x="1404937" y="4239582"/>
             <a:ext cx="10396537" cy="2031325"/>
           </a:xfrm>
           <a:prstGeom prst="rect">
@@ -14128,7 +14128,7 @@
         </p:nvGrpSpPr>
         <p:grpSpPr>
           <a:xfrm>
-            <a:off x="1404937" y="1476411"/>
+            <a:off x="1404937" y="2028861"/>
             <a:ext cx="9555047" cy="1599472"/>
             <a:chOff x="1404937" y="1228761"/>
             <a:chExt cx="9555047" cy="1599472"/>

--- a/Тютюнов.pptx
+++ b/Тютюнов.pptx
@@ -8108,7 +8108,7 @@
         <p:spPr>
           <a:xfrm>
             <a:off x="1466850" y="1800225"/>
-            <a:ext cx="10086975" cy="1711366"/>
+            <a:ext cx="10086975" cy="2120068"/>
           </a:xfrm>
           <a:prstGeom prst="rect">
             <a:avLst/>
@@ -8176,6 +8176,32 @@
                 <a:cs typeface="Times New Roman" panose="02020603050405020304" pitchFamily="18" charset="0"/>
               </a:rPr>
               <a:t>Более 10 000 активных пользователей в сутки</a:t>
+            </a:r>
+            <a:r>
+              <a:rPr lang="en-US" dirty="0">
+                <a:latin typeface="Times New Roman" panose="02020603050405020304" pitchFamily="18" charset="0"/>
+                <a:cs typeface="Times New Roman" panose="02020603050405020304" pitchFamily="18" charset="0"/>
+              </a:rPr>
+              <a:t>;</a:t>
+            </a:r>
+            <a:endParaRPr lang="ru-RU" dirty="0">
+              <a:latin typeface="Times New Roman" panose="02020603050405020304" pitchFamily="18" charset="0"/>
+              <a:cs typeface="Times New Roman" panose="02020603050405020304" pitchFamily="18" charset="0"/>
+            </a:endParaRPr>
+          </a:p>
+          <a:p>
+            <a:pPr marL="342900" indent="-342900">
+              <a:lnSpc>
+                <a:spcPct val="150000"/>
+              </a:lnSpc>
+              <a:buAutoNum type="arabicPeriod"/>
+            </a:pPr>
+            <a:r>
+              <a:rPr lang="ru-RU" dirty="0">
+                <a:latin typeface="Times New Roman" panose="02020603050405020304" pitchFamily="18" charset="0"/>
+                <a:cs typeface="Times New Roman" panose="02020603050405020304" pitchFamily="18" charset="0"/>
+              </a:rPr>
+              <a:t>Содержит информацию о наличии и ценах товаров в 63 розничных магазинах по всех России</a:t>
             </a:r>
             <a:r>
               <a:rPr lang="en-US" dirty="0">

--- a/Тютюнов.pptx
+++ b/Тютюнов.pptx
@@ -10535,7 +10535,7 @@
         <p:spPr>
           <a:xfrm>
             <a:off x="676275" y="1409700"/>
-            <a:ext cx="10839450" cy="2535566"/>
+            <a:ext cx="10839450" cy="2120068"/>
           </a:xfrm>
           <a:prstGeom prst="rect">
             <a:avLst/>
@@ -10554,55 +10554,7 @@
               </a:lnSpc>
             </a:pPr>
             <a:r>
-              <a:rPr lang="ru-RU" dirty="0">
-                <a:latin typeface="Times New Roman" panose="02020603050405020304" pitchFamily="18" charset="0"/>
-                <a:cs typeface="Times New Roman" panose="02020603050405020304" pitchFamily="18" charset="0"/>
-              </a:rPr>
-              <a:t>Тема</a:t>
-            </a:r>
-            <a:r>
-              <a:rPr lang="en-US" dirty="0">
-                <a:latin typeface="Times New Roman" panose="02020603050405020304" pitchFamily="18" charset="0"/>
-                <a:cs typeface="Times New Roman" panose="02020603050405020304" pitchFamily="18" charset="0"/>
-              </a:rPr>
-              <a:t>: </a:t>
-            </a:r>
-            <a:r>
-              <a:rPr lang="ru-RU" sz="1800" dirty="0">
-                <a:latin typeface="Times New Roman" panose="02020603050405020304" pitchFamily="18" charset="0"/>
-                <a:cs typeface="Times New Roman" panose="02020603050405020304" pitchFamily="18" charset="0"/>
-              </a:rPr>
-              <a:t>«Р</a:t>
-            </a:r>
-            <a:r>
-              <a:rPr lang="ru-RU" dirty="0">
-                <a:latin typeface="Times New Roman" panose="02020603050405020304" pitchFamily="18" charset="0"/>
-                <a:cs typeface="Times New Roman" panose="02020603050405020304" pitchFamily="18" charset="0"/>
-              </a:rPr>
-              <a:t>азработка методов оптимизации взаимодействия веб-сайта с базой данных</a:t>
-            </a:r>
-            <a:r>
-              <a:rPr lang="ru-RU" sz="1800" dirty="0">
-                <a:latin typeface="Times New Roman" panose="02020603050405020304" pitchFamily="18" charset="0"/>
-                <a:cs typeface="Times New Roman" panose="02020603050405020304" pitchFamily="18" charset="0"/>
-              </a:rPr>
-              <a:t>».</a:t>
-            </a:r>
-            <a:endParaRPr lang="en-US" dirty="0">
-              <a:effectLst/>
-              <a:latin typeface="Times New Roman" panose="02020603050405020304" pitchFamily="18" charset="0"/>
-              <a:ea typeface="Times New Roman" panose="02020603050405020304" pitchFamily="18" charset="0"/>
-              <a:cs typeface="Times New Roman" panose="02020603050405020304" pitchFamily="18" charset="0"/>
-            </a:endParaRPr>
-          </a:p>
-          <a:p>
-            <a:pPr>
-              <a:lnSpc>
-                <a:spcPct val="150000"/>
-              </a:lnSpc>
-            </a:pPr>
-            <a:r>
-              <a:rPr lang="ru-RU" dirty="0">
+              <a:rPr lang="ru-RU">
                 <a:effectLst/>
                 <a:latin typeface="Times New Roman" panose="02020603050405020304" pitchFamily="18" charset="0"/>
                 <a:ea typeface="Times New Roman" panose="02020603050405020304" pitchFamily="18" charset="0"/>

--- a/Тютюнов.pptx
+++ b/Тютюнов.pptx
@@ -10535,7 +10535,7 @@
         <p:spPr>
           <a:xfrm>
             <a:off x="676275" y="1409700"/>
-            <a:ext cx="10839450" cy="2120068"/>
+            <a:ext cx="10839450" cy="2984407"/>
           </a:xfrm>
           <a:prstGeom prst="rect">
             <a:avLst/>
@@ -10554,7 +10554,7 @@
               </a:lnSpc>
             </a:pPr>
             <a:r>
-              <a:rPr lang="ru-RU">
+              <a:rPr lang="ru-RU" dirty="0">
                 <a:effectLst/>
                 <a:latin typeface="Times New Roman" panose="02020603050405020304" pitchFamily="18" charset="0"/>
                 <a:ea typeface="Times New Roman" panose="02020603050405020304" pitchFamily="18" charset="0"/>
@@ -10627,89 +10627,94 @@
             </a:r>
           </a:p>
           <a:p>
-            <a:pPr marL="800100" lvl="1" indent="-342900">
+            <a:pPr marL="342900" lvl="0" indent="-342900">
               <a:lnSpc>
                 <a:spcPct val="150000"/>
               </a:lnSpc>
+              <a:spcBef>
+                <a:spcPts val="720"/>
+              </a:spcBef>
+              <a:spcAft>
+                <a:spcPts val="720"/>
+              </a:spcAft>
               <a:buFont typeface="+mj-lt"/>
               <a:buAutoNum type="arabicPeriod"/>
             </a:pPr>
             <a:r>
-              <a:rPr lang="ru-RU" kern="150" dirty="0">
+              <a:rPr lang="ru-RU" sz="1800" kern="150" dirty="0">
                 <a:effectLst/>
                 <a:latin typeface="Times New Roman" panose="02020603050405020304" pitchFamily="18" charset="0"/>
                 <a:ea typeface="SimSun" panose="02010600030101010101" pitchFamily="2" charset="-122"/>
-                <a:cs typeface="Times New Roman" panose="02020603050405020304" pitchFamily="18" charset="0"/>
-              </a:rPr>
-              <a:t>Рассмотреть встроенные в современные СУБД инструменты оптимизации работы с базой данных;</a:t>
-            </a:r>
-          </a:p>
-          <a:p>
-            <a:pPr marL="800100" lvl="1" indent="-342900">
+                <a:cs typeface="Lohit Devanagari"/>
+              </a:rPr>
+              <a:t>Изучить операции взаимодействия с базой данных;</a:t>
+            </a:r>
+            <a:endParaRPr lang="ru-RU" sz="1800" kern="150" dirty="0">
+              <a:effectLst/>
+              <a:latin typeface="Liberation Serif"/>
+              <a:ea typeface="SimSun" panose="02010600030101010101" pitchFamily="2" charset="-122"/>
+              <a:cs typeface="Lohit Devanagari"/>
+            </a:endParaRPr>
+          </a:p>
+          <a:p>
+            <a:pPr marL="342900" lvl="0" indent="-342900">
               <a:lnSpc>
                 <a:spcPct val="150000"/>
               </a:lnSpc>
+              <a:spcBef>
+                <a:spcPts val="720"/>
+              </a:spcBef>
+              <a:spcAft>
+                <a:spcPts val="720"/>
+              </a:spcAft>
               <a:buFont typeface="+mj-lt"/>
               <a:buAutoNum type="arabicPeriod"/>
             </a:pPr>
             <a:r>
-              <a:rPr lang="ru-RU" dirty="0">
-                <a:effectLst/>
-                <a:latin typeface="Times New Roman" panose="02020603050405020304" pitchFamily="18" charset="0"/>
-                <a:ea typeface="Calibri" panose="020F0502020204030204" pitchFamily="34" charset="0"/>
-                <a:cs typeface="Times New Roman" panose="02020603050405020304" pitchFamily="18" charset="0"/>
-              </a:rPr>
-              <a:t>Описать общие рекомендации по написанию эффективных </a:t>
-            </a:r>
-            <a:r>
-              <a:rPr lang="en-US" dirty="0">
-                <a:effectLst/>
-                <a:latin typeface="Times New Roman" panose="02020603050405020304" pitchFamily="18" charset="0"/>
-                <a:ea typeface="Calibri" panose="020F0502020204030204" pitchFamily="34" charset="0"/>
-                <a:cs typeface="Times New Roman" panose="02020603050405020304" pitchFamily="18" charset="0"/>
-              </a:rPr>
-              <a:t>SQL</a:t>
-            </a:r>
-            <a:r>
-              <a:rPr lang="ru-RU" dirty="0">
-                <a:effectLst/>
-                <a:latin typeface="Times New Roman" panose="02020603050405020304" pitchFamily="18" charset="0"/>
-                <a:ea typeface="Calibri" panose="020F0502020204030204" pitchFamily="34" charset="0"/>
-                <a:cs typeface="Times New Roman" panose="02020603050405020304" pitchFamily="18" charset="0"/>
-              </a:rPr>
-              <a:t> запросов;</a:t>
-            </a:r>
-            <a:endParaRPr lang="en-US" dirty="0">
+              <a:rPr lang="ru-RU" sz="1800" kern="150" dirty="0">
+                <a:effectLst/>
+                <a:latin typeface="Times New Roman" panose="02020603050405020304" pitchFamily="18" charset="0"/>
+                <a:ea typeface="SimSun" panose="02010600030101010101" pitchFamily="2" charset="-122"/>
+                <a:cs typeface="Lohit Devanagari"/>
+              </a:rPr>
+              <a:t>Изучить методы оптимизации взаимодействия с базой данных;</a:t>
+            </a:r>
+            <a:endParaRPr lang="ru-RU" sz="1800" kern="150" dirty="0">
               <a:effectLst/>
-              <a:latin typeface="Times New Roman" panose="02020603050405020304" pitchFamily="18" charset="0"/>
-              <a:ea typeface="Calibri" panose="020F0502020204030204" pitchFamily="34" charset="0"/>
-              <a:cs typeface="Times New Roman" panose="02020603050405020304" pitchFamily="18" charset="0"/>
+              <a:latin typeface="Liberation Serif"/>
+              <a:ea typeface="SimSun" panose="02010600030101010101" pitchFamily="2" charset="-122"/>
+              <a:cs typeface="Lohit Devanagari"/>
             </a:endParaRPr>
           </a:p>
           <a:p>
-            <a:pPr marL="800100" lvl="1" indent="-342900">
+            <a:pPr marL="342900" lvl="0" indent="-342900">
               <a:lnSpc>
                 <a:spcPct val="150000"/>
               </a:lnSpc>
+              <a:spcBef>
+                <a:spcPts val="720"/>
+              </a:spcBef>
+              <a:spcAft>
+                <a:spcPts val="720"/>
+              </a:spcAft>
               <a:buFont typeface="+mj-lt"/>
               <a:buAutoNum type="arabicPeriod"/>
             </a:pPr>
             <a:r>
-              <a:rPr lang="ru-RU" dirty="0">
-                <a:latin typeface="Times New Roman" panose="02020603050405020304" pitchFamily="18" charset="0"/>
-                <a:ea typeface="Times New Roman" panose="02020603050405020304" pitchFamily="18" charset="0"/>
-                <a:cs typeface="Times New Roman" panose="02020603050405020304" pitchFamily="18" charset="0"/>
-              </a:rPr>
-              <a:t>Разработать веб-библиотеки для оптимизации взаимодействия с базой данных</a:t>
-            </a:r>
-            <a:r>
-              <a:rPr lang="en-US" dirty="0">
-                <a:latin typeface="Times New Roman" panose="02020603050405020304" pitchFamily="18" charset="0"/>
-                <a:ea typeface="Times New Roman" panose="02020603050405020304" pitchFamily="18" charset="0"/>
-                <a:cs typeface="Times New Roman" panose="02020603050405020304" pitchFamily="18" charset="0"/>
-              </a:rPr>
-              <a:t>;</a:t>
-            </a:r>
+              <a:rPr lang="ru-RU" sz="1800" kern="150">
+                <a:effectLst/>
+                <a:latin typeface="Times New Roman" panose="02020603050405020304" pitchFamily="18" charset="0"/>
+                <a:ea typeface="SimSun" panose="02010600030101010101" pitchFamily="2" charset="-122"/>
+                <a:cs typeface="Lohit Devanagari"/>
+              </a:rPr>
+              <a:t>Разработать веб-библиотеки, реализующие методы оптимизации взаимодействия веб-сайта с базой данных.</a:t>
+            </a:r>
+            <a:endParaRPr lang="ru-RU" sz="1800" kern="150">
+              <a:effectLst/>
+              <a:latin typeface="Liberation Serif"/>
+              <a:ea typeface="SimSun" panose="02010600030101010101" pitchFamily="2" charset="-122"/>
+              <a:cs typeface="Lohit Devanagari"/>
+            </a:endParaRPr>
           </a:p>
         </p:txBody>
       </p:sp>

--- a/Тютюнов.pptx
+++ b/Тютюнов.pptx
@@ -23,7 +23,7 @@
     <p:sldId id="305" r:id="rId14"/>
     <p:sldId id="327" r:id="rId15"/>
     <p:sldId id="317" r:id="rId16"/>
-    <p:sldId id="323" r:id="rId17"/>
+    <p:sldId id="330" r:id="rId17"/>
   </p:sldIdLst>
   <p:sldSz cx="12192000" cy="6858000"/>
   <p:notesSz cx="6858000" cy="9144000"/>
@@ -142,7 +142,7 @@
             <p14:sldId id="305"/>
             <p14:sldId id="327"/>
             <p14:sldId id="317"/>
-            <p14:sldId id="323"/>
+            <p14:sldId id="330"/>
           </p14:sldIdLst>
         </p14:section>
       </p14:sectionLst>
@@ -2117,7 +2117,7 @@
           <a:p>
             <a:fld id="{F4A7F22F-897C-4E15-A410-A45F99DB4D79}" type="datetimeFigureOut">
               <a:rPr lang="ru-RU" smtClean="0"/>
-              <a:t>25.06.2022</a:t>
+              <a:t>06.07.2022</a:t>
             </a:fld>
             <a:endParaRPr lang="ru-RU"/>
           </a:p>
@@ -2616,7 +2616,7 @@
             <a:fld id="{B61BEF0D-F0BB-DE4B-95CE-6DB70DBA9567}" type="datetimeFigureOut">
               <a:rPr lang="en-US" smtClean="0"/>
               <a:pPr/>
-              <a:t>6/25/2022</a:t>
+              <a:t>7/6/2022</a:t>
             </a:fld>
             <a:endParaRPr lang="en-US" dirty="0"/>
           </a:p>
@@ -2816,7 +2816,7 @@
             <a:fld id="{B61BEF0D-F0BB-DE4B-95CE-6DB70DBA9567}" type="datetimeFigureOut">
               <a:rPr lang="en-US" smtClean="0"/>
               <a:pPr/>
-              <a:t>6/25/2022</a:t>
+              <a:t>7/6/2022</a:t>
             </a:fld>
             <a:endParaRPr lang="en-US" dirty="0"/>
           </a:p>
@@ -3026,7 +3026,7 @@
             <a:fld id="{B61BEF0D-F0BB-DE4B-95CE-6DB70DBA9567}" type="datetimeFigureOut">
               <a:rPr lang="en-US" smtClean="0"/>
               <a:pPr/>
-              <a:t>6/25/2022</a:t>
+              <a:t>7/6/2022</a:t>
             </a:fld>
             <a:endParaRPr lang="en-US" dirty="0"/>
           </a:p>
@@ -3226,7 +3226,7 @@
             <a:fld id="{B61BEF0D-F0BB-DE4B-95CE-6DB70DBA9567}" type="datetimeFigureOut">
               <a:rPr lang="en-US" smtClean="0"/>
               <a:pPr/>
-              <a:t>6/25/2022</a:t>
+              <a:t>7/6/2022</a:t>
             </a:fld>
             <a:endParaRPr lang="en-US" dirty="0"/>
           </a:p>
@@ -3503,7 +3503,7 @@
             <a:fld id="{B61BEF0D-F0BB-DE4B-95CE-6DB70DBA9567}" type="datetimeFigureOut">
               <a:rPr lang="en-US" smtClean="0"/>
               <a:pPr/>
-              <a:t>6/25/2022</a:t>
+              <a:t>7/6/2022</a:t>
             </a:fld>
             <a:endParaRPr lang="en-US" dirty="0"/>
           </a:p>
@@ -3770,7 +3770,7 @@
             <a:fld id="{B61BEF0D-F0BB-DE4B-95CE-6DB70DBA9567}" type="datetimeFigureOut">
               <a:rPr lang="en-US" smtClean="0"/>
               <a:pPr/>
-              <a:t>6/25/2022</a:t>
+              <a:t>7/6/2022</a:t>
             </a:fld>
             <a:endParaRPr lang="en-US" dirty="0"/>
           </a:p>
@@ -4184,7 +4184,7 @@
             <a:fld id="{B61BEF0D-F0BB-DE4B-95CE-6DB70DBA9567}" type="datetimeFigureOut">
               <a:rPr lang="en-US" smtClean="0"/>
               <a:pPr/>
-              <a:t>6/25/2022</a:t>
+              <a:t>7/6/2022</a:t>
             </a:fld>
             <a:endParaRPr lang="en-US" dirty="0"/>
           </a:p>
@@ -4327,7 +4327,7 @@
             <a:fld id="{B61BEF0D-F0BB-DE4B-95CE-6DB70DBA9567}" type="datetimeFigureOut">
               <a:rPr lang="en-US" smtClean="0"/>
               <a:pPr/>
-              <a:t>6/25/2022</a:t>
+              <a:t>7/6/2022</a:t>
             </a:fld>
             <a:endParaRPr lang="en-US" dirty="0"/>
           </a:p>
@@ -4442,7 +4442,7 @@
             <a:fld id="{B61BEF0D-F0BB-DE4B-95CE-6DB70DBA9567}" type="datetimeFigureOut">
               <a:rPr lang="en-US" smtClean="0"/>
               <a:pPr/>
-              <a:t>6/25/2022</a:t>
+              <a:t>7/6/2022</a:t>
             </a:fld>
             <a:endParaRPr lang="en-US" dirty="0"/>
           </a:p>
@@ -4755,7 +4755,7 @@
             <a:fld id="{B61BEF0D-F0BB-DE4B-95CE-6DB70DBA9567}" type="datetimeFigureOut">
               <a:rPr lang="en-US" smtClean="0"/>
               <a:pPr/>
-              <a:t>6/25/2022</a:t>
+              <a:t>7/6/2022</a:t>
             </a:fld>
             <a:endParaRPr lang="en-US" dirty="0"/>
           </a:p>
@@ -5045,7 +5045,7 @@
             <a:fld id="{B61BEF0D-F0BB-DE4B-95CE-6DB70DBA9567}" type="datetimeFigureOut">
               <a:rPr lang="en-US" smtClean="0"/>
               <a:pPr/>
-              <a:t>6/25/2022</a:t>
+              <a:t>7/6/2022</a:t>
             </a:fld>
             <a:endParaRPr lang="en-US" dirty="0"/>
           </a:p>
@@ -5288,7 +5288,7 @@
             <a:fld id="{B61BEF0D-F0BB-DE4B-95CE-6DB70DBA9567}" type="datetimeFigureOut">
               <a:rPr lang="en-US" smtClean="0"/>
               <a:pPr/>
-              <a:t>6/25/2022</a:t>
+              <a:t>7/6/2022</a:t>
             </a:fld>
             <a:endParaRPr lang="en-US" dirty="0"/>
           </a:p>
@@ -5745,8 +5745,8 @@
         </p:nvSpPr>
         <p:spPr>
           <a:xfrm flipH="1">
-            <a:off x="1951671" y="303530"/>
-            <a:ext cx="8288656" cy="1200329"/>
+            <a:off x="1951671" y="178812"/>
+            <a:ext cx="8288656" cy="2431820"/>
           </a:xfrm>
           <a:prstGeom prst="rect">
             <a:avLst/>
@@ -5759,66 +5759,111 @@
           </a:bodyPr>
           <a:lstStyle/>
           <a:p>
-            <a:pPr algn="ctr"/>
-            <a:r>
-              <a:rPr lang="ru-RU" dirty="0">
-                <a:latin typeface="Times New Roman" panose="02020603050405020304" pitchFamily="18" charset="0"/>
-                <a:cs typeface="Times New Roman" panose="02020603050405020304" pitchFamily="18" charset="0"/>
-              </a:rPr>
-              <a:t>Федеральное государственное бюджетное образовательное учреждение высшего образования </a:t>
-            </a:r>
-            <a:r>
-              <a:rPr lang="en-US" b="0" i="0" dirty="0">
-                <a:effectLst/>
-                <a:latin typeface="Times New Roman" panose="02020603050405020304" pitchFamily="18" charset="0"/>
-                <a:cs typeface="Times New Roman" panose="02020603050405020304" pitchFamily="18" charset="0"/>
-              </a:rPr>
-              <a:t> «</a:t>
-            </a:r>
-            <a:r>
-              <a:rPr lang="ru-RU" b="0" i="0" dirty="0">
-                <a:effectLst/>
-                <a:latin typeface="Times New Roman" panose="02020603050405020304" pitchFamily="18" charset="0"/>
-                <a:cs typeface="Times New Roman" panose="02020603050405020304" pitchFamily="18" charset="0"/>
-              </a:rPr>
-              <a:t>Орловский государственный университет И.С. Тургенева</a:t>
-            </a:r>
-            <a:r>
-              <a:rPr lang="en-US" b="0" i="0" dirty="0">
-                <a:effectLst/>
-                <a:latin typeface="Times New Roman" panose="02020603050405020304" pitchFamily="18" charset="0"/>
-                <a:cs typeface="Times New Roman" panose="02020603050405020304" pitchFamily="18" charset="0"/>
-              </a:rPr>
-              <a:t>»</a:t>
-            </a:r>
-            <a:r>
-              <a:rPr lang="ru-RU" b="0" i="0" dirty="0">
-                <a:effectLst/>
-                <a:latin typeface="Times New Roman" panose="02020603050405020304" pitchFamily="18" charset="0"/>
-                <a:cs typeface="Times New Roman" panose="02020603050405020304" pitchFamily="18" charset="0"/>
-              </a:rPr>
-              <a:t> </a:t>
-            </a:r>
-          </a:p>
-          <a:p>
-            <a:pPr algn="ctr"/>
-            <a:r>
-              <a:rPr lang="ru-RU" b="0" i="0" dirty="0">
-                <a:effectLst/>
-                <a:latin typeface="Times New Roman" panose="02020603050405020304" pitchFamily="18" charset="0"/>
-                <a:cs typeface="Times New Roman" panose="02020603050405020304" pitchFamily="18" charset="0"/>
-              </a:rPr>
-              <a:t>Физико-математический факультет</a:t>
-            </a:r>
-          </a:p>
-          <a:p>
-            <a:pPr algn="ctr"/>
-            <a:r>
-              <a:rPr lang="ru-RU" dirty="0">
-                <a:latin typeface="Times New Roman" panose="02020603050405020304" pitchFamily="18" charset="0"/>
-                <a:cs typeface="Times New Roman" panose="02020603050405020304" pitchFamily="18" charset="0"/>
-              </a:rPr>
-              <a:t>Кафедра информатики</a:t>
+            <a:pPr algn="ctr">
+              <a:lnSpc>
+                <a:spcPct val="107000"/>
+              </a:lnSpc>
+              <a:spcAft>
+                <a:spcPts val="800"/>
+              </a:spcAft>
+            </a:pPr>
+            <a:r>
+              <a:rPr lang="ru-RU" sz="1600" dirty="0">
+                <a:effectLst/>
+                <a:latin typeface="Times New Roman" panose="02020603050405020304" pitchFamily="18" charset="0"/>
+                <a:ea typeface="Calibri" panose="020F0502020204030204" pitchFamily="34" charset="0"/>
+              </a:rPr>
+              <a:t>МИНИСТЕРСТВО НАУКИ И ВЫСШЕГО ОБРАЗОВАНИЯ </a:t>
+            </a:r>
+          </a:p>
+          <a:p>
+            <a:pPr algn="ctr">
+              <a:lnSpc>
+                <a:spcPct val="107000"/>
+              </a:lnSpc>
+              <a:spcAft>
+                <a:spcPts val="800"/>
+              </a:spcAft>
+            </a:pPr>
+            <a:r>
+              <a:rPr lang="ru-RU" sz="1600" dirty="0">
+                <a:effectLst/>
+                <a:latin typeface="Times New Roman" panose="02020603050405020304" pitchFamily="18" charset="0"/>
+                <a:ea typeface="Calibri" panose="020F0502020204030204" pitchFamily="34" charset="0"/>
+              </a:rPr>
+              <a:t>РОССИЙСКОЙ ФЕДЕРАЦИИ</a:t>
+            </a:r>
+          </a:p>
+          <a:p>
+            <a:pPr algn="ctr">
+              <a:lnSpc>
+                <a:spcPct val="107000"/>
+              </a:lnSpc>
+              <a:spcAft>
+                <a:spcPts val="800"/>
+              </a:spcAft>
+            </a:pPr>
+            <a:r>
+              <a:rPr lang="ru-RU" sz="1600" dirty="0">
+                <a:effectLst/>
+                <a:latin typeface="Times New Roman" panose="02020603050405020304" pitchFamily="18" charset="0"/>
+                <a:ea typeface="Calibri" panose="020F0502020204030204" pitchFamily="34" charset="0"/>
+              </a:rPr>
+              <a:t> </a:t>
+            </a:r>
+          </a:p>
+          <a:p>
+            <a:pPr algn="ctr">
+              <a:lnSpc>
+                <a:spcPct val="107000"/>
+              </a:lnSpc>
+              <a:spcAft>
+                <a:spcPts val="800"/>
+              </a:spcAft>
+            </a:pPr>
+            <a:r>
+              <a:rPr lang="ru-RU" sz="1600" dirty="0">
+                <a:effectLst/>
+                <a:latin typeface="Times New Roman" panose="02020603050405020304" pitchFamily="18" charset="0"/>
+                <a:ea typeface="Calibri" panose="020F0502020204030204" pitchFamily="34" charset="0"/>
+              </a:rPr>
+              <a:t>ФЕДЕРАЛЬНОЕ ГОСУДАРСТВЕННОЕ БЮДЖЕТНОЕ ОБРАЗОВАТЕЛЬНОЕ УЧРЕЖДЕНИЕ ВЫСШЕГО ОБРАЗОВАНИЯ</a:t>
+            </a:r>
+          </a:p>
+          <a:p>
+            <a:pPr algn="ctr">
+              <a:lnSpc>
+                <a:spcPct val="107000"/>
+              </a:lnSpc>
+              <a:spcAft>
+                <a:spcPts val="800"/>
+              </a:spcAft>
+            </a:pPr>
+            <a:r>
+              <a:rPr lang="ru-RU" sz="1600" dirty="0">
+                <a:effectLst/>
+                <a:latin typeface="Times New Roman" panose="02020603050405020304" pitchFamily="18" charset="0"/>
+                <a:ea typeface="Calibri" panose="020F0502020204030204" pitchFamily="34" charset="0"/>
+              </a:rPr>
+              <a:t>«ОРЛОВСКИЙ ГОСУДАРСТВЕННЫЙ УНИВЕРСИТЕТ </a:t>
+            </a:r>
+          </a:p>
+          <a:p>
+            <a:pPr algn="ctr">
+              <a:lnSpc>
+                <a:spcPct val="107000"/>
+              </a:lnSpc>
+              <a:spcAft>
+                <a:spcPts val="800"/>
+              </a:spcAft>
+            </a:pPr>
+            <a:r>
+              <a:rPr lang="ru-RU" sz="1600" dirty="0">
+                <a:effectLst/>
+                <a:latin typeface="Times New Roman" panose="02020603050405020304" pitchFamily="18" charset="0"/>
+                <a:ea typeface="Calibri" panose="020F0502020204030204" pitchFamily="34" charset="0"/>
+              </a:rPr>
+              <a:t>имени И.С. ТУРГЕНЕВА»</a:t>
             </a:r>
           </a:p>
         </p:txBody>
@@ -5837,8 +5882,8 @@
         </p:nvSpPr>
         <p:spPr>
           <a:xfrm>
-            <a:off x="2185986" y="2338637"/>
-            <a:ext cx="8448675" cy="873572"/>
+            <a:off x="1951671" y="2963425"/>
+            <a:ext cx="8448675" cy="786754"/>
           </a:xfrm>
           <a:prstGeom prst="rect">
             <a:avLst/>
@@ -5857,7 +5902,7 @@
               </a:lnSpc>
             </a:pPr>
             <a:r>
-              <a:rPr lang="ru-RU" sz="1800" dirty="0">
+              <a:rPr lang="ru-RU" sz="1600" dirty="0">
                 <a:solidFill>
                   <a:srgbClr val="000000"/>
                 </a:solidFill>
@@ -5875,7 +5920,7 @@
               </a:lnSpc>
             </a:pPr>
             <a:r>
-              <a:rPr lang="ru-RU" sz="1800" dirty="0">
+              <a:rPr lang="ru-RU" sz="1600" dirty="0">
                 <a:solidFill>
                   <a:srgbClr val="000000"/>
                 </a:solidFill>
@@ -5885,7 +5930,7 @@
               </a:rPr>
               <a:t>ВЗАИМОДЕЙСТВИЯ ВЕБ-САЙТА С БАЗОЙ ДАННЫХ</a:t>
             </a:r>
-            <a:endParaRPr lang="ru-RU" sz="1800" dirty="0">
+            <a:endParaRPr lang="ru-RU" sz="1600" dirty="0">
               <a:effectLst/>
               <a:latin typeface="Times New Roman" panose="02020603050405020304" pitchFamily="18" charset="0"/>
               <a:ea typeface="Times New Roman" panose="02020603050405020304" pitchFamily="18" charset="0"/>
@@ -5908,7 +5953,7 @@
         <p:spPr>
           <a:xfrm>
             <a:off x="1951671" y="4244646"/>
-            <a:ext cx="8992553" cy="1200329"/>
+            <a:ext cx="8992553" cy="1525418"/>
           </a:xfrm>
           <a:prstGeom prst="rect">
             <a:avLst/>
@@ -5921,22 +5966,27 @@
           </a:bodyPr>
           <a:lstStyle/>
           <a:p>
-            <a:r>
-              <a:rPr lang="ru-RU" dirty="0">
+            <a:pPr>
+              <a:lnSpc>
+                <a:spcPct val="150000"/>
+              </a:lnSpc>
+            </a:pPr>
+            <a:r>
+              <a:rPr lang="ru-RU" sz="1600" dirty="0">
                 <a:latin typeface="Times New Roman" panose="02020603050405020304" pitchFamily="18" charset="0"/>
                 <a:cs typeface="Times New Roman" panose="02020603050405020304" pitchFamily="18" charset="0"/>
               </a:rPr>
               <a:t>Подготовил</a:t>
             </a:r>
             <a:r>
-              <a:rPr lang="en-US" dirty="0">
+              <a:rPr lang="en-US" sz="1600" dirty="0">
                 <a:latin typeface="Times New Roman" panose="02020603050405020304" pitchFamily="18" charset="0"/>
                 <a:cs typeface="Times New Roman" panose="02020603050405020304" pitchFamily="18" charset="0"/>
               </a:rPr>
               <a:t>: </a:t>
             </a:r>
             <a:r>
-              <a:rPr lang="ru-RU" dirty="0">
+              <a:rPr lang="ru-RU" sz="1600" dirty="0">
                 <a:latin typeface="Times New Roman" panose="02020603050405020304" pitchFamily="18" charset="0"/>
                 <a:cs typeface="Times New Roman" panose="02020603050405020304" pitchFamily="18" charset="0"/>
               </a:rPr>
@@ -5944,22 +5994,27 @@
             </a:r>
           </a:p>
           <a:p>
-            <a:r>
-              <a:rPr lang="ru-RU" dirty="0">
+            <a:pPr>
+              <a:lnSpc>
+                <a:spcPct val="150000"/>
+              </a:lnSpc>
+            </a:pPr>
+            <a:r>
+              <a:rPr lang="ru-RU" sz="1600" dirty="0">
                 <a:latin typeface="Times New Roman" panose="02020603050405020304" pitchFamily="18" charset="0"/>
                 <a:cs typeface="Times New Roman" panose="02020603050405020304" pitchFamily="18" charset="0"/>
               </a:rPr>
               <a:t>Направление подготовки</a:t>
             </a:r>
             <a:r>
-              <a:rPr lang="en-US" dirty="0">
+              <a:rPr lang="en-US" sz="1600" dirty="0">
                 <a:latin typeface="Times New Roman" panose="02020603050405020304" pitchFamily="18" charset="0"/>
                 <a:cs typeface="Times New Roman" panose="02020603050405020304" pitchFamily="18" charset="0"/>
               </a:rPr>
               <a:t>: 01.04.02 </a:t>
             </a:r>
             <a:r>
-              <a:rPr lang="ru-RU" dirty="0">
+              <a:rPr lang="ru-RU" sz="1600" dirty="0">
                 <a:latin typeface="Times New Roman" panose="02020603050405020304" pitchFamily="18" charset="0"/>
                 <a:cs typeface="Times New Roman" panose="02020603050405020304" pitchFamily="18" charset="0"/>
               </a:rPr>
@@ -5967,15 +6022,20 @@
             </a:r>
           </a:p>
           <a:p>
-            <a:r>
-              <a:rPr lang="ru-RU" dirty="0">
+            <a:pPr>
+              <a:lnSpc>
+                <a:spcPct val="150000"/>
+              </a:lnSpc>
+            </a:pPr>
+            <a:r>
+              <a:rPr lang="ru-RU" sz="1600" dirty="0">
                 <a:latin typeface="Times New Roman" panose="02020603050405020304" pitchFamily="18" charset="0"/>
                 <a:ea typeface="Times New Roman" panose="02020603050405020304" pitchFamily="18" charset="0"/>
               </a:rPr>
               <a:t>Н</a:t>
             </a:r>
             <a:r>
-              <a:rPr lang="ru-RU" sz="1800" dirty="0">
+              <a:rPr lang="ru-RU" sz="1600" dirty="0">
                 <a:effectLst/>
                 <a:latin typeface="Times New Roman" panose="02020603050405020304" pitchFamily="18" charset="0"/>
                 <a:ea typeface="Times New Roman" panose="02020603050405020304" pitchFamily="18" charset="0"/>
@@ -5983,7 +6043,7 @@
               <a:t>аправленность (профиль)</a:t>
             </a:r>
             <a:r>
-              <a:rPr lang="en-US" sz="1800" dirty="0">
+              <a:rPr lang="en-US" sz="1600" dirty="0">
                 <a:effectLst/>
                 <a:latin typeface="Times New Roman" panose="02020603050405020304" pitchFamily="18" charset="0"/>
                 <a:ea typeface="Times New Roman" panose="02020603050405020304" pitchFamily="18" charset="0"/>
@@ -5991,7 +6051,7 @@
               <a:t>:</a:t>
             </a:r>
             <a:r>
-              <a:rPr lang="ru-RU" sz="1800" dirty="0">
+              <a:rPr lang="ru-RU" sz="1600" dirty="0">
                 <a:effectLst/>
                 <a:latin typeface="Times New Roman" panose="02020603050405020304" pitchFamily="18" charset="0"/>
                 <a:ea typeface="Times New Roman" panose="02020603050405020304" pitchFamily="18" charset="0"/>
@@ -5999,42 +6059,47 @@
               <a:t> </a:t>
             </a:r>
             <a:r>
-              <a:rPr lang="ru-RU" dirty="0">
+              <a:rPr lang="ru-RU" sz="1600" dirty="0">
                 <a:latin typeface="Times New Roman" panose="02020603050405020304" pitchFamily="18" charset="0"/>
                 <a:ea typeface="Times New Roman" panose="02020603050405020304" pitchFamily="18" charset="0"/>
               </a:rPr>
               <a:t>т</a:t>
             </a:r>
             <a:r>
-              <a:rPr lang="ru-RU" sz="1800" dirty="0">
+              <a:rPr lang="ru-RU" sz="1600" dirty="0">
                 <a:effectLst/>
                 <a:latin typeface="Times New Roman" panose="02020603050405020304" pitchFamily="18" charset="0"/>
                 <a:ea typeface="Times New Roman" panose="02020603050405020304" pitchFamily="18" charset="0"/>
               </a:rPr>
               <a:t>ехнологии параллельных и распределённых вычислений</a:t>
             </a:r>
-            <a:endParaRPr lang="ru-RU" dirty="0">
+            <a:endParaRPr lang="ru-RU" sz="1600" dirty="0">
               <a:latin typeface="Times New Roman" panose="02020603050405020304" pitchFamily="18" charset="0"/>
               <a:cs typeface="Times New Roman" panose="02020603050405020304" pitchFamily="18" charset="0"/>
             </a:endParaRPr>
           </a:p>
           <a:p>
-            <a:r>
-              <a:rPr lang="ru-RU" dirty="0">
+            <a:pPr>
+              <a:lnSpc>
+                <a:spcPct val="150000"/>
+              </a:lnSpc>
+            </a:pPr>
+            <a:r>
+              <a:rPr lang="ru-RU" sz="1600" dirty="0">
                 <a:latin typeface="Times New Roman" panose="02020603050405020304" pitchFamily="18" charset="0"/>
                 <a:cs typeface="Times New Roman" panose="02020603050405020304" pitchFamily="18" charset="0"/>
               </a:rPr>
               <a:t>Руководитель</a:t>
             </a:r>
             <a:r>
-              <a:rPr lang="en-US" dirty="0">
+              <a:rPr lang="en-US" sz="1600" dirty="0">
                 <a:latin typeface="Times New Roman" panose="02020603050405020304" pitchFamily="18" charset="0"/>
                 <a:cs typeface="Times New Roman" panose="02020603050405020304" pitchFamily="18" charset="0"/>
               </a:rPr>
               <a:t>: </a:t>
             </a:r>
             <a:r>
-              <a:rPr lang="ru-RU" dirty="0">
+              <a:rPr lang="ru-RU" sz="1600" dirty="0">
                 <a:latin typeface="Times New Roman" panose="02020603050405020304" pitchFamily="18" charset="0"/>
                 <a:cs typeface="Times New Roman" panose="02020603050405020304" pitchFamily="18" charset="0"/>
               </a:rPr>
@@ -9338,112 +9403,6 @@
   <p:transition spd="slow">
     <p:push dir="u"/>
   </p:transition>
-  <p:timing>
-    <p:tnLst>
-      <p:par>
-        <p:cTn id="1" dur="indefinite" restart="never" nodeType="tmRoot">
-          <p:childTnLst>
-            <p:seq concurrent="1" nextAc="seek">
-              <p:cTn id="2" dur="indefinite" nodeType="mainSeq">
-                <p:childTnLst>
-                  <p:par>
-                    <p:cTn id="3" fill="hold">
-                      <p:stCondLst>
-                        <p:cond delay="indefinite"/>
-                      </p:stCondLst>
-                      <p:childTnLst>
-                        <p:par>
-                          <p:cTn id="4" fill="hold">
-                            <p:stCondLst>
-                              <p:cond delay="0"/>
-                            </p:stCondLst>
-                            <p:childTnLst>
-                              <p:par>
-                                <p:cTn id="5" presetID="1" presetClass="entr" presetSubtype="0" fill="hold" grpId="0" nodeType="clickEffect">
-                                  <p:stCondLst>
-                                    <p:cond delay="0"/>
-                                  </p:stCondLst>
-                                  <p:childTnLst>
-                                    <p:set>
-                                      <p:cBhvr>
-                                        <p:cTn id="6" dur="1" fill="hold">
-                                          <p:stCondLst>
-                                            <p:cond delay="0"/>
-                                          </p:stCondLst>
-                                        </p:cTn>
-                                        <p:tgtEl>
-                                          <p:spTgt spid="7"/>
-                                        </p:tgtEl>
-                                        <p:attrNameLst>
-                                          <p:attrName>style.visibility</p:attrName>
-                                        </p:attrNameLst>
-                                      </p:cBhvr>
-                                      <p:to>
-                                        <p:strVal val="visible"/>
-                                      </p:to>
-                                    </p:set>
-                                  </p:childTnLst>
-                                </p:cTn>
-                              </p:par>
-                              <p:par>
-                                <p:cTn id="7" presetID="1" presetClass="entr" presetSubtype="0" fill="hold" grpId="0" nodeType="withEffect">
-                                  <p:stCondLst>
-                                    <p:cond delay="0"/>
-                                  </p:stCondLst>
-                                  <p:childTnLst>
-                                    <p:set>
-                                      <p:cBhvr>
-                                        <p:cTn id="8" dur="1" fill="hold">
-                                          <p:stCondLst>
-                                            <p:cond delay="0"/>
-                                          </p:stCondLst>
-                                        </p:cTn>
-                                        <p:tgtEl>
-                                          <p:spTgt spid="13"/>
-                                        </p:tgtEl>
-                                        <p:attrNameLst>
-                                          <p:attrName>style.visibility</p:attrName>
-                                        </p:attrNameLst>
-                                      </p:cBhvr>
-                                      <p:to>
-                                        <p:strVal val="visible"/>
-                                      </p:to>
-                                    </p:set>
-                                  </p:childTnLst>
-                                </p:cTn>
-                              </p:par>
-                            </p:childTnLst>
-                          </p:cTn>
-                        </p:par>
-                      </p:childTnLst>
-                    </p:cTn>
-                  </p:par>
-                </p:childTnLst>
-              </p:cTn>
-              <p:prevCondLst>
-                <p:cond evt="onPrev" delay="0">
-                  <p:tgtEl>
-                    <p:sldTgt/>
-                  </p:tgtEl>
-                </p:cond>
-              </p:prevCondLst>
-              <p:nextCondLst>
-                <p:cond evt="onNext" delay="0">
-                  <p:tgtEl>
-                    <p:sldTgt/>
-                  </p:tgtEl>
-                </p:cond>
-              </p:nextCondLst>
-            </p:seq>
-          </p:childTnLst>
-        </p:cTn>
-      </p:par>
-    </p:tnLst>
-    <p:bldLst>
-      <p:bldP spid="7" grpId="0"/>
-      <p:bldP spid="13" grpId="0"/>
-    </p:bldLst>
-  </p:timing>
 </p:sld>
 </file>
 
@@ -9681,10 +9640,10 @@
       </p:grpSp>
       <p:grpSp>
         <p:nvGrpSpPr>
-          <p:cNvPr id="9" name="Группа 8">
+          <p:cNvPr id="3" name="Группа 2">
             <a:extLst>
               <a:ext uri="{FF2B5EF4-FFF2-40B4-BE49-F238E27FC236}">
-                <a16:creationId xmlns:a16="http://schemas.microsoft.com/office/drawing/2014/main" id="{B66E80C0-ECD6-730F-6C5D-46CEAF21B426}"/>
+                <a16:creationId xmlns:a16="http://schemas.microsoft.com/office/drawing/2014/main" id="{60D6E75E-E33F-E1DE-5483-F49F1730E17E}"/>
               </a:ext>
             </a:extLst>
           </p:cNvPr>
@@ -9694,9 +9653,9 @@
         <p:grpSpPr>
           <a:xfrm>
             <a:off x="855224" y="4050083"/>
-            <a:ext cx="10086978" cy="2600447"/>
+            <a:ext cx="10086978" cy="2682702"/>
             <a:chOff x="855224" y="4050083"/>
-            <a:chExt cx="10086978" cy="2600447"/>
+            <a:chExt cx="10086978" cy="2682702"/>
           </a:xfrm>
         </p:grpSpPr>
         <p:sp>
@@ -9714,7 +9673,7 @@
           <p:spPr>
             <a:xfrm>
               <a:off x="1160281" y="6209565"/>
-              <a:ext cx="6421187" cy="440965"/>
+              <a:ext cx="6421187" cy="523220"/>
             </a:xfrm>
             <a:prstGeom prst="rect">
               <a:avLst/>
@@ -9744,14 +9703,14 @@
                   <a:latin typeface="Times New Roman" panose="02020603050405020304" pitchFamily="18" charset="0"/>
                   <a:cs typeface="Times New Roman" panose="02020603050405020304" pitchFamily="18" charset="0"/>
                 </a:rPr>
-                <a:t>: 172</a:t>
+                <a:t>: 1</a:t>
               </a:r>
               <a:r>
                 <a:rPr lang="ru-RU" sz="1400" dirty="0">
                   <a:latin typeface="Times New Roman" panose="02020603050405020304" pitchFamily="18" charset="0"/>
                   <a:cs typeface="Times New Roman" panose="02020603050405020304" pitchFamily="18" charset="0"/>
                 </a:rPr>
-                <a:t>%</a:t>
+                <a:t>43%</a:t>
               </a:r>
             </a:p>
             <a:p>
@@ -9767,7 +9726,21 @@
                   <a:latin typeface="Times New Roman" panose="02020603050405020304" pitchFamily="18" charset="0"/>
                   <a:cs typeface="Times New Roman" panose="02020603050405020304" pitchFamily="18" charset="0"/>
                 </a:rPr>
-                <a:t>: 36 </a:t>
+                <a:t>: 3</a:t>
+              </a:r>
+              <a:r>
+                <a:rPr lang="ru-RU" sz="1400" dirty="0">
+                  <a:latin typeface="Times New Roman" panose="02020603050405020304" pitchFamily="18" charset="0"/>
+                  <a:cs typeface="Times New Roman" panose="02020603050405020304" pitchFamily="18" charset="0"/>
+                </a:rPr>
+                <a:t>4</a:t>
+              </a:r>
+              <a:r>
+                <a:rPr lang="en-US" sz="1400" dirty="0">
+                  <a:latin typeface="Times New Roman" panose="02020603050405020304" pitchFamily="18" charset="0"/>
+                  <a:cs typeface="Times New Roman" panose="02020603050405020304" pitchFamily="18" charset="0"/>
+                </a:rPr>
+                <a:t> </a:t>
               </a:r>
               <a:r>
                 <a:rPr lang="ru-RU" sz="1400" dirty="0">
@@ -9779,41 +9752,6 @@
             </a:p>
           </p:txBody>
         </p:sp>
-        <p:pic>
-          <p:nvPicPr>
-            <p:cNvPr id="30" name="Рисунок 29">
-              <a:extLst>
-                <a:ext uri="{FF2B5EF4-FFF2-40B4-BE49-F238E27FC236}">
-                  <a16:creationId xmlns:a16="http://schemas.microsoft.com/office/drawing/2014/main" id="{5BBFD57C-F431-4291-EACF-0607BF87D101}"/>
-                </a:ext>
-              </a:extLst>
-            </p:cNvPr>
-            <p:cNvPicPr>
-              <a:picLocks noChangeAspect="1"/>
-            </p:cNvPicPr>
-            <p:nvPr/>
-          </p:nvPicPr>
-          <p:blipFill>
-            <a:blip r:embed="rId3"/>
-            <a:stretch>
-              <a:fillRect/>
-            </a:stretch>
-          </p:blipFill>
-          <p:spPr>
-            <a:xfrm>
-              <a:off x="1164902" y="4425744"/>
-              <a:ext cx="8160075" cy="1822501"/>
-            </a:xfrm>
-            <a:prstGeom prst="rect">
-              <a:avLst/>
-            </a:prstGeom>
-            <a:ln>
-              <a:solidFill>
-                <a:schemeClr val="tx2"/>
-              </a:solidFill>
-            </a:ln>
-          </p:spPr>
-        </p:pic>
         <p:sp>
           <p:nvSpPr>
             <p:cNvPr id="12" name="TextBox 11">
@@ -9853,6 +9791,49 @@
             </a:p>
           </p:txBody>
         </p:sp>
+        <p:pic>
+          <p:nvPicPr>
+            <p:cNvPr id="13" name="Рисунок 12">
+              <a:extLst>
+                <a:ext uri="{FF2B5EF4-FFF2-40B4-BE49-F238E27FC236}">
+                  <a16:creationId xmlns:a16="http://schemas.microsoft.com/office/drawing/2014/main" id="{B364123D-0371-D87A-9021-1D7FC64DCF7A}"/>
+                </a:ext>
+              </a:extLst>
+            </p:cNvPr>
+            <p:cNvPicPr>
+              <a:picLocks noChangeAspect="1"/>
+            </p:cNvPicPr>
+            <p:nvPr/>
+          </p:nvPicPr>
+          <p:blipFill>
+            <a:blip r:embed="rId3">
+              <a:extLst>
+                <a:ext uri="{28A0092B-C50C-407E-A947-70E740481C1C}">
+                  <a14:useLocalDpi xmlns:a14="http://schemas.microsoft.com/office/drawing/2010/main" val="0"/>
+                </a:ext>
+              </a:extLst>
+            </a:blip>
+            <a:srcRect/>
+            <a:stretch>
+              <a:fillRect/>
+            </a:stretch>
+          </p:blipFill>
+          <p:spPr bwMode="auto">
+            <a:xfrm>
+              <a:off x="1143001" y="4426640"/>
+              <a:ext cx="8181975" cy="1775700"/>
+            </a:xfrm>
+            <a:prstGeom prst="rect">
+              <a:avLst/>
+            </a:prstGeom>
+            <a:noFill/>
+            <a:ln>
+              <a:solidFill>
+                <a:schemeClr val="tx1"/>
+              </a:solidFill>
+            </a:ln>
+          </p:spPr>
+        </p:pic>
       </p:grpSp>
     </p:spTree>
     <p:extLst>
@@ -9941,8 +9922,8 @@
         </p:nvSpPr>
         <p:spPr>
           <a:xfrm>
-            <a:off x="609599" y="2161217"/>
-            <a:ext cx="10625137" cy="2120068"/>
+            <a:off x="609600" y="1463127"/>
+            <a:ext cx="10625137" cy="4505336"/>
           </a:xfrm>
           <a:prstGeom prst="rect">
             <a:avLst/>
@@ -9955,56 +9936,173 @@
           </a:bodyPr>
           <a:lstStyle/>
           <a:p>
-            <a:pPr lvl="1">
+            <a:pPr indent="449580" algn="just">
               <a:lnSpc>
                 <a:spcPct val="150000"/>
               </a:lnSpc>
+              <a:spcAft>
+                <a:spcPts val="800"/>
+              </a:spcAft>
             </a:pPr>
             <a:r>
+              <a:rPr lang="ru-RU" sz="1800" dirty="0">
+                <a:effectLst/>
+                <a:latin typeface="Times New Roman" panose="02020603050405020304" pitchFamily="18" charset="0"/>
+                <a:ea typeface="Calibri" panose="020F0502020204030204" pitchFamily="34" charset="0"/>
+              </a:rPr>
+              <a:t>В данной работе рассматривалась проблема оптимизации взаимодействия веб-сайта с базой данных. Были изучены </a:t>
+            </a:r>
+            <a:r>
+              <a:rPr lang="en-US" sz="1800" dirty="0">
+                <a:effectLst/>
+                <a:latin typeface="Times New Roman" panose="02020603050405020304" pitchFamily="18" charset="0"/>
+                <a:ea typeface="Calibri" panose="020F0502020204030204" pitchFamily="34" charset="0"/>
+              </a:rPr>
+              <a:t>CRUD</a:t>
+            </a:r>
+            <a:r>
+              <a:rPr lang="ru-RU" sz="1800" dirty="0">
+                <a:effectLst/>
+                <a:latin typeface="Times New Roman" panose="02020603050405020304" pitchFamily="18" charset="0"/>
+                <a:ea typeface="Calibri" panose="020F0502020204030204" pitchFamily="34" charset="0"/>
+              </a:rPr>
+              <a:t>-операции взаимодействия с базой данных. Проанализированы методы оптимизации взаимодействия с базой данных средствами </a:t>
+            </a:r>
+            <a:r>
+              <a:rPr lang="ru-RU" sz="1800" dirty="0" err="1">
+                <a:effectLst/>
+                <a:latin typeface="Times New Roman" panose="02020603050405020304" pitchFamily="18" charset="0"/>
+                <a:ea typeface="Calibri" panose="020F0502020204030204" pitchFamily="34" charset="0"/>
+              </a:rPr>
+              <a:t>кешировани</a:t>
+            </a:r>
+            <a:r>
+              <a:rPr lang="ru-RU" sz="1800" dirty="0">
+                <a:effectLst/>
+                <a:latin typeface="Times New Roman" panose="02020603050405020304" pitchFamily="18" charset="0"/>
+                <a:ea typeface="Calibri" panose="020F0502020204030204" pitchFamily="34" charset="0"/>
+              </a:rPr>
+              <a:t>, а также синхронного выполнения </a:t>
+            </a:r>
+            <a:r>
+              <a:rPr lang="en-US" sz="1800" dirty="0">
+                <a:effectLst/>
+                <a:latin typeface="Times New Roman" panose="02020603050405020304" pitchFamily="18" charset="0"/>
+                <a:ea typeface="Calibri" panose="020F0502020204030204" pitchFamily="34" charset="0"/>
+              </a:rPr>
+              <a:t>CRUD</a:t>
+            </a:r>
+            <a:r>
+              <a:rPr lang="ru-RU" sz="1800" dirty="0">
+                <a:effectLst/>
+                <a:latin typeface="Times New Roman" panose="02020603050405020304" pitchFamily="18" charset="0"/>
+                <a:ea typeface="Calibri" panose="020F0502020204030204" pitchFamily="34" charset="0"/>
+              </a:rPr>
+              <a:t>-операций с базой данных. </a:t>
+            </a:r>
+          </a:p>
+          <a:p>
+            <a:pPr indent="449580" algn="just">
+              <a:lnSpc>
+                <a:spcPct val="150000"/>
+              </a:lnSpc>
+              <a:spcAft>
+                <a:spcPts val="800"/>
+              </a:spcAft>
+            </a:pPr>
+            <a:r>
+              <a:rPr lang="ru-RU" sz="1800" dirty="0">
+                <a:effectLst/>
+                <a:latin typeface="Times New Roman" panose="02020603050405020304" pitchFamily="18" charset="0"/>
+                <a:ea typeface="Calibri" panose="020F0502020204030204" pitchFamily="34" charset="0"/>
+              </a:rPr>
+              <a:t>Результатом работы стала разработка веб-библиотек, реализующих метода оптимизации взаимодействия веб-сайта с базой данных:</a:t>
+            </a:r>
+          </a:p>
+          <a:p>
+            <a:pPr marL="800100" lvl="1" indent="-342900" algn="just">
+              <a:lnSpc>
+                <a:spcPct val="150000"/>
+              </a:lnSpc>
+              <a:buFont typeface="+mj-lt"/>
+              <a:buAutoNum type="arabicPeriod"/>
+            </a:pPr>
+            <a:r>
               <a:rPr lang="ru-RU" dirty="0">
                 <a:latin typeface="Times New Roman" panose="02020603050405020304" pitchFamily="18" charset="0"/>
-                <a:ea typeface="Times New Roman" panose="02020603050405020304" pitchFamily="18" charset="0"/>
-                <a:cs typeface="Times New Roman" panose="02020603050405020304" pitchFamily="18" charset="0"/>
-              </a:rPr>
-              <a:t>В рамках выпускной квалификационной работы были разработаны инструменты для кеширования программных алгоритмов, а также инструмент для обмена сообщениями по протоколу </a:t>
+                <a:ea typeface="Calibri" panose="020F0502020204030204" pitchFamily="34" charset="0"/>
+              </a:rPr>
+              <a:t>В</a:t>
+            </a:r>
+            <a:r>
+              <a:rPr lang="ru-RU" dirty="0">
+                <a:effectLst/>
+                <a:latin typeface="Times New Roman" panose="02020603050405020304" pitchFamily="18" charset="0"/>
+                <a:ea typeface="Calibri" panose="020F0502020204030204" pitchFamily="34" charset="0"/>
+              </a:rPr>
+              <a:t>еб-библиотека для кеширования работы программных алгоритмов;</a:t>
+            </a:r>
+          </a:p>
+          <a:p>
+            <a:pPr marL="800100" lvl="1" indent="-342900" algn="just">
+              <a:lnSpc>
+                <a:spcPct val="150000"/>
+              </a:lnSpc>
+              <a:spcAft>
+                <a:spcPts val="800"/>
+              </a:spcAft>
+              <a:buFont typeface="+mj-lt"/>
+              <a:buAutoNum type="arabicPeriod"/>
+            </a:pPr>
+            <a:r>
+              <a:rPr lang="ru-RU" dirty="0">
+                <a:latin typeface="Times New Roman" panose="02020603050405020304" pitchFamily="18" charset="0"/>
+                <a:ea typeface="Calibri" panose="020F0502020204030204" pitchFamily="34" charset="0"/>
+              </a:rPr>
+              <a:t>В</a:t>
+            </a:r>
+            <a:r>
+              <a:rPr lang="ru-RU" dirty="0">
+                <a:effectLst/>
+                <a:latin typeface="Times New Roman" panose="02020603050405020304" pitchFamily="18" charset="0"/>
+                <a:ea typeface="Calibri" panose="020F0502020204030204" pitchFamily="34" charset="0"/>
+              </a:rPr>
+              <a:t>еб-библиотека для синхронного выполнения </a:t>
             </a:r>
             <a:r>
               <a:rPr lang="en-US" dirty="0">
-                <a:latin typeface="Times New Roman" panose="02020603050405020304" pitchFamily="18" charset="0"/>
-                <a:ea typeface="Times New Roman" panose="02020603050405020304" pitchFamily="18" charset="0"/>
-                <a:cs typeface="Times New Roman" panose="02020603050405020304" pitchFamily="18" charset="0"/>
-              </a:rPr>
-              <a:t>AMQP. </a:t>
+                <a:effectLst/>
+                <a:latin typeface="Times New Roman" panose="02020603050405020304" pitchFamily="18" charset="0"/>
+                <a:ea typeface="Calibri" panose="020F0502020204030204" pitchFamily="34" charset="0"/>
+              </a:rPr>
+              <a:t>CRUD</a:t>
             </a:r>
             <a:r>
               <a:rPr lang="ru-RU" dirty="0">
-                <a:latin typeface="Times New Roman" panose="02020603050405020304" pitchFamily="18" charset="0"/>
-                <a:ea typeface="Times New Roman" panose="02020603050405020304" pitchFamily="18" charset="0"/>
-                <a:cs typeface="Times New Roman" panose="02020603050405020304" pitchFamily="18" charset="0"/>
-              </a:rPr>
-              <a:t>Данные инструменты были использованы в реальном проекте, который является интернет магазином и позволили</a:t>
-            </a:r>
-            <a:r>
-              <a:rPr lang="en-US" dirty="0">
-                <a:latin typeface="Times New Roman" panose="02020603050405020304" pitchFamily="18" charset="0"/>
-                <a:ea typeface="Times New Roman" panose="02020603050405020304" pitchFamily="18" charset="0"/>
-                <a:cs typeface="Times New Roman" panose="02020603050405020304" pitchFamily="18" charset="0"/>
-              </a:rPr>
-              <a:t> </a:t>
-            </a:r>
-            <a:r>
-              <a:rPr lang="ru-RU" dirty="0">
-                <a:latin typeface="Times New Roman" panose="02020603050405020304" pitchFamily="18" charset="0"/>
-                <a:ea typeface="Times New Roman" panose="02020603050405020304" pitchFamily="18" charset="0"/>
-                <a:cs typeface="Times New Roman" panose="02020603050405020304" pitchFamily="18" charset="0"/>
-              </a:rPr>
-              <a:t>уменьшить нагрузку на СУБД и сервер, которая возникала при посещении интернет магазина пользователями, а также при взаимодействии веб сайта с системой учёта 1С.</a:t>
-            </a:r>
-            <a:endParaRPr lang="en-US" dirty="0">
-              <a:latin typeface="Times New Roman" panose="02020603050405020304" pitchFamily="18" charset="0"/>
-              <a:ea typeface="Times New Roman" panose="02020603050405020304" pitchFamily="18" charset="0"/>
-              <a:cs typeface="Times New Roman" panose="02020603050405020304" pitchFamily="18" charset="0"/>
-            </a:endParaRPr>
+                <a:effectLst/>
+                <a:latin typeface="Times New Roman" panose="02020603050405020304" pitchFamily="18" charset="0"/>
+                <a:ea typeface="Calibri" panose="020F0502020204030204" pitchFamily="34" charset="0"/>
+              </a:rPr>
+              <a:t>-операций с базой данных.</a:t>
+            </a:r>
+          </a:p>
+          <a:p>
+            <a:pPr indent="449580" algn="just">
+              <a:lnSpc>
+                <a:spcPct val="150000"/>
+              </a:lnSpc>
+              <a:spcAft>
+                <a:spcPts val="800"/>
+              </a:spcAft>
+            </a:pPr>
+            <a:r>
+              <a:rPr lang="ru-RU" sz="1800" dirty="0">
+                <a:effectLst/>
+                <a:latin typeface="Times New Roman" panose="02020603050405020304" pitchFamily="18" charset="0"/>
+                <a:ea typeface="Calibri" panose="020F0502020204030204" pitchFamily="34" charset="0"/>
+              </a:rPr>
+              <a:t>Разработанные веб-библиотеки были использованы на реальном проекте, являющимся интернет-магазином, и позволили существенно уменьшить нагрузку на веб-сервер.</a:t>
+            </a:r>
           </a:p>
         </p:txBody>
       </p:sp>
@@ -10055,8 +10153,8 @@
         </p:nvSpPr>
         <p:spPr>
           <a:xfrm flipH="1">
-            <a:off x="1951671" y="303530"/>
-            <a:ext cx="8288656" cy="1200329"/>
+            <a:off x="1951671" y="178812"/>
+            <a:ext cx="8288656" cy="2431820"/>
           </a:xfrm>
           <a:prstGeom prst="rect">
             <a:avLst/>
@@ -10069,66 +10167,111 @@
           </a:bodyPr>
           <a:lstStyle/>
           <a:p>
-            <a:pPr algn="ctr"/>
-            <a:r>
-              <a:rPr lang="ru-RU" dirty="0">
-                <a:latin typeface="Times New Roman" panose="02020603050405020304" pitchFamily="18" charset="0"/>
-                <a:cs typeface="Times New Roman" panose="02020603050405020304" pitchFamily="18" charset="0"/>
-              </a:rPr>
-              <a:t>Федеральное государственное бюджетное образовательное учреждение высшего образования </a:t>
-            </a:r>
-            <a:r>
-              <a:rPr lang="en-US" b="0" i="0" dirty="0">
-                <a:effectLst/>
-                <a:latin typeface="Times New Roman" panose="02020603050405020304" pitchFamily="18" charset="0"/>
-                <a:cs typeface="Times New Roman" panose="02020603050405020304" pitchFamily="18" charset="0"/>
-              </a:rPr>
-              <a:t> «</a:t>
-            </a:r>
-            <a:r>
-              <a:rPr lang="ru-RU" b="0" i="0" dirty="0">
-                <a:effectLst/>
-                <a:latin typeface="Times New Roman" panose="02020603050405020304" pitchFamily="18" charset="0"/>
-                <a:cs typeface="Times New Roman" panose="02020603050405020304" pitchFamily="18" charset="0"/>
-              </a:rPr>
-              <a:t>Орловский государственный университет И.С. Тургенева</a:t>
-            </a:r>
-            <a:r>
-              <a:rPr lang="en-US" b="0" i="0" dirty="0">
-                <a:effectLst/>
-                <a:latin typeface="Times New Roman" panose="02020603050405020304" pitchFamily="18" charset="0"/>
-                <a:cs typeface="Times New Roman" panose="02020603050405020304" pitchFamily="18" charset="0"/>
-              </a:rPr>
-              <a:t>»</a:t>
-            </a:r>
-            <a:r>
-              <a:rPr lang="ru-RU" b="0" i="0" dirty="0">
-                <a:effectLst/>
-                <a:latin typeface="Times New Roman" panose="02020603050405020304" pitchFamily="18" charset="0"/>
-                <a:cs typeface="Times New Roman" panose="02020603050405020304" pitchFamily="18" charset="0"/>
-              </a:rPr>
-              <a:t> </a:t>
-            </a:r>
-          </a:p>
-          <a:p>
-            <a:pPr algn="ctr"/>
-            <a:r>
-              <a:rPr lang="ru-RU" b="0" i="0" dirty="0">
-                <a:effectLst/>
-                <a:latin typeface="Times New Roman" panose="02020603050405020304" pitchFamily="18" charset="0"/>
-                <a:cs typeface="Times New Roman" panose="02020603050405020304" pitchFamily="18" charset="0"/>
-              </a:rPr>
-              <a:t>Физико-математический факультет</a:t>
-            </a:r>
-          </a:p>
-          <a:p>
-            <a:pPr algn="ctr"/>
-            <a:r>
-              <a:rPr lang="ru-RU" dirty="0">
-                <a:latin typeface="Times New Roman" panose="02020603050405020304" pitchFamily="18" charset="0"/>
-                <a:cs typeface="Times New Roman" panose="02020603050405020304" pitchFamily="18" charset="0"/>
-              </a:rPr>
-              <a:t>Кафедра информатики</a:t>
+            <a:pPr algn="ctr">
+              <a:lnSpc>
+                <a:spcPct val="107000"/>
+              </a:lnSpc>
+              <a:spcAft>
+                <a:spcPts val="800"/>
+              </a:spcAft>
+            </a:pPr>
+            <a:r>
+              <a:rPr lang="ru-RU" sz="1600" dirty="0">
+                <a:effectLst/>
+                <a:latin typeface="Times New Roman" panose="02020603050405020304" pitchFamily="18" charset="0"/>
+                <a:ea typeface="Calibri" panose="020F0502020204030204" pitchFamily="34" charset="0"/>
+              </a:rPr>
+              <a:t>МИНИСТЕРСТВО НАУКИ И ВЫСШЕГО ОБРАЗОВАНИЯ </a:t>
+            </a:r>
+          </a:p>
+          <a:p>
+            <a:pPr algn="ctr">
+              <a:lnSpc>
+                <a:spcPct val="107000"/>
+              </a:lnSpc>
+              <a:spcAft>
+                <a:spcPts val="800"/>
+              </a:spcAft>
+            </a:pPr>
+            <a:r>
+              <a:rPr lang="ru-RU" sz="1600" dirty="0">
+                <a:effectLst/>
+                <a:latin typeface="Times New Roman" panose="02020603050405020304" pitchFamily="18" charset="0"/>
+                <a:ea typeface="Calibri" panose="020F0502020204030204" pitchFamily="34" charset="0"/>
+              </a:rPr>
+              <a:t>РОССИЙСКОЙ ФЕДЕРАЦИИ</a:t>
+            </a:r>
+          </a:p>
+          <a:p>
+            <a:pPr algn="ctr">
+              <a:lnSpc>
+                <a:spcPct val="107000"/>
+              </a:lnSpc>
+              <a:spcAft>
+                <a:spcPts val="800"/>
+              </a:spcAft>
+            </a:pPr>
+            <a:r>
+              <a:rPr lang="ru-RU" sz="1600" dirty="0">
+                <a:effectLst/>
+                <a:latin typeface="Times New Roman" panose="02020603050405020304" pitchFamily="18" charset="0"/>
+                <a:ea typeface="Calibri" panose="020F0502020204030204" pitchFamily="34" charset="0"/>
+              </a:rPr>
+              <a:t> </a:t>
+            </a:r>
+          </a:p>
+          <a:p>
+            <a:pPr algn="ctr">
+              <a:lnSpc>
+                <a:spcPct val="107000"/>
+              </a:lnSpc>
+              <a:spcAft>
+                <a:spcPts val="800"/>
+              </a:spcAft>
+            </a:pPr>
+            <a:r>
+              <a:rPr lang="ru-RU" sz="1600" dirty="0">
+                <a:effectLst/>
+                <a:latin typeface="Times New Roman" panose="02020603050405020304" pitchFamily="18" charset="0"/>
+                <a:ea typeface="Calibri" panose="020F0502020204030204" pitchFamily="34" charset="0"/>
+              </a:rPr>
+              <a:t>ФЕДЕРАЛЬНОЕ ГОСУДАРСТВЕННОЕ БЮДЖЕТНОЕ ОБРАЗОВАТЕЛЬНОЕ УЧРЕЖДЕНИЕ ВЫСШЕГО ОБРАЗОВАНИЯ</a:t>
+            </a:r>
+          </a:p>
+          <a:p>
+            <a:pPr algn="ctr">
+              <a:lnSpc>
+                <a:spcPct val="107000"/>
+              </a:lnSpc>
+              <a:spcAft>
+                <a:spcPts val="800"/>
+              </a:spcAft>
+            </a:pPr>
+            <a:r>
+              <a:rPr lang="ru-RU" sz="1600" dirty="0">
+                <a:effectLst/>
+                <a:latin typeface="Times New Roman" panose="02020603050405020304" pitchFamily="18" charset="0"/>
+                <a:ea typeface="Calibri" panose="020F0502020204030204" pitchFamily="34" charset="0"/>
+              </a:rPr>
+              <a:t>«ОРЛОВСКИЙ ГОСУДАРСТВЕННЫЙ УНИВЕРСИТЕТ </a:t>
+            </a:r>
+          </a:p>
+          <a:p>
+            <a:pPr algn="ctr">
+              <a:lnSpc>
+                <a:spcPct val="107000"/>
+              </a:lnSpc>
+              <a:spcAft>
+                <a:spcPts val="800"/>
+              </a:spcAft>
+            </a:pPr>
+            <a:r>
+              <a:rPr lang="ru-RU" sz="1600" dirty="0">
+                <a:effectLst/>
+                <a:latin typeface="Times New Roman" panose="02020603050405020304" pitchFamily="18" charset="0"/>
+                <a:ea typeface="Calibri" panose="020F0502020204030204" pitchFamily="34" charset="0"/>
+              </a:rPr>
+              <a:t>имени И.С. ТУРГЕНЕВА»</a:t>
             </a:r>
           </a:p>
         </p:txBody>
@@ -10147,8 +10290,8 @@
         </p:nvSpPr>
         <p:spPr>
           <a:xfrm>
-            <a:off x="2185986" y="2338637"/>
-            <a:ext cx="8448675" cy="873572"/>
+            <a:off x="1951671" y="2963425"/>
+            <a:ext cx="8448675" cy="786754"/>
           </a:xfrm>
           <a:prstGeom prst="rect">
             <a:avLst/>
@@ -10167,7 +10310,7 @@
               </a:lnSpc>
             </a:pPr>
             <a:r>
-              <a:rPr lang="ru-RU" sz="1800" dirty="0">
+              <a:rPr lang="ru-RU" sz="1600" dirty="0">
                 <a:solidFill>
                   <a:srgbClr val="000000"/>
                 </a:solidFill>
@@ -10185,7 +10328,7 @@
               </a:lnSpc>
             </a:pPr>
             <a:r>
-              <a:rPr lang="ru-RU" sz="1800" dirty="0">
+              <a:rPr lang="ru-RU" sz="1600" dirty="0">
                 <a:solidFill>
                   <a:srgbClr val="000000"/>
                 </a:solidFill>
@@ -10195,7 +10338,7 @@
               </a:rPr>
               <a:t>ВЗАИМОДЕЙСТВИЯ ВЕБ-САЙТА С БАЗОЙ ДАННЫХ</a:t>
             </a:r>
-            <a:endParaRPr lang="ru-RU" sz="1800" dirty="0">
+            <a:endParaRPr lang="ru-RU" sz="1600" dirty="0">
               <a:effectLst/>
               <a:latin typeface="Times New Roman" panose="02020603050405020304" pitchFamily="18" charset="0"/>
               <a:ea typeface="Times New Roman" panose="02020603050405020304" pitchFamily="18" charset="0"/>
@@ -10218,7 +10361,7 @@
         <p:spPr>
           <a:xfrm>
             <a:off x="1951671" y="4244646"/>
-            <a:ext cx="8992553" cy="1200329"/>
+            <a:ext cx="8992553" cy="1525418"/>
           </a:xfrm>
           <a:prstGeom prst="rect">
             <a:avLst/>
@@ -10231,22 +10374,27 @@
           </a:bodyPr>
           <a:lstStyle/>
           <a:p>
-            <a:r>
-              <a:rPr lang="ru-RU" dirty="0">
+            <a:pPr>
+              <a:lnSpc>
+                <a:spcPct val="150000"/>
+              </a:lnSpc>
+            </a:pPr>
+            <a:r>
+              <a:rPr lang="ru-RU" sz="1600" dirty="0">
                 <a:latin typeface="Times New Roman" panose="02020603050405020304" pitchFamily="18" charset="0"/>
                 <a:cs typeface="Times New Roman" panose="02020603050405020304" pitchFamily="18" charset="0"/>
               </a:rPr>
               <a:t>Подготовил</a:t>
             </a:r>
             <a:r>
-              <a:rPr lang="en-US" dirty="0">
+              <a:rPr lang="en-US" sz="1600" dirty="0">
                 <a:latin typeface="Times New Roman" panose="02020603050405020304" pitchFamily="18" charset="0"/>
                 <a:cs typeface="Times New Roman" panose="02020603050405020304" pitchFamily="18" charset="0"/>
               </a:rPr>
               <a:t>: </a:t>
             </a:r>
             <a:r>
-              <a:rPr lang="ru-RU" dirty="0">
+              <a:rPr lang="ru-RU" sz="1600" dirty="0">
                 <a:latin typeface="Times New Roman" panose="02020603050405020304" pitchFamily="18" charset="0"/>
                 <a:cs typeface="Times New Roman" panose="02020603050405020304" pitchFamily="18" charset="0"/>
               </a:rPr>
@@ -10254,22 +10402,27 @@
             </a:r>
           </a:p>
           <a:p>
-            <a:r>
-              <a:rPr lang="ru-RU" dirty="0">
+            <a:pPr>
+              <a:lnSpc>
+                <a:spcPct val="150000"/>
+              </a:lnSpc>
+            </a:pPr>
+            <a:r>
+              <a:rPr lang="ru-RU" sz="1600" dirty="0">
                 <a:latin typeface="Times New Roman" panose="02020603050405020304" pitchFamily="18" charset="0"/>
                 <a:cs typeface="Times New Roman" panose="02020603050405020304" pitchFamily="18" charset="0"/>
               </a:rPr>
               <a:t>Направление подготовки</a:t>
             </a:r>
             <a:r>
-              <a:rPr lang="en-US" dirty="0">
+              <a:rPr lang="en-US" sz="1600" dirty="0">
                 <a:latin typeface="Times New Roman" panose="02020603050405020304" pitchFamily="18" charset="0"/>
                 <a:cs typeface="Times New Roman" panose="02020603050405020304" pitchFamily="18" charset="0"/>
               </a:rPr>
               <a:t>: 01.04.02 </a:t>
             </a:r>
             <a:r>
-              <a:rPr lang="ru-RU" dirty="0">
+              <a:rPr lang="ru-RU" sz="1600" dirty="0">
                 <a:latin typeface="Times New Roman" panose="02020603050405020304" pitchFamily="18" charset="0"/>
                 <a:cs typeface="Times New Roman" panose="02020603050405020304" pitchFamily="18" charset="0"/>
               </a:rPr>
@@ -10277,15 +10430,20 @@
             </a:r>
           </a:p>
           <a:p>
-            <a:r>
-              <a:rPr lang="ru-RU" dirty="0">
+            <a:pPr>
+              <a:lnSpc>
+                <a:spcPct val="150000"/>
+              </a:lnSpc>
+            </a:pPr>
+            <a:r>
+              <a:rPr lang="ru-RU" sz="1600" dirty="0">
                 <a:latin typeface="Times New Roman" panose="02020603050405020304" pitchFamily="18" charset="0"/>
                 <a:ea typeface="Times New Roman" panose="02020603050405020304" pitchFamily="18" charset="0"/>
               </a:rPr>
               <a:t>Н</a:t>
             </a:r>
             <a:r>
-              <a:rPr lang="ru-RU" sz="1800" dirty="0">
+              <a:rPr lang="ru-RU" sz="1600" dirty="0">
                 <a:effectLst/>
                 <a:latin typeface="Times New Roman" panose="02020603050405020304" pitchFamily="18" charset="0"/>
                 <a:ea typeface="Times New Roman" panose="02020603050405020304" pitchFamily="18" charset="0"/>
@@ -10293,7 +10451,7 @@
               <a:t>аправленность (профиль)</a:t>
             </a:r>
             <a:r>
-              <a:rPr lang="en-US" sz="1800" dirty="0">
+              <a:rPr lang="en-US" sz="1600" dirty="0">
                 <a:effectLst/>
                 <a:latin typeface="Times New Roman" panose="02020603050405020304" pitchFamily="18" charset="0"/>
                 <a:ea typeface="Times New Roman" panose="02020603050405020304" pitchFamily="18" charset="0"/>
@@ -10301,7 +10459,7 @@
               <a:t>:</a:t>
             </a:r>
             <a:r>
-              <a:rPr lang="ru-RU" sz="1800" dirty="0">
+              <a:rPr lang="ru-RU" sz="1600" dirty="0">
                 <a:effectLst/>
                 <a:latin typeface="Times New Roman" panose="02020603050405020304" pitchFamily="18" charset="0"/>
                 <a:ea typeface="Times New Roman" panose="02020603050405020304" pitchFamily="18" charset="0"/>
@@ -10309,42 +10467,47 @@
               <a:t> </a:t>
             </a:r>
             <a:r>
-              <a:rPr lang="ru-RU" dirty="0">
+              <a:rPr lang="ru-RU" sz="1600" dirty="0">
                 <a:latin typeface="Times New Roman" panose="02020603050405020304" pitchFamily="18" charset="0"/>
                 <a:ea typeface="Times New Roman" panose="02020603050405020304" pitchFamily="18" charset="0"/>
               </a:rPr>
               <a:t>т</a:t>
             </a:r>
             <a:r>
-              <a:rPr lang="ru-RU" sz="1800" dirty="0">
+              <a:rPr lang="ru-RU" sz="1600" dirty="0">
                 <a:effectLst/>
                 <a:latin typeface="Times New Roman" panose="02020603050405020304" pitchFamily="18" charset="0"/>
                 <a:ea typeface="Times New Roman" panose="02020603050405020304" pitchFamily="18" charset="0"/>
               </a:rPr>
               <a:t>ехнологии параллельных и распределённых вычислений</a:t>
             </a:r>
-            <a:endParaRPr lang="ru-RU" dirty="0">
+            <a:endParaRPr lang="ru-RU" sz="1600" dirty="0">
               <a:latin typeface="Times New Roman" panose="02020603050405020304" pitchFamily="18" charset="0"/>
               <a:cs typeface="Times New Roman" panose="02020603050405020304" pitchFamily="18" charset="0"/>
             </a:endParaRPr>
           </a:p>
           <a:p>
-            <a:r>
-              <a:rPr lang="ru-RU" dirty="0">
+            <a:pPr>
+              <a:lnSpc>
+                <a:spcPct val="150000"/>
+              </a:lnSpc>
+            </a:pPr>
+            <a:r>
+              <a:rPr lang="ru-RU" sz="1600" dirty="0">
                 <a:latin typeface="Times New Roman" panose="02020603050405020304" pitchFamily="18" charset="0"/>
                 <a:cs typeface="Times New Roman" panose="02020603050405020304" pitchFamily="18" charset="0"/>
               </a:rPr>
               <a:t>Руководитель</a:t>
             </a:r>
             <a:r>
-              <a:rPr lang="en-US" dirty="0">
+              <a:rPr lang="en-US" sz="1600" dirty="0">
                 <a:latin typeface="Times New Roman" panose="02020603050405020304" pitchFamily="18" charset="0"/>
                 <a:cs typeface="Times New Roman" panose="02020603050405020304" pitchFamily="18" charset="0"/>
               </a:rPr>
               <a:t>: </a:t>
             </a:r>
             <a:r>
-              <a:rPr lang="ru-RU" dirty="0">
+              <a:rPr lang="ru-RU" sz="1600" dirty="0">
                 <a:latin typeface="Times New Roman" panose="02020603050405020304" pitchFamily="18" charset="0"/>
                 <a:cs typeface="Times New Roman" panose="02020603050405020304" pitchFamily="18" charset="0"/>
               </a:rPr>
@@ -10451,7 +10614,7 @@
     </p:spTree>
     <p:extLst>
       <p:ext uri="{BB962C8B-B14F-4D97-AF65-F5344CB8AC3E}">
-        <p14:creationId xmlns:p14="http://schemas.microsoft.com/office/powerpoint/2010/main" val="1897497102"/>
+        <p14:creationId xmlns:p14="http://schemas.microsoft.com/office/powerpoint/2010/main" val="2158110953"/>
       </p:ext>
     </p:extLst>
   </p:cSld>
@@ -10535,7 +10698,7 @@
         <p:spPr>
           <a:xfrm>
             <a:off x="676275" y="1409700"/>
-            <a:ext cx="10839450" cy="2984407"/>
+            <a:ext cx="10839450" cy="3815403"/>
           </a:xfrm>
           <a:prstGeom prst="rect">
             <a:avLst/>
@@ -10560,7 +10723,7 @@
                 <a:ea typeface="Times New Roman" panose="02020603050405020304" pitchFamily="18" charset="0"/>
                 <a:cs typeface="Times New Roman" panose="02020603050405020304" pitchFamily="18" charset="0"/>
               </a:rPr>
-              <a:t>Цель</a:t>
+              <a:t>	Цель</a:t>
             </a:r>
             <a:r>
               <a:rPr lang="en-US" dirty="0">
@@ -10578,17 +10741,32 @@
                 <a:ea typeface="Times New Roman" panose="02020603050405020304" pitchFamily="18" charset="0"/>
                 <a:cs typeface="Times New Roman" panose="02020603050405020304" pitchFamily="18" charset="0"/>
               </a:rPr>
-              <a:t> разработать веб-библиотеки для оптимизации взаимодействия с базой данных</a:t>
-            </a:r>
-            <a:r>
-              <a:rPr lang="en-US" dirty="0">
-                <a:effectLst/>
-                <a:latin typeface="Times New Roman" panose="02020603050405020304" pitchFamily="18" charset="0"/>
-                <a:ea typeface="Times New Roman" panose="02020603050405020304" pitchFamily="18" charset="0"/>
+              <a:t> </a:t>
+            </a:r>
+            <a:r>
+              <a:rPr lang="ru-RU" kern="150" dirty="0">
+                <a:latin typeface="Times New Roman" panose="02020603050405020304" pitchFamily="18" charset="0"/>
+                <a:ea typeface="SimSun" panose="02010600030101010101" pitchFamily="2" charset="-122"/>
                 <a:cs typeface="Times New Roman" panose="02020603050405020304" pitchFamily="18" charset="0"/>
               </a:rPr>
-              <a:t>;</a:t>
-            </a:r>
+              <a:t>р</a:t>
+            </a:r>
+            <a:r>
+              <a:rPr lang="ru-RU" sz="1800" kern="150" dirty="0">
+                <a:effectLst/>
+                <a:latin typeface="Times New Roman" panose="02020603050405020304" pitchFamily="18" charset="0"/>
+                <a:ea typeface="SimSun" panose="02010600030101010101" pitchFamily="2" charset="-122"/>
+                <a:cs typeface="Lohit Devanagari"/>
+              </a:rPr>
+              <a:t>азработать веб-библиотеки, реализующие методы оптимизации взаимодействия веб-сайта с базой данных.</a:t>
+            </a:r>
+          </a:p>
+          <a:p>
+            <a:pPr>
+              <a:lnSpc>
+                <a:spcPct val="150000"/>
+              </a:lnSpc>
+            </a:pPr>
             <a:endParaRPr lang="en-US" sz="1800" dirty="0">
               <a:latin typeface="Times New Roman" panose="02020603050405020304" pitchFamily="18" charset="0"/>
               <a:ea typeface="Times New Roman" panose="02020603050405020304" pitchFamily="18" charset="0"/>
@@ -10607,7 +10785,7 @@
                 <a:ea typeface="Times New Roman" panose="02020603050405020304" pitchFamily="18" charset="0"/>
                 <a:cs typeface="Times New Roman" panose="02020603050405020304" pitchFamily="18" charset="0"/>
               </a:rPr>
-              <a:t>Задач</a:t>
+              <a:t>	Задач</a:t>
             </a:r>
             <a:r>
               <a:rPr lang="ru-RU" dirty="0">
@@ -10627,7 +10805,7 @@
             </a:r>
           </a:p>
           <a:p>
-            <a:pPr marL="342900" lvl="0" indent="-342900">
+            <a:pPr marL="800100" lvl="1" indent="-342900" algn="just">
               <a:lnSpc>
                 <a:spcPct val="150000"/>
               </a:lnSpc>
@@ -10641,15 +10819,15 @@
               <a:buAutoNum type="arabicPeriod"/>
             </a:pPr>
             <a:r>
-              <a:rPr lang="ru-RU" sz="1800" kern="150" dirty="0">
+              <a:rPr lang="ru-RU" kern="150" dirty="0">
                 <a:effectLst/>
                 <a:latin typeface="Times New Roman" panose="02020603050405020304" pitchFamily="18" charset="0"/>
                 <a:ea typeface="SimSun" panose="02010600030101010101" pitchFamily="2" charset="-122"/>
                 <a:cs typeface="Lohit Devanagari"/>
               </a:rPr>
-              <a:t>Изучить операции взаимодействия с базой данных;</a:t>
-            </a:r>
-            <a:endParaRPr lang="ru-RU" sz="1800" kern="150" dirty="0">
+              <a:t>Изучить операции взаимодействия веб-сайта с базой данных;</a:t>
+            </a:r>
+            <a:endParaRPr lang="ru-RU" kern="150" dirty="0">
               <a:effectLst/>
               <a:latin typeface="Liberation Serif"/>
               <a:ea typeface="SimSun" panose="02010600030101010101" pitchFamily="2" charset="-122"/>
@@ -10657,7 +10835,7 @@
             </a:endParaRPr>
           </a:p>
           <a:p>
-            <a:pPr marL="342900" lvl="0" indent="-342900">
+            <a:pPr marL="800100" lvl="1" indent="-342900" algn="just">
               <a:lnSpc>
                 <a:spcPct val="150000"/>
               </a:lnSpc>
@@ -10671,15 +10849,15 @@
               <a:buAutoNum type="arabicPeriod"/>
             </a:pPr>
             <a:r>
-              <a:rPr lang="ru-RU" sz="1800" kern="150" dirty="0">
+              <a:rPr lang="ru-RU" kern="150" dirty="0">
                 <a:effectLst/>
                 <a:latin typeface="Times New Roman" panose="02020603050405020304" pitchFamily="18" charset="0"/>
                 <a:ea typeface="SimSun" panose="02010600030101010101" pitchFamily="2" charset="-122"/>
                 <a:cs typeface="Lohit Devanagari"/>
               </a:rPr>
-              <a:t>Изучить методы оптимизации взаимодействия с базой данных;</a:t>
-            </a:r>
-            <a:endParaRPr lang="ru-RU" sz="1800" kern="150" dirty="0">
+              <a:t>Проанализировать методы оптимизации взаимодействия веб-сайта с базой данных;</a:t>
+            </a:r>
+            <a:endParaRPr lang="ru-RU" kern="150" dirty="0">
               <a:effectLst/>
               <a:latin typeface="Liberation Serif"/>
               <a:ea typeface="SimSun" panose="02010600030101010101" pitchFamily="2" charset="-122"/>
@@ -10687,7 +10865,7 @@
             </a:endParaRPr>
           </a:p>
           <a:p>
-            <a:pPr marL="342900" lvl="0" indent="-342900">
+            <a:pPr marL="800100" lvl="1" indent="-342900" algn="just">
               <a:lnSpc>
                 <a:spcPct val="150000"/>
               </a:lnSpc>
@@ -10701,7 +10879,7 @@
               <a:buAutoNum type="arabicPeriod"/>
             </a:pPr>
             <a:r>
-              <a:rPr lang="ru-RU" sz="1800" kern="150">
+              <a:rPr lang="ru-RU" kern="150" dirty="0">
                 <a:effectLst/>
                 <a:latin typeface="Times New Roman" panose="02020603050405020304" pitchFamily="18" charset="0"/>
                 <a:ea typeface="SimSun" panose="02010600030101010101" pitchFamily="2" charset="-122"/>
@@ -10709,7 +10887,7 @@
               </a:rPr>
               <a:t>Разработать веб-библиотеки, реализующие методы оптимизации взаимодействия веб-сайта с базой данных.</a:t>
             </a:r>
-            <a:endParaRPr lang="ru-RU" sz="1800" kern="150">
+            <a:endParaRPr lang="ru-RU" kern="150" dirty="0">
               <a:effectLst/>
               <a:latin typeface="Liberation Serif"/>
               <a:ea typeface="SimSun" panose="02010600030101010101" pitchFamily="2" charset="-122"/>
@@ -10805,7 +10983,7 @@
         <p:spPr>
           <a:xfrm>
             <a:off x="676275" y="1409700"/>
-            <a:ext cx="10839450" cy="4336059"/>
+            <a:ext cx="10839450" cy="4505336"/>
           </a:xfrm>
           <a:prstGeom prst="rect">
             <a:avLst/>
@@ -10818,246 +10996,76 @@
           </a:bodyPr>
           <a:lstStyle/>
           <a:p>
-            <a:pPr marL="0" algn="l" rtl="0" eaLnBrk="1" latinLnBrk="0" hangingPunct="1">
-              <a:spcBef>
-                <a:spcPts val="0"/>
-              </a:spcBef>
-              <a:spcAft>
-                <a:spcPts val="0"/>
-              </a:spcAft>
-            </a:pPr>
-            <a:r>
-              <a:rPr lang="ru-RU" sz="1800" kern="1200" dirty="0">
-                <a:solidFill>
-                  <a:srgbClr val="000000"/>
-                </a:solidFill>
-                <a:effectLst/>
-                <a:latin typeface="Times New Roman" panose="02020603050405020304" pitchFamily="18" charset="0"/>
-                <a:ea typeface="Calibri" panose="020F0502020204030204" pitchFamily="34" charset="0"/>
-                <a:cs typeface="Times New Roman CYR" panose="02020603050405020304" pitchFamily="18" charset="0"/>
-              </a:rPr>
-              <a:t>	В современном мире трудно переоценить значимость баз данных. Базы данных прочно укрепили свои позиции повсеместно в промышленных, образовательных, здравоохранительных, правоохранительных и в других общественно важных структурах, а также в сферах бизнеса.</a:t>
-            </a:r>
-          </a:p>
-          <a:p>
-            <a:pPr marL="0" algn="l" rtl="0" eaLnBrk="1" latinLnBrk="0" hangingPunct="1">
-              <a:spcBef>
-                <a:spcPts val="0"/>
-              </a:spcBef>
-              <a:spcAft>
-                <a:spcPts val="0"/>
-              </a:spcAft>
-            </a:pPr>
-            <a:endParaRPr lang="ru-RU" dirty="0">
-              <a:effectLst/>
-            </a:endParaRPr>
-          </a:p>
-          <a:p>
-            <a:pPr marL="0" algn="l" rtl="0" eaLnBrk="1" latinLnBrk="0" hangingPunct="1">
-              <a:spcBef>
-                <a:spcPts val="0"/>
-              </a:spcBef>
-              <a:spcAft>
-                <a:spcPts val="0"/>
-              </a:spcAft>
-            </a:pPr>
-            <a:r>
-              <a:rPr lang="ru-RU" sz="1800" kern="1200" dirty="0">
-                <a:solidFill>
-                  <a:srgbClr val="000000"/>
-                </a:solidFill>
-                <a:effectLst/>
-                <a:latin typeface="Times New Roman" panose="02020603050405020304" pitchFamily="18" charset="0"/>
-                <a:ea typeface="Calibri" panose="020F0502020204030204" pitchFamily="34" charset="0"/>
-                <a:cs typeface="Times New Roman CYR" panose="02020603050405020304" pitchFamily="18" charset="0"/>
-              </a:rPr>
-              <a:t>	Язык </a:t>
-            </a:r>
-            <a:r>
-              <a:rPr lang="en-US" sz="1800" kern="1200" dirty="0">
-                <a:solidFill>
-                  <a:srgbClr val="000000"/>
-                </a:solidFill>
-                <a:effectLst/>
-                <a:latin typeface="Times New Roman" panose="02020603050405020304" pitchFamily="18" charset="0"/>
-                <a:ea typeface="Calibri" panose="020F0502020204030204" pitchFamily="34" charset="0"/>
-                <a:cs typeface="Times New Roman CYR" panose="02020603050405020304" pitchFamily="18" charset="0"/>
-              </a:rPr>
-              <a:t>SQL</a:t>
-            </a:r>
-            <a:r>
-              <a:rPr lang="ru-RU" sz="1800" kern="1200" dirty="0">
-                <a:solidFill>
-                  <a:srgbClr val="000000"/>
-                </a:solidFill>
-                <a:effectLst/>
-                <a:latin typeface="Times New Roman" panose="02020603050405020304" pitchFamily="18" charset="0"/>
-                <a:ea typeface="Calibri" panose="020F0502020204030204" pitchFamily="34" charset="0"/>
-                <a:cs typeface="Times New Roman CYR" panose="02020603050405020304" pitchFamily="18" charset="0"/>
-              </a:rPr>
-              <a:t>, как основной инструмент работы с базами данных, играет первостепенную роль в вопросе разработки СУБД, а также в администрировании баз данных. </a:t>
-            </a:r>
-            <a:endParaRPr lang="ru-RU" dirty="0">
-              <a:effectLst/>
-            </a:endParaRPr>
-          </a:p>
-          <a:p>
-            <a:pPr marL="0" algn="l" rtl="0" eaLnBrk="1" latinLnBrk="0" hangingPunct="1">
-              <a:spcBef>
-                <a:spcPts val="0"/>
-              </a:spcBef>
-              <a:spcAft>
-                <a:spcPts val="0"/>
-              </a:spcAft>
-            </a:pPr>
-            <a:endParaRPr lang="ru-RU" sz="1800" kern="1200" dirty="0">
-              <a:solidFill>
-                <a:srgbClr val="000000"/>
-              </a:solidFill>
-              <a:effectLst/>
-              <a:latin typeface="Times New Roman" panose="02020603050405020304" pitchFamily="18" charset="0"/>
-              <a:ea typeface="Calibri" panose="020F0502020204030204" pitchFamily="34" charset="0"/>
-              <a:cs typeface="Times New Roman CYR" panose="02020603050405020304" pitchFamily="18" charset="0"/>
-            </a:endParaRPr>
-          </a:p>
-          <a:p>
-            <a:pPr marL="0" algn="l" rtl="0" eaLnBrk="1" latinLnBrk="0" hangingPunct="1">
-              <a:spcBef>
-                <a:spcPts val="0"/>
-              </a:spcBef>
-              <a:spcAft>
-                <a:spcPts val="0"/>
-              </a:spcAft>
-            </a:pPr>
-            <a:r>
-              <a:rPr lang="ru-RU" dirty="0">
-                <a:solidFill>
-                  <a:srgbClr val="000000"/>
-                </a:solidFill>
-                <a:latin typeface="Times New Roman" panose="02020603050405020304" pitchFamily="18" charset="0"/>
-                <a:ea typeface="Calibri" panose="020F0502020204030204" pitchFamily="34" charset="0"/>
-                <a:cs typeface="Times New Roman CYR" panose="02020603050405020304" pitchFamily="18" charset="0"/>
-              </a:rPr>
-              <a:t>	</a:t>
-            </a:r>
-            <a:r>
-              <a:rPr lang="ru-RU" sz="1800" kern="1200" dirty="0">
-                <a:solidFill>
-                  <a:srgbClr val="000000"/>
-                </a:solidFill>
-                <a:effectLst/>
-                <a:latin typeface="Times New Roman" panose="02020603050405020304" pitchFamily="18" charset="0"/>
-                <a:ea typeface="Calibri" panose="020F0502020204030204" pitchFamily="34" charset="0"/>
-                <a:cs typeface="Times New Roman CYR" panose="02020603050405020304" pitchFamily="18" charset="0"/>
-              </a:rPr>
-              <a:t>К сожалению, многие разработчики не так часто задумываются о оптимизации </a:t>
-            </a:r>
-            <a:r>
-              <a:rPr lang="en-US" sz="1800" kern="1200" dirty="0">
-                <a:solidFill>
-                  <a:srgbClr val="000000"/>
-                </a:solidFill>
-                <a:effectLst/>
-                <a:latin typeface="Times New Roman" panose="02020603050405020304" pitchFamily="18" charset="0"/>
-                <a:ea typeface="Calibri" panose="020F0502020204030204" pitchFamily="34" charset="0"/>
-                <a:cs typeface="Times New Roman CYR" panose="02020603050405020304" pitchFamily="18" charset="0"/>
-              </a:rPr>
-              <a:t>SQL</a:t>
-            </a:r>
-            <a:r>
-              <a:rPr lang="ru-RU" sz="1800" kern="1200" dirty="0">
-                <a:solidFill>
-                  <a:srgbClr val="000000"/>
-                </a:solidFill>
-                <a:effectLst/>
-                <a:latin typeface="Times New Roman" panose="02020603050405020304" pitchFamily="18" charset="0"/>
-                <a:ea typeface="Calibri" panose="020F0502020204030204" pitchFamily="34" charset="0"/>
-                <a:cs typeface="Times New Roman CYR" panose="02020603050405020304" pitchFamily="18" charset="0"/>
-              </a:rPr>
-              <a:t>-запросов, напрасно полагая, что современное аппаратное обеспечение поможет компенсировать лишние затраты, возникающие при выполнении неэффективных </a:t>
-            </a:r>
-            <a:r>
-              <a:rPr lang="en-US" sz="1800" kern="1200" dirty="0">
-                <a:solidFill>
-                  <a:srgbClr val="000000"/>
-                </a:solidFill>
-                <a:effectLst/>
-                <a:latin typeface="Times New Roman" panose="02020603050405020304" pitchFamily="18" charset="0"/>
-                <a:ea typeface="Calibri" panose="020F0502020204030204" pitchFamily="34" charset="0"/>
-                <a:cs typeface="Times New Roman CYR" panose="02020603050405020304" pitchFamily="18" charset="0"/>
-              </a:rPr>
-              <a:t>SQL</a:t>
-            </a:r>
-            <a:r>
-              <a:rPr lang="ru-RU" sz="1800" kern="1200" dirty="0">
-                <a:solidFill>
-                  <a:srgbClr val="000000"/>
-                </a:solidFill>
-                <a:effectLst/>
-                <a:latin typeface="Times New Roman" panose="02020603050405020304" pitchFamily="18" charset="0"/>
-                <a:ea typeface="Calibri" panose="020F0502020204030204" pitchFamily="34" charset="0"/>
-                <a:cs typeface="Times New Roman CYR" panose="02020603050405020304" pitchFamily="18" charset="0"/>
-              </a:rPr>
-              <a:t>-запросов. </a:t>
-            </a:r>
-          </a:p>
-          <a:p>
-            <a:pPr marL="0" algn="l" rtl="0" eaLnBrk="1" latinLnBrk="0" hangingPunct="1">
-              <a:spcBef>
-                <a:spcPts val="0"/>
-              </a:spcBef>
-              <a:spcAft>
-                <a:spcPts val="0"/>
-              </a:spcAft>
-            </a:pPr>
-            <a:r>
-              <a:rPr lang="ru-RU" dirty="0">
-                <a:solidFill>
-                  <a:srgbClr val="000000"/>
-                </a:solidFill>
-                <a:latin typeface="Times New Roman" panose="02020603050405020304" pitchFamily="18" charset="0"/>
-                <a:ea typeface="Calibri" panose="020F0502020204030204" pitchFamily="34" charset="0"/>
-                <a:cs typeface="Times New Roman CYR" panose="02020603050405020304" pitchFamily="18" charset="0"/>
-              </a:rPr>
-              <a:t>	</a:t>
-            </a:r>
-          </a:p>
-          <a:p>
-            <a:pPr marL="0" algn="l" rtl="0" eaLnBrk="1" latinLnBrk="0" hangingPunct="1">
-              <a:spcBef>
-                <a:spcPts val="0"/>
-              </a:spcBef>
-              <a:spcAft>
-                <a:spcPts val="0"/>
-              </a:spcAft>
-            </a:pPr>
-            <a:r>
-              <a:rPr lang="ru-RU" sz="1800" kern="1200" dirty="0">
-                <a:solidFill>
-                  <a:srgbClr val="000000"/>
-                </a:solidFill>
-                <a:effectLst/>
-                <a:latin typeface="Times New Roman" panose="02020603050405020304" pitchFamily="18" charset="0"/>
-                <a:ea typeface="Calibri" panose="020F0502020204030204" pitchFamily="34" charset="0"/>
-                <a:cs typeface="Times New Roman CYR" panose="02020603050405020304" pitchFamily="18" charset="0"/>
-              </a:rPr>
-              <a:t>	Современные СУБД имеют встроенные средства оптимизации запросов, перед их непосредственным выполнением. Понимание принципов работы этих средств необходимо для написания эффективных запросов. Поэтому изучение данного вопроса является актуальным на сегодняшний момент.</a:t>
-            </a:r>
-            <a:endParaRPr lang="ru-RU" dirty="0">
-              <a:effectLst/>
-            </a:endParaRPr>
-          </a:p>
-          <a:p>
-            <a:pPr>
+            <a:pPr indent="450215" algn="just">
               <a:lnSpc>
                 <a:spcPct val="150000"/>
               </a:lnSpc>
+              <a:spcAft>
+                <a:spcPts val="800"/>
+              </a:spcAft>
             </a:pPr>
-            <a:endParaRPr lang="en-US" dirty="0">
-              <a:latin typeface="Times New Roman" panose="02020603050405020304" pitchFamily="18" charset="0"/>
-              <a:ea typeface="Times New Roman" panose="02020603050405020304" pitchFamily="18" charset="0"/>
-              <a:cs typeface="Times New Roman" panose="02020603050405020304" pitchFamily="18" charset="0"/>
-            </a:endParaRPr>
+            <a:r>
+              <a:rPr lang="ru-RU" sz="1800" dirty="0">
+                <a:effectLst/>
+                <a:latin typeface="Times New Roman" panose="02020603050405020304" pitchFamily="18" charset="0"/>
+                <a:ea typeface="Calibri" panose="020F0502020204030204" pitchFamily="34" charset="0"/>
+              </a:rPr>
+              <a:t>Высокая нагрузка на базу данных увеличивает нагрузку на веб-сервер, что отрицательным образом сказывается на скорости работы веб-сайта. </a:t>
+            </a:r>
+          </a:p>
+          <a:p>
+            <a:pPr indent="450215" algn="just">
+              <a:lnSpc>
+                <a:spcPct val="150000"/>
+              </a:lnSpc>
+              <a:spcAft>
+                <a:spcPts val="800"/>
+              </a:spcAft>
+            </a:pPr>
+            <a:r>
+              <a:rPr lang="ru-RU" sz="1800" dirty="0">
+                <a:effectLst/>
+                <a:latin typeface="Times New Roman" panose="02020603050405020304" pitchFamily="18" charset="0"/>
+                <a:ea typeface="Calibri" panose="020F0502020204030204" pitchFamily="34" charset="0"/>
+              </a:rPr>
+              <a:t>Высокая нагрузка на веб-сервер требует дополнительных затрат на его поддержку. А низкая скорость работы веб-сайта отрицательным образом сказывается на комфорте использования. </a:t>
+            </a:r>
+          </a:p>
+          <a:p>
+            <a:pPr indent="450215" algn="just">
+              <a:lnSpc>
+                <a:spcPct val="150000"/>
+              </a:lnSpc>
+              <a:spcAft>
+                <a:spcPts val="800"/>
+              </a:spcAft>
+            </a:pPr>
+            <a:r>
+              <a:rPr lang="ru-RU" sz="1800" dirty="0">
+                <a:effectLst/>
+                <a:latin typeface="Times New Roman" panose="02020603050405020304" pitchFamily="18" charset="0"/>
+                <a:ea typeface="Calibri" panose="020F0502020204030204" pitchFamily="34" charset="0"/>
+              </a:rPr>
+              <a:t>Пользователей, в свою очередь, не будет устраивать скорость работы веб-сайта, в следствии чего они будут выбирать более производительные сайты конкурентов.</a:t>
+            </a:r>
+          </a:p>
+          <a:p>
+            <a:pPr indent="450215" algn="just">
+              <a:lnSpc>
+                <a:spcPct val="150000"/>
+              </a:lnSpc>
+              <a:spcAft>
+                <a:spcPts val="800"/>
+              </a:spcAft>
+            </a:pPr>
+            <a:r>
+              <a:rPr lang="ru-RU" sz="1800" dirty="0">
+                <a:effectLst/>
+                <a:latin typeface="Times New Roman" panose="02020603050405020304" pitchFamily="18" charset="0"/>
+                <a:ea typeface="Calibri" panose="020F0502020204030204" pitchFamily="34" charset="0"/>
+              </a:rPr>
+              <a:t>Проблема оптимизации взаимодействия веб-сайта с базой данных очень актуальна. Особенно сильно это проблема касается для веб-сайтов, занимающихся коммерческой деятельностью, например, интернет магазины. Ведь уровень комфорта использования интернет-магазинов напрямую влияет на количество активных пользователей, а соответственно, от этого зависит прибыль.</a:t>
+            </a:r>
           </a:p>
         </p:txBody>
       </p:sp>

--- a/Тютюнов.pptx
+++ b/Тютюнов.pptx
@@ -9,8 +9,8 @@
   </p:notesMasterIdLst>
   <p:sldIdLst>
     <p:sldId id="272" r:id="rId2"/>
-    <p:sldId id="292" r:id="rId3"/>
-    <p:sldId id="329" r:id="rId4"/>
+    <p:sldId id="329" r:id="rId3"/>
+    <p:sldId id="292" r:id="rId4"/>
     <p:sldId id="295" r:id="rId5"/>
     <p:sldId id="328" r:id="rId6"/>
     <p:sldId id="325" r:id="rId7"/>
@@ -128,8 +128,8 @@
         <p14:section name="Раздел по умолчанию" id="{0EDE0A02-6131-4BF9-9E5E-C9957EA6310E}">
           <p14:sldIdLst>
             <p14:sldId id="272"/>
+            <p14:sldId id="329"/>
             <p14:sldId id="292"/>
-            <p14:sldId id="329"/>
             <p14:sldId id="295"/>
             <p14:sldId id="328"/>
             <p14:sldId id="325"/>
@@ -6220,7 +6220,7 @@
 </file>
 
 <file path=ppt/slides/slide10.xml><?xml version="1.0" encoding="utf-8"?>
-<p:sld xmlns:a="http://schemas.openxmlformats.org/drawingml/2006/main" xmlns:r="http://schemas.openxmlformats.org/officeDocument/2006/relationships" xmlns:p="http://schemas.openxmlformats.org/presentationml/2006/main">
+<p:sld xmlns:a="http://schemas.openxmlformats.org/drawingml/2006/main" xmlns:r="http://schemas.openxmlformats.org/officeDocument/2006/relationships" xmlns:p="http://schemas.openxmlformats.org/presentationml/2006/main" show="0">
   <p:cSld>
     <p:spTree>
       <p:nvGrpSpPr>
@@ -10678,7 +10678,7 @@
                 <a:latin typeface="Times New Roman" panose="02020603050405020304" pitchFamily="18" charset="0"/>
                 <a:cs typeface="Times New Roman" panose="02020603050405020304" pitchFamily="18" charset="0"/>
               </a:rPr>
-              <a:t>Общие сведения</a:t>
+              <a:t>Актуальность</a:t>
             </a:r>
           </a:p>
         </p:txBody>
@@ -10698,7 +10698,7 @@
         <p:spPr>
           <a:xfrm>
             <a:off x="676275" y="1409700"/>
-            <a:ext cx="10839450" cy="3815403"/>
+            <a:ext cx="10839450" cy="4505336"/>
           </a:xfrm>
           <a:prstGeom prst="rect">
             <a:avLst/>
@@ -10711,195 +10711,83 @@
           </a:bodyPr>
           <a:lstStyle/>
           <a:p>
-            <a:pPr>
+            <a:pPr indent="450215" algn="just">
               <a:lnSpc>
                 <a:spcPct val="150000"/>
               </a:lnSpc>
+              <a:spcAft>
+                <a:spcPts val="800"/>
+              </a:spcAft>
             </a:pPr>
             <a:r>
-              <a:rPr lang="ru-RU" dirty="0">
-                <a:effectLst/>
-                <a:latin typeface="Times New Roman" panose="02020603050405020304" pitchFamily="18" charset="0"/>
-                <a:ea typeface="Times New Roman" panose="02020603050405020304" pitchFamily="18" charset="0"/>
-                <a:cs typeface="Times New Roman" panose="02020603050405020304" pitchFamily="18" charset="0"/>
-              </a:rPr>
-              <a:t>	Цель</a:t>
-            </a:r>
-            <a:r>
-              <a:rPr lang="en-US" dirty="0">
-                <a:effectLst/>
-                <a:latin typeface="Times New Roman" panose="02020603050405020304" pitchFamily="18" charset="0"/>
-                <a:ea typeface="Times New Roman" panose="02020603050405020304" pitchFamily="18" charset="0"/>
-                <a:cs typeface="Times New Roman" panose="02020603050405020304" pitchFamily="18" charset="0"/>
-              </a:rPr>
-              <a:t>:</a:t>
-            </a:r>
-            <a:r>
-              <a:rPr lang="ru-RU" dirty="0">
-                <a:effectLst/>
-                <a:latin typeface="Times New Roman" panose="02020603050405020304" pitchFamily="18" charset="0"/>
-                <a:ea typeface="Times New Roman" panose="02020603050405020304" pitchFamily="18" charset="0"/>
-                <a:cs typeface="Times New Roman" panose="02020603050405020304" pitchFamily="18" charset="0"/>
-              </a:rPr>
-              <a:t> </a:t>
-            </a:r>
-            <a:r>
-              <a:rPr lang="ru-RU" kern="150" dirty="0">
-                <a:latin typeface="Times New Roman" panose="02020603050405020304" pitchFamily="18" charset="0"/>
-                <a:ea typeface="SimSun" panose="02010600030101010101" pitchFamily="2" charset="-122"/>
-                <a:cs typeface="Times New Roman" panose="02020603050405020304" pitchFamily="18" charset="0"/>
-              </a:rPr>
-              <a:t>р</a:t>
-            </a:r>
-            <a:r>
-              <a:rPr lang="ru-RU" sz="1800" kern="150" dirty="0">
-                <a:effectLst/>
-                <a:latin typeface="Times New Roman" panose="02020603050405020304" pitchFamily="18" charset="0"/>
-                <a:ea typeface="SimSun" panose="02010600030101010101" pitchFamily="2" charset="-122"/>
-                <a:cs typeface="Lohit Devanagari"/>
-              </a:rPr>
-              <a:t>азработать веб-библиотеки, реализующие методы оптимизации взаимодействия веб-сайта с базой данных.</a:t>
-            </a:r>
-          </a:p>
-          <a:p>
-            <a:pPr>
+              <a:rPr lang="ru-RU" sz="1800" dirty="0">
+                <a:effectLst/>
+                <a:latin typeface="Times New Roman" panose="02020603050405020304" pitchFamily="18" charset="0"/>
+                <a:ea typeface="Calibri" panose="020F0502020204030204" pitchFamily="34" charset="0"/>
+              </a:rPr>
+              <a:t>Высокая нагрузка на базу данных увеличивает нагрузку на веб-сервер, что отрицательным образом сказывается на скорости работы веб-сайта. </a:t>
+            </a:r>
+          </a:p>
+          <a:p>
+            <a:pPr indent="450215" algn="just">
               <a:lnSpc>
                 <a:spcPct val="150000"/>
               </a:lnSpc>
+              <a:spcAft>
+                <a:spcPts val="800"/>
+              </a:spcAft>
             </a:pPr>
-            <a:endParaRPr lang="en-US" sz="1800" dirty="0">
-              <a:latin typeface="Times New Roman" panose="02020603050405020304" pitchFamily="18" charset="0"/>
-              <a:ea typeface="Times New Roman" panose="02020603050405020304" pitchFamily="18" charset="0"/>
-              <a:cs typeface="Times New Roman" panose="02020603050405020304" pitchFamily="18" charset="0"/>
-            </a:endParaRPr>
-          </a:p>
-          <a:p>
-            <a:pPr>
+            <a:r>
+              <a:rPr lang="ru-RU" sz="1800" dirty="0">
+                <a:effectLst/>
+                <a:latin typeface="Times New Roman" panose="02020603050405020304" pitchFamily="18" charset="0"/>
+                <a:ea typeface="Calibri" panose="020F0502020204030204" pitchFamily="34" charset="0"/>
+              </a:rPr>
+              <a:t>Высокая нагрузка на веб-сервер требует дополнительных затрат на его поддержку. А низкая скорость работы веб-сайта отрицательным образом сказывается на комфорте использования. </a:t>
+            </a:r>
+          </a:p>
+          <a:p>
+            <a:pPr indent="450215" algn="just">
               <a:lnSpc>
                 <a:spcPct val="150000"/>
               </a:lnSpc>
+              <a:spcAft>
+                <a:spcPts val="800"/>
+              </a:spcAft>
             </a:pPr>
             <a:r>
               <a:rPr lang="ru-RU" sz="1800" dirty="0">
-                <a:latin typeface="Times New Roman" panose="02020603050405020304" pitchFamily="18" charset="0"/>
-                <a:ea typeface="Times New Roman" panose="02020603050405020304" pitchFamily="18" charset="0"/>
-                <a:cs typeface="Times New Roman" panose="02020603050405020304" pitchFamily="18" charset="0"/>
-              </a:rPr>
-              <a:t>	Задач</a:t>
-            </a:r>
-            <a:r>
-              <a:rPr lang="ru-RU" dirty="0">
-                <a:latin typeface="Times New Roman" panose="02020603050405020304" pitchFamily="18" charset="0"/>
-                <a:ea typeface="Times New Roman" panose="02020603050405020304" pitchFamily="18" charset="0"/>
-                <a:cs typeface="Times New Roman" panose="02020603050405020304" pitchFamily="18" charset="0"/>
-              </a:rPr>
-              <a:t>и</a:t>
-            </a:r>
-            <a:r>
-              <a:rPr lang="en-US" dirty="0">
-                <a:latin typeface="Times New Roman" panose="02020603050405020304" pitchFamily="18" charset="0"/>
-                <a:ea typeface="Times New Roman" panose="02020603050405020304" pitchFamily="18" charset="0"/>
-                <a:cs typeface="Times New Roman" panose="02020603050405020304" pitchFamily="18" charset="0"/>
-              </a:rPr>
-              <a:t>:</a:t>
-            </a:r>
-          </a:p>
-          <a:p>
-            <a:pPr marL="800100" lvl="1" indent="-342900" algn="just">
+                <a:effectLst/>
+                <a:latin typeface="Times New Roman" panose="02020603050405020304" pitchFamily="18" charset="0"/>
+                <a:ea typeface="Calibri" panose="020F0502020204030204" pitchFamily="34" charset="0"/>
+              </a:rPr>
+              <a:t>Пользователей, в свою очередь, не будет устраивать скорость работы веб-сайта, в следствии чего они будут выбирать более производительные сайты конкурентов.</a:t>
+            </a:r>
+          </a:p>
+          <a:p>
+            <a:pPr indent="450215" algn="just">
               <a:lnSpc>
                 <a:spcPct val="150000"/>
               </a:lnSpc>
-              <a:spcBef>
-                <a:spcPts val="720"/>
-              </a:spcBef>
               <a:spcAft>
-                <a:spcPts val="720"/>
+                <a:spcPts val="800"/>
               </a:spcAft>
-              <a:buFont typeface="+mj-lt"/>
-              <a:buAutoNum type="arabicPeriod"/>
             </a:pPr>
             <a:r>
-              <a:rPr lang="ru-RU" kern="150" dirty="0">
-                <a:effectLst/>
-                <a:latin typeface="Times New Roman" panose="02020603050405020304" pitchFamily="18" charset="0"/>
-                <a:ea typeface="SimSun" panose="02010600030101010101" pitchFamily="2" charset="-122"/>
-                <a:cs typeface="Lohit Devanagari"/>
-              </a:rPr>
-              <a:t>Изучить операции взаимодействия веб-сайта с базой данных;</a:t>
-            </a:r>
-            <a:endParaRPr lang="ru-RU" kern="150" dirty="0">
-              <a:effectLst/>
-              <a:latin typeface="Liberation Serif"/>
-              <a:ea typeface="SimSun" panose="02010600030101010101" pitchFamily="2" charset="-122"/>
-              <a:cs typeface="Lohit Devanagari"/>
-            </a:endParaRPr>
-          </a:p>
-          <a:p>
-            <a:pPr marL="800100" lvl="1" indent="-342900" algn="just">
-              <a:lnSpc>
-                <a:spcPct val="150000"/>
-              </a:lnSpc>
-              <a:spcBef>
-                <a:spcPts val="720"/>
-              </a:spcBef>
-              <a:spcAft>
-                <a:spcPts val="720"/>
-              </a:spcAft>
-              <a:buFont typeface="+mj-lt"/>
-              <a:buAutoNum type="arabicPeriod"/>
-            </a:pPr>
-            <a:r>
-              <a:rPr lang="ru-RU" kern="150" dirty="0">
-                <a:effectLst/>
-                <a:latin typeface="Times New Roman" panose="02020603050405020304" pitchFamily="18" charset="0"/>
-                <a:ea typeface="SimSun" panose="02010600030101010101" pitchFamily="2" charset="-122"/>
-                <a:cs typeface="Lohit Devanagari"/>
-              </a:rPr>
-              <a:t>Проанализировать методы оптимизации взаимодействия веб-сайта с базой данных;</a:t>
-            </a:r>
-            <a:endParaRPr lang="ru-RU" kern="150" dirty="0">
-              <a:effectLst/>
-              <a:latin typeface="Liberation Serif"/>
-              <a:ea typeface="SimSun" panose="02010600030101010101" pitchFamily="2" charset="-122"/>
-              <a:cs typeface="Lohit Devanagari"/>
-            </a:endParaRPr>
-          </a:p>
-          <a:p>
-            <a:pPr marL="800100" lvl="1" indent="-342900" algn="just">
-              <a:lnSpc>
-                <a:spcPct val="150000"/>
-              </a:lnSpc>
-              <a:spcBef>
-                <a:spcPts val="720"/>
-              </a:spcBef>
-              <a:spcAft>
-                <a:spcPts val="720"/>
-              </a:spcAft>
-              <a:buFont typeface="+mj-lt"/>
-              <a:buAutoNum type="arabicPeriod"/>
-            </a:pPr>
-            <a:r>
-              <a:rPr lang="ru-RU" kern="150" dirty="0">
-                <a:effectLst/>
-                <a:latin typeface="Times New Roman" panose="02020603050405020304" pitchFamily="18" charset="0"/>
-                <a:ea typeface="SimSun" panose="02010600030101010101" pitchFamily="2" charset="-122"/>
-                <a:cs typeface="Lohit Devanagari"/>
-              </a:rPr>
-              <a:t>Разработать веб-библиотеки, реализующие методы оптимизации взаимодействия веб-сайта с базой данных.</a:t>
-            </a:r>
-            <a:endParaRPr lang="ru-RU" kern="150" dirty="0">
-              <a:effectLst/>
-              <a:latin typeface="Liberation Serif"/>
-              <a:ea typeface="SimSun" panose="02010600030101010101" pitchFamily="2" charset="-122"/>
-              <a:cs typeface="Lohit Devanagari"/>
-            </a:endParaRPr>
+              <a:rPr lang="ru-RU" sz="1800" dirty="0">
+                <a:effectLst/>
+                <a:latin typeface="Times New Roman" panose="02020603050405020304" pitchFamily="18" charset="0"/>
+                <a:ea typeface="Calibri" panose="020F0502020204030204" pitchFamily="34" charset="0"/>
+              </a:rPr>
+              <a:t>Проблема оптимизации взаимодействия веб-сайта с базой данных очень актуальна. Особенно сильно это проблема касается для веб-сайтов, занимающихся коммерческой деятельностью, например, интернет магазины. Ведь уровень комфорта использования интернет-магазинов напрямую влияет на количество активных пользователей, а соответственно, от этого зависит прибыль.</a:t>
+            </a:r>
           </a:p>
         </p:txBody>
       </p:sp>
     </p:spTree>
     <p:extLst>
       <p:ext uri="{BB962C8B-B14F-4D97-AF65-F5344CB8AC3E}">
-        <p14:creationId xmlns:p14="http://schemas.microsoft.com/office/powerpoint/2010/main" val="1333598413"/>
+        <p14:creationId xmlns:p14="http://schemas.microsoft.com/office/powerpoint/2010/main" val="4069862985"/>
       </p:ext>
     </p:extLst>
   </p:cSld>
@@ -10963,7 +10851,7 @@
                 <a:latin typeface="Times New Roman" panose="02020603050405020304" pitchFamily="18" charset="0"/>
                 <a:cs typeface="Times New Roman" panose="02020603050405020304" pitchFamily="18" charset="0"/>
               </a:rPr>
-              <a:t>Актуальность</a:t>
+              <a:t>Общие сведения</a:t>
             </a:r>
           </a:p>
         </p:txBody>
@@ -10983,7 +10871,7 @@
         <p:spPr>
           <a:xfrm>
             <a:off x="676275" y="1409700"/>
-            <a:ext cx="10839450" cy="4505336"/>
+            <a:ext cx="10839450" cy="3815403"/>
           </a:xfrm>
           <a:prstGeom prst="rect">
             <a:avLst/>
@@ -10996,83 +10884,195 @@
           </a:bodyPr>
           <a:lstStyle/>
           <a:p>
-            <a:pPr indent="450215" algn="just">
+            <a:pPr>
               <a:lnSpc>
                 <a:spcPct val="150000"/>
               </a:lnSpc>
-              <a:spcAft>
-                <a:spcPts val="800"/>
-              </a:spcAft>
             </a:pPr>
             <a:r>
-              <a:rPr lang="ru-RU" sz="1800" dirty="0">
-                <a:effectLst/>
-                <a:latin typeface="Times New Roman" panose="02020603050405020304" pitchFamily="18" charset="0"/>
-                <a:ea typeface="Calibri" panose="020F0502020204030204" pitchFamily="34" charset="0"/>
-              </a:rPr>
-              <a:t>Высокая нагрузка на базу данных увеличивает нагрузку на веб-сервер, что отрицательным образом сказывается на скорости работы веб-сайта. </a:t>
-            </a:r>
-          </a:p>
-          <a:p>
-            <a:pPr indent="450215" algn="just">
+              <a:rPr lang="ru-RU" dirty="0">
+                <a:effectLst/>
+                <a:latin typeface="Times New Roman" panose="02020603050405020304" pitchFamily="18" charset="0"/>
+                <a:ea typeface="Times New Roman" panose="02020603050405020304" pitchFamily="18" charset="0"/>
+                <a:cs typeface="Times New Roman" panose="02020603050405020304" pitchFamily="18" charset="0"/>
+              </a:rPr>
+              <a:t>	Цель</a:t>
+            </a:r>
+            <a:r>
+              <a:rPr lang="en-US" dirty="0">
+                <a:effectLst/>
+                <a:latin typeface="Times New Roman" panose="02020603050405020304" pitchFamily="18" charset="0"/>
+                <a:ea typeface="Times New Roman" panose="02020603050405020304" pitchFamily="18" charset="0"/>
+                <a:cs typeface="Times New Roman" panose="02020603050405020304" pitchFamily="18" charset="0"/>
+              </a:rPr>
+              <a:t>:</a:t>
+            </a:r>
+            <a:r>
+              <a:rPr lang="ru-RU" dirty="0">
+                <a:effectLst/>
+                <a:latin typeface="Times New Roman" panose="02020603050405020304" pitchFamily="18" charset="0"/>
+                <a:ea typeface="Times New Roman" panose="02020603050405020304" pitchFamily="18" charset="0"/>
+                <a:cs typeface="Times New Roman" panose="02020603050405020304" pitchFamily="18" charset="0"/>
+              </a:rPr>
+              <a:t> </a:t>
+            </a:r>
+            <a:r>
+              <a:rPr lang="ru-RU" kern="150" dirty="0">
+                <a:latin typeface="Times New Roman" panose="02020603050405020304" pitchFamily="18" charset="0"/>
+                <a:ea typeface="SimSun" panose="02010600030101010101" pitchFamily="2" charset="-122"/>
+                <a:cs typeface="Times New Roman" panose="02020603050405020304" pitchFamily="18" charset="0"/>
+              </a:rPr>
+              <a:t>р</a:t>
+            </a:r>
+            <a:r>
+              <a:rPr lang="ru-RU" sz="1800" kern="150" dirty="0">
+                <a:effectLst/>
+                <a:latin typeface="Times New Roman" panose="02020603050405020304" pitchFamily="18" charset="0"/>
+                <a:ea typeface="SimSun" panose="02010600030101010101" pitchFamily="2" charset="-122"/>
+                <a:cs typeface="Lohit Devanagari"/>
+              </a:rPr>
+              <a:t>азработать веб-библиотеки, реализующие методы оптимизации взаимодействия веб-сайта с базой данных.</a:t>
+            </a:r>
+          </a:p>
+          <a:p>
+            <a:pPr>
               <a:lnSpc>
                 <a:spcPct val="150000"/>
               </a:lnSpc>
-              <a:spcAft>
-                <a:spcPts val="800"/>
-              </a:spcAft>
             </a:pPr>
-            <a:r>
-              <a:rPr lang="ru-RU" sz="1800" dirty="0">
-                <a:effectLst/>
-                <a:latin typeface="Times New Roman" panose="02020603050405020304" pitchFamily="18" charset="0"/>
-                <a:ea typeface="Calibri" panose="020F0502020204030204" pitchFamily="34" charset="0"/>
-              </a:rPr>
-              <a:t>Высокая нагрузка на веб-сервер требует дополнительных затрат на его поддержку. А низкая скорость работы веб-сайта отрицательным образом сказывается на комфорте использования. </a:t>
-            </a:r>
-          </a:p>
-          <a:p>
-            <a:pPr indent="450215" algn="just">
+            <a:endParaRPr lang="en-US" sz="1800" dirty="0">
+              <a:latin typeface="Times New Roman" panose="02020603050405020304" pitchFamily="18" charset="0"/>
+              <a:ea typeface="Times New Roman" panose="02020603050405020304" pitchFamily="18" charset="0"/>
+              <a:cs typeface="Times New Roman" panose="02020603050405020304" pitchFamily="18" charset="0"/>
+            </a:endParaRPr>
+          </a:p>
+          <a:p>
+            <a:pPr>
               <a:lnSpc>
                 <a:spcPct val="150000"/>
               </a:lnSpc>
-              <a:spcAft>
-                <a:spcPts val="800"/>
-              </a:spcAft>
             </a:pPr>
             <a:r>
               <a:rPr lang="ru-RU" sz="1800" dirty="0">
-                <a:effectLst/>
-                <a:latin typeface="Times New Roman" panose="02020603050405020304" pitchFamily="18" charset="0"/>
-                <a:ea typeface="Calibri" panose="020F0502020204030204" pitchFamily="34" charset="0"/>
-              </a:rPr>
-              <a:t>Пользователей, в свою очередь, не будет устраивать скорость работы веб-сайта, в следствии чего они будут выбирать более производительные сайты конкурентов.</a:t>
-            </a:r>
-          </a:p>
-          <a:p>
-            <a:pPr indent="450215" algn="just">
+                <a:latin typeface="Times New Roman" panose="02020603050405020304" pitchFamily="18" charset="0"/>
+                <a:ea typeface="Times New Roman" panose="02020603050405020304" pitchFamily="18" charset="0"/>
+                <a:cs typeface="Times New Roman" panose="02020603050405020304" pitchFamily="18" charset="0"/>
+              </a:rPr>
+              <a:t>	Задач</a:t>
+            </a:r>
+            <a:r>
+              <a:rPr lang="ru-RU" dirty="0">
+                <a:latin typeface="Times New Roman" panose="02020603050405020304" pitchFamily="18" charset="0"/>
+                <a:ea typeface="Times New Roman" panose="02020603050405020304" pitchFamily="18" charset="0"/>
+                <a:cs typeface="Times New Roman" panose="02020603050405020304" pitchFamily="18" charset="0"/>
+              </a:rPr>
+              <a:t>и</a:t>
+            </a:r>
+            <a:r>
+              <a:rPr lang="en-US" dirty="0">
+                <a:latin typeface="Times New Roman" panose="02020603050405020304" pitchFamily="18" charset="0"/>
+                <a:ea typeface="Times New Roman" panose="02020603050405020304" pitchFamily="18" charset="0"/>
+                <a:cs typeface="Times New Roman" panose="02020603050405020304" pitchFamily="18" charset="0"/>
+              </a:rPr>
+              <a:t>:</a:t>
+            </a:r>
+          </a:p>
+          <a:p>
+            <a:pPr marL="800100" lvl="1" indent="-342900" algn="just">
               <a:lnSpc>
                 <a:spcPct val="150000"/>
               </a:lnSpc>
+              <a:spcBef>
+                <a:spcPts val="720"/>
+              </a:spcBef>
               <a:spcAft>
-                <a:spcPts val="800"/>
+                <a:spcPts val="720"/>
               </a:spcAft>
+              <a:buFont typeface="+mj-lt"/>
+              <a:buAutoNum type="arabicPeriod"/>
             </a:pPr>
             <a:r>
-              <a:rPr lang="ru-RU" sz="1800" dirty="0">
-                <a:effectLst/>
-                <a:latin typeface="Times New Roman" panose="02020603050405020304" pitchFamily="18" charset="0"/>
-                <a:ea typeface="Calibri" panose="020F0502020204030204" pitchFamily="34" charset="0"/>
-              </a:rPr>
-              <a:t>Проблема оптимизации взаимодействия веб-сайта с базой данных очень актуальна. Особенно сильно это проблема касается для веб-сайтов, занимающихся коммерческой деятельностью, например, интернет магазины. Ведь уровень комфорта использования интернет-магазинов напрямую влияет на количество активных пользователей, а соответственно, от этого зависит прибыль.</a:t>
-            </a:r>
+              <a:rPr lang="ru-RU" kern="150" dirty="0">
+                <a:effectLst/>
+                <a:latin typeface="Times New Roman" panose="02020603050405020304" pitchFamily="18" charset="0"/>
+                <a:ea typeface="SimSun" panose="02010600030101010101" pitchFamily="2" charset="-122"/>
+                <a:cs typeface="Lohit Devanagari"/>
+              </a:rPr>
+              <a:t>Изучить операции взаимодействия веб-сайта с базой данных;</a:t>
+            </a:r>
+            <a:endParaRPr lang="ru-RU" kern="150" dirty="0">
+              <a:effectLst/>
+              <a:latin typeface="Liberation Serif"/>
+              <a:ea typeface="SimSun" panose="02010600030101010101" pitchFamily="2" charset="-122"/>
+              <a:cs typeface="Lohit Devanagari"/>
+            </a:endParaRPr>
+          </a:p>
+          <a:p>
+            <a:pPr marL="800100" lvl="1" indent="-342900" algn="just">
+              <a:lnSpc>
+                <a:spcPct val="150000"/>
+              </a:lnSpc>
+              <a:spcBef>
+                <a:spcPts val="720"/>
+              </a:spcBef>
+              <a:spcAft>
+                <a:spcPts val="720"/>
+              </a:spcAft>
+              <a:buFont typeface="+mj-lt"/>
+              <a:buAutoNum type="arabicPeriod"/>
+            </a:pPr>
+            <a:r>
+              <a:rPr lang="ru-RU" kern="150" dirty="0">
+                <a:effectLst/>
+                <a:latin typeface="Times New Roman" panose="02020603050405020304" pitchFamily="18" charset="0"/>
+                <a:ea typeface="SimSun" panose="02010600030101010101" pitchFamily="2" charset="-122"/>
+                <a:cs typeface="Lohit Devanagari"/>
+              </a:rPr>
+              <a:t>Проанализировать методы оптимизации взаимодействия веб-сайта с базой данных;</a:t>
+            </a:r>
+            <a:endParaRPr lang="ru-RU" kern="150" dirty="0">
+              <a:effectLst/>
+              <a:latin typeface="Liberation Serif"/>
+              <a:ea typeface="SimSun" panose="02010600030101010101" pitchFamily="2" charset="-122"/>
+              <a:cs typeface="Lohit Devanagari"/>
+            </a:endParaRPr>
+          </a:p>
+          <a:p>
+            <a:pPr marL="800100" lvl="1" indent="-342900" algn="just">
+              <a:lnSpc>
+                <a:spcPct val="150000"/>
+              </a:lnSpc>
+              <a:spcBef>
+                <a:spcPts val="720"/>
+              </a:spcBef>
+              <a:spcAft>
+                <a:spcPts val="720"/>
+              </a:spcAft>
+              <a:buFont typeface="+mj-lt"/>
+              <a:buAutoNum type="arabicPeriod"/>
+            </a:pPr>
+            <a:r>
+              <a:rPr lang="ru-RU" kern="150" dirty="0">
+                <a:effectLst/>
+                <a:latin typeface="Times New Roman" panose="02020603050405020304" pitchFamily="18" charset="0"/>
+                <a:ea typeface="SimSun" panose="02010600030101010101" pitchFamily="2" charset="-122"/>
+                <a:cs typeface="Lohit Devanagari"/>
+              </a:rPr>
+              <a:t>Разработать веб-библиотеки, реализующие методы оптимизации взаимодействия веб-сайта с базой данных.</a:t>
+            </a:r>
+            <a:endParaRPr lang="ru-RU" kern="150" dirty="0">
+              <a:effectLst/>
+              <a:latin typeface="Liberation Serif"/>
+              <a:ea typeface="SimSun" panose="02010600030101010101" pitchFamily="2" charset="-122"/>
+              <a:cs typeface="Lohit Devanagari"/>
+            </a:endParaRPr>
           </a:p>
         </p:txBody>
       </p:sp>
     </p:spTree>
     <p:extLst>
       <p:ext uri="{BB962C8B-B14F-4D97-AF65-F5344CB8AC3E}">
-        <p14:creationId xmlns:p14="http://schemas.microsoft.com/office/powerpoint/2010/main" val="4069862985"/>
+        <p14:creationId xmlns:p14="http://schemas.microsoft.com/office/powerpoint/2010/main" val="1333598413"/>
       </p:ext>
     </p:extLst>
   </p:cSld>
@@ -11405,7 +11405,7 @@
 </file>
 
 <file path=ppt/slides/slide5.xml><?xml version="1.0" encoding="utf-8"?>
-<p:sld xmlns:a="http://schemas.openxmlformats.org/drawingml/2006/main" xmlns:r="http://schemas.openxmlformats.org/officeDocument/2006/relationships" xmlns:p="http://schemas.openxmlformats.org/presentationml/2006/main">
+<p:sld xmlns:a="http://schemas.openxmlformats.org/drawingml/2006/main" xmlns:r="http://schemas.openxmlformats.org/officeDocument/2006/relationships" xmlns:p="http://schemas.openxmlformats.org/presentationml/2006/main" show="0">
   <p:cSld>
     <p:spTree>
       <p:nvGrpSpPr>
@@ -12507,7 +12507,7 @@
 </file>
 
 <file path=ppt/slides/slide8.xml><?xml version="1.0" encoding="utf-8"?>
-<p:sld xmlns:a="http://schemas.openxmlformats.org/drawingml/2006/main" xmlns:r="http://schemas.openxmlformats.org/officeDocument/2006/relationships" xmlns:p="http://schemas.openxmlformats.org/presentationml/2006/main">
+<p:sld xmlns:a="http://schemas.openxmlformats.org/drawingml/2006/main" xmlns:r="http://schemas.openxmlformats.org/officeDocument/2006/relationships" xmlns:p="http://schemas.openxmlformats.org/presentationml/2006/main" show="0">
   <p:cSld>
     <p:spTree>
       <p:nvGrpSpPr>
